--- a/Deliverable3_New.pptx
+++ b/Deliverable3_New.pptx
@@ -1,33 +1,33 @@
 
 <file path=ppt/presentation.xml><?xml version="1.0" encoding="utf-8"?>
-<p:presentation xmlns:a="http://schemas.openxmlformats.org/drawingml/2006/main" xmlns:r="http://schemas.openxmlformats.org/officeDocument/2006/relationships" xmlns:mc="http://schemas.openxmlformats.org/markup-compatibility/2006" xmlns:mv="urn:schemas-microsoft-com:mac:vml" xmlns:p="http://schemas.openxmlformats.org/presentationml/2006/main" xmlns:c="http://schemas.openxmlformats.org/drawingml/2006/chart" xmlns:dgm="http://schemas.openxmlformats.org/drawingml/2006/diagram" xmlns:o="urn:schemas-microsoft-com:office:office" xmlns:v="urn:schemas-microsoft-com:vml" xmlns:pvml="urn:schemas-microsoft-com:office:powerpoint" xmlns:com="http://schemas.openxmlformats.org/drawingml/2006/compatibility" xmlns:p14="http://schemas.microsoft.com/office/powerpoint/2010/main" xmlns:p15="http://schemas.microsoft.com/office/powerpoint/2012/main" autoCompressPictures="0" embedTrueTypeFonts="1" strictFirstAndLastChars="0" saveSubsetFonts="1">
+<p:presentation xmlns:a="http://schemas.openxmlformats.org/drawingml/2006/main" xmlns:r="http://schemas.openxmlformats.org/officeDocument/2006/relationships" xmlns:p="http://schemas.openxmlformats.org/presentationml/2006/main" strictFirstAndLastChars="0" embedTrueTypeFonts="1" saveSubsetFonts="1" autoCompressPictures="0">
   <p:sldMasterIdLst>
-    <p:sldMasterId id="2147483659" r:id="rId4"/>
+    <p:sldMasterId id="2147483659" r:id="rId1"/>
   </p:sldMasterIdLst>
   <p:notesMasterIdLst>
-    <p:notesMasterId r:id="rId5"/>
+    <p:notesMasterId r:id="rId8"/>
   </p:notesMasterIdLst>
   <p:sldIdLst>
-    <p:sldId id="256" r:id="rId6"/>
-    <p:sldId id="257" r:id="rId7"/>
-    <p:sldId id="258" r:id="rId8"/>
-    <p:sldId id="259" r:id="rId9"/>
-    <p:sldId id="260" r:id="rId10"/>
-    <p:sldId id="261" r:id="rId11"/>
+    <p:sldId id="256" r:id="rId2"/>
+    <p:sldId id="257" r:id="rId3"/>
+    <p:sldId id="258" r:id="rId4"/>
+    <p:sldId id="259" r:id="rId5"/>
+    <p:sldId id="260" r:id="rId6"/>
+    <p:sldId id="261" r:id="rId7"/>
   </p:sldIdLst>
-  <p:sldSz cy="5143500" cx="9144000"/>
+  <p:sldSz cx="9144000" cy="5143500" type="screen16x9"/>
   <p:notesSz cx="6858000" cy="9144000"/>
   <p:embeddedFontLst>
     <p:embeddedFont>
-      <p:font typeface="Roboto"/>
-      <p:regular r:id="rId12"/>
-      <p:bold r:id="rId13"/>
-      <p:italic r:id="rId14"/>
-      <p:boldItalic r:id="rId15"/>
+      <p:font typeface="Roboto" panose="020B0604020202020204" charset="0"/>
+      <p:regular r:id="rId9"/>
+      <p:bold r:id="rId10"/>
+      <p:italic r:id="rId11"/>
+      <p:boldItalic r:id="rId12"/>
     </p:embeddedFont>
   </p:embeddedFontLst>
   <p:defaultTextStyle>
-    <a:defPPr lvl="0" marR="0" rtl="0" algn="l">
+    <a:defPPr marR="0" lvl="0" algn="l" rtl="0">
       <a:lnSpc>
         <a:spcPct val="100000"/>
       </a:lnSpc>
@@ -38,7 +38,7 @@
         <a:spcPts val="0"/>
       </a:spcAft>
     </a:defPPr>
-    <a:lvl1pPr lvl="0" marR="0" rtl="0" algn="l">
+    <a:lvl1pPr marR="0" lvl="0" algn="l" rtl="0">
       <a:lnSpc>
         <a:spcPct val="100000"/>
       </a:lnSpc>
@@ -52,7 +52,7 @@
         <a:srgbClr val="000000"/>
       </a:buClr>
       <a:buFont typeface="Arial"/>
-      <a:defRPr b="0" i="0" sz="1400" u="none" cap="none" strike="noStrike">
+      <a:defRPr sz="1400" b="0" i="0" u="none" strike="noStrike" cap="none">
         <a:solidFill>
           <a:srgbClr val="000000"/>
         </a:solidFill>
@@ -62,7 +62,7 @@
         <a:sym typeface="Arial"/>
       </a:defRPr>
     </a:lvl1pPr>
-    <a:lvl2pPr lvl="1" marR="0" rtl="0" algn="l">
+    <a:lvl2pPr marR="0" lvl="1" algn="l" rtl="0">
       <a:lnSpc>
         <a:spcPct val="100000"/>
       </a:lnSpc>
@@ -76,7 +76,7 @@
         <a:srgbClr val="000000"/>
       </a:buClr>
       <a:buFont typeface="Arial"/>
-      <a:defRPr b="0" i="0" sz="1400" u="none" cap="none" strike="noStrike">
+      <a:defRPr sz="1400" b="0" i="0" u="none" strike="noStrike" cap="none">
         <a:solidFill>
           <a:srgbClr val="000000"/>
         </a:solidFill>
@@ -86,7 +86,7 @@
         <a:sym typeface="Arial"/>
       </a:defRPr>
     </a:lvl2pPr>
-    <a:lvl3pPr lvl="2" marR="0" rtl="0" algn="l">
+    <a:lvl3pPr marR="0" lvl="2" algn="l" rtl="0">
       <a:lnSpc>
         <a:spcPct val="100000"/>
       </a:lnSpc>
@@ -100,7 +100,7 @@
         <a:srgbClr val="000000"/>
       </a:buClr>
       <a:buFont typeface="Arial"/>
-      <a:defRPr b="0" i="0" sz="1400" u="none" cap="none" strike="noStrike">
+      <a:defRPr sz="1400" b="0" i="0" u="none" strike="noStrike" cap="none">
         <a:solidFill>
           <a:srgbClr val="000000"/>
         </a:solidFill>
@@ -110,7 +110,7 @@
         <a:sym typeface="Arial"/>
       </a:defRPr>
     </a:lvl3pPr>
-    <a:lvl4pPr lvl="3" marR="0" rtl="0" algn="l">
+    <a:lvl4pPr marR="0" lvl="3" algn="l" rtl="0">
       <a:lnSpc>
         <a:spcPct val="100000"/>
       </a:lnSpc>
@@ -124,7 +124,7 @@
         <a:srgbClr val="000000"/>
       </a:buClr>
       <a:buFont typeface="Arial"/>
-      <a:defRPr b="0" i="0" sz="1400" u="none" cap="none" strike="noStrike">
+      <a:defRPr sz="1400" b="0" i="0" u="none" strike="noStrike" cap="none">
         <a:solidFill>
           <a:srgbClr val="000000"/>
         </a:solidFill>
@@ -134,7 +134,7 @@
         <a:sym typeface="Arial"/>
       </a:defRPr>
     </a:lvl4pPr>
-    <a:lvl5pPr lvl="4" marR="0" rtl="0" algn="l">
+    <a:lvl5pPr marR="0" lvl="4" algn="l" rtl="0">
       <a:lnSpc>
         <a:spcPct val="100000"/>
       </a:lnSpc>
@@ -148,7 +148,7 @@
         <a:srgbClr val="000000"/>
       </a:buClr>
       <a:buFont typeface="Arial"/>
-      <a:defRPr b="0" i="0" sz="1400" u="none" cap="none" strike="noStrike">
+      <a:defRPr sz="1400" b="0" i="0" u="none" strike="noStrike" cap="none">
         <a:solidFill>
           <a:srgbClr val="000000"/>
         </a:solidFill>
@@ -158,7 +158,7 @@
         <a:sym typeface="Arial"/>
       </a:defRPr>
     </a:lvl5pPr>
-    <a:lvl6pPr lvl="5" marR="0" rtl="0" algn="l">
+    <a:lvl6pPr marR="0" lvl="5" algn="l" rtl="0">
       <a:lnSpc>
         <a:spcPct val="100000"/>
       </a:lnSpc>
@@ -172,7 +172,7 @@
         <a:srgbClr val="000000"/>
       </a:buClr>
       <a:buFont typeface="Arial"/>
-      <a:defRPr b="0" i="0" sz="1400" u="none" cap="none" strike="noStrike">
+      <a:defRPr sz="1400" b="0" i="0" u="none" strike="noStrike" cap="none">
         <a:solidFill>
           <a:srgbClr val="000000"/>
         </a:solidFill>
@@ -182,7 +182,7 @@
         <a:sym typeface="Arial"/>
       </a:defRPr>
     </a:lvl6pPr>
-    <a:lvl7pPr lvl="6" marR="0" rtl="0" algn="l">
+    <a:lvl7pPr marR="0" lvl="6" algn="l" rtl="0">
       <a:lnSpc>
         <a:spcPct val="100000"/>
       </a:lnSpc>
@@ -196,7 +196,7 @@
         <a:srgbClr val="000000"/>
       </a:buClr>
       <a:buFont typeface="Arial"/>
-      <a:defRPr b="0" i="0" sz="1400" u="none" cap="none" strike="noStrike">
+      <a:defRPr sz="1400" b="0" i="0" u="none" strike="noStrike" cap="none">
         <a:solidFill>
           <a:srgbClr val="000000"/>
         </a:solidFill>
@@ -206,7 +206,7 @@
         <a:sym typeface="Arial"/>
       </a:defRPr>
     </a:lvl7pPr>
-    <a:lvl8pPr lvl="7" marR="0" rtl="0" algn="l">
+    <a:lvl8pPr marR="0" lvl="7" algn="l" rtl="0">
       <a:lnSpc>
         <a:spcPct val="100000"/>
       </a:lnSpc>
@@ -220,7 +220,7 @@
         <a:srgbClr val="000000"/>
       </a:buClr>
       <a:buFont typeface="Arial"/>
-      <a:defRPr b="0" i="0" sz="1400" u="none" cap="none" strike="noStrike">
+      <a:defRPr sz="1400" b="0" i="0" u="none" strike="noStrike" cap="none">
         <a:solidFill>
           <a:srgbClr val="000000"/>
         </a:solidFill>
@@ -230,7 +230,7 @@
         <a:sym typeface="Arial"/>
       </a:defRPr>
     </a:lvl8pPr>
-    <a:lvl9pPr lvl="8" marR="0" rtl="0" algn="l">
+    <a:lvl9pPr marR="0" lvl="8" algn="l" rtl="0">
       <a:lnSpc>
         <a:spcPct val="100000"/>
       </a:lnSpc>
@@ -244,7 +244,7 @@
         <a:srgbClr val="000000"/>
       </a:buClr>
       <a:buFont typeface="Arial"/>
-      <a:defRPr b="0" i="0" sz="1400" u="none" cap="none" strike="noStrike">
+      <a:defRPr sz="1400" b="0" i="0" u="none" strike="noStrike" cap="none">
         <a:solidFill>
           <a:srgbClr val="000000"/>
         </a:solidFill>
@@ -257,7 +257,7 @@
   </p:defaultTextStyle>
   <p:extLst>
     <p:ext uri="{EFAFB233-063F-42B5-8137-9DF3F51BA10A}">
-      <p15:sldGuideLst>
+      <p15:sldGuideLst xmlns:p15="http://schemas.microsoft.com/office/powerpoint/2012/main">
         <p15:guide id="1" orient="horz" pos="1620">
           <p15:clr>
             <a:srgbClr val="A4A3A4"/>
@@ -275,11 +275,16 @@
 </file>
 
 <file path=ppt/notesMasters/notesMaster1.xml><?xml version="1.0" encoding="utf-8"?>
-<p:notesMaster xmlns:a="http://schemas.openxmlformats.org/drawingml/2006/main" xmlns:r="http://schemas.openxmlformats.org/officeDocument/2006/relationships" xmlns:mc="http://schemas.openxmlformats.org/markup-compatibility/2006" xmlns:mv="urn:schemas-microsoft-com:mac:vml" xmlns:p="http://schemas.openxmlformats.org/presentationml/2006/main" xmlns:c="http://schemas.openxmlformats.org/drawingml/2006/chart" xmlns:dgm="http://schemas.openxmlformats.org/drawingml/2006/diagram" xmlns:o="urn:schemas-microsoft-com:office:office" xmlns:v="urn:schemas-microsoft-com:vml" xmlns:pvml="urn:schemas-microsoft-com:office:powerpoint" xmlns:com="http://schemas.openxmlformats.org/drawingml/2006/compatibility" xmlns:p14="http://schemas.microsoft.com/office/powerpoint/2010/main" xmlns:p15="http://schemas.microsoft.com/office/powerpoint/2012/main">
+<p:notesMaster xmlns:a="http://schemas.openxmlformats.org/drawingml/2006/main" xmlns:r="http://schemas.openxmlformats.org/officeDocument/2006/relationships" xmlns:p="http://schemas.openxmlformats.org/presentationml/2006/main">
   <p:cSld>
+    <p:bg>
+      <p:bgRef idx="1001">
+        <a:schemeClr val="bg1"/>
+      </p:bgRef>
+    </p:bg>
     <p:spTree>
       <p:nvGrpSpPr>
-        <p:cNvPr id="2" name="Shape 2"/>
+        <p:cNvPr id="1" name="Shape 2"/>
         <p:cNvGrpSpPr/>
         <p:nvPr/>
       </p:nvGrpSpPr>
@@ -294,9 +299,11 @@
       <p:sp>
         <p:nvSpPr>
           <p:cNvPr id="3" name="Google Shape;3;n"/>
-          <p:cNvSpPr/>
+          <p:cNvSpPr>
+            <a:spLocks noGrp="1" noRot="1" noChangeAspect="1"/>
+          </p:cNvSpPr>
           <p:nvPr>
-            <p:ph idx="2" type="sldImg"/>
+            <p:ph type="sldImg" idx="2"/>
           </p:nvPr>
         </p:nvSpPr>
         <p:spPr>
@@ -305,9 +312,13 @@
             <a:ext cx="6096075" cy="3429000"/>
           </a:xfrm>
           <a:custGeom>
-            <a:rect b="b" l="l" r="r" t="t"/>
+            <a:avLst/>
+            <a:gdLst/>
+            <a:ahLst/>
+            <a:cxnLst/>
+            <a:rect l="l" t="t" r="r" b="b"/>
             <a:pathLst>
-              <a:path extrusionOk="0" h="120000" w="120000">
+              <a:path w="120000" h="120000" extrusionOk="0">
                 <a:moveTo>
                   <a:pt x="0" y="0"/>
                 </a:moveTo>
@@ -325,23 +336,25 @@
             </a:pathLst>
           </a:custGeom>
           <a:noFill/>
-          <a:ln cap="flat" cmpd="sng" w="9525">
+          <a:ln w="9525" cap="flat" cmpd="sng">
             <a:solidFill>
               <a:srgbClr val="000000"/>
             </a:solidFill>
             <a:prstDash val="solid"/>
             <a:round/>
-            <a:headEnd len="sm" w="sm" type="none"/>
-            <a:tailEnd len="sm" w="sm" type="none"/>
+            <a:headEnd type="none" w="sm" len="sm"/>
+            <a:tailEnd type="none" w="sm" len="sm"/>
           </a:ln>
         </p:spPr>
       </p:sp>
       <p:sp>
         <p:nvSpPr>
           <p:cNvPr id="4" name="Google Shape;4;n"/>
-          <p:cNvSpPr txBox="1"/>
+          <p:cNvSpPr txBox="1">
+            <a:spLocks noGrp="1"/>
+          </p:cNvSpPr>
           <p:nvPr>
-            <p:ph idx="1" type="body"/>
+            <p:ph type="body" idx="1"/>
           </p:nvPr>
         </p:nvSpPr>
         <p:spPr>
@@ -358,9 +371,9 @@
           </a:ln>
         </p:spPr>
         <p:txBody>
-          <a:bodyPr anchorCtr="0" anchor="t" bIns="91425" lIns="91425" spcFirstLastPara="1" rIns="91425" wrap="square" tIns="91425"/>
+          <a:bodyPr spcFirstLastPara="1" wrap="square" lIns="91425" tIns="91425" rIns="91425" bIns="91425" anchor="t" anchorCtr="0"/>
           <a:lstStyle>
-            <a:lvl1pPr indent="-298450" lvl="0" marL="457200">
+            <a:lvl1pPr marL="457200" lvl="0" indent="-298450">
               <a:spcBef>
                 <a:spcPts val="0"/>
               </a:spcBef>
@@ -371,7 +384,7 @@
               <a:buChar char="●"/>
               <a:defRPr sz="1100"/>
             </a:lvl1pPr>
-            <a:lvl2pPr indent="-298450" lvl="1" marL="914400">
+            <a:lvl2pPr marL="914400" lvl="1" indent="-298450">
               <a:spcBef>
                 <a:spcPts val="0"/>
               </a:spcBef>
@@ -382,7 +395,7 @@
               <a:buChar char="○"/>
               <a:defRPr sz="1100"/>
             </a:lvl2pPr>
-            <a:lvl3pPr indent="-298450" lvl="2" marL="1371600">
+            <a:lvl3pPr marL="1371600" lvl="2" indent="-298450">
               <a:spcBef>
                 <a:spcPts val="0"/>
               </a:spcBef>
@@ -393,7 +406,7 @@
               <a:buChar char="■"/>
               <a:defRPr sz="1100"/>
             </a:lvl3pPr>
-            <a:lvl4pPr indent="-298450" lvl="3" marL="1828800">
+            <a:lvl4pPr marL="1828800" lvl="3" indent="-298450">
               <a:spcBef>
                 <a:spcPts val="0"/>
               </a:spcBef>
@@ -404,7 +417,7 @@
               <a:buChar char="●"/>
               <a:defRPr sz="1100"/>
             </a:lvl4pPr>
-            <a:lvl5pPr indent="-298450" lvl="4" marL="2286000">
+            <a:lvl5pPr marL="2286000" lvl="4" indent="-298450">
               <a:spcBef>
                 <a:spcPts val="0"/>
               </a:spcBef>
@@ -415,7 +428,7 @@
               <a:buChar char="○"/>
               <a:defRPr sz="1100"/>
             </a:lvl5pPr>
-            <a:lvl6pPr indent="-298450" lvl="5" marL="2743200">
+            <a:lvl6pPr marL="2743200" lvl="5" indent="-298450">
               <a:spcBef>
                 <a:spcPts val="0"/>
               </a:spcBef>
@@ -426,7 +439,7 @@
               <a:buChar char="■"/>
               <a:defRPr sz="1100"/>
             </a:lvl6pPr>
-            <a:lvl7pPr indent="-298450" lvl="6" marL="3200400">
+            <a:lvl7pPr marL="3200400" lvl="6" indent="-298450">
               <a:spcBef>
                 <a:spcPts val="0"/>
               </a:spcBef>
@@ -437,7 +450,7 @@
               <a:buChar char="●"/>
               <a:defRPr sz="1100"/>
             </a:lvl7pPr>
-            <a:lvl8pPr indent="-298450" lvl="7" marL="3657600">
+            <a:lvl8pPr marL="3657600" lvl="7" indent="-298450">
               <a:spcBef>
                 <a:spcPts val="0"/>
               </a:spcBef>
@@ -448,7 +461,7 @@
               <a:buChar char="○"/>
               <a:defRPr sz="1100"/>
             </a:lvl8pPr>
-            <a:lvl9pPr indent="-298450" lvl="8" marL="4114800">
+            <a:lvl9pPr marL="4114800" lvl="8" indent="-298450">
               <a:spcBef>
                 <a:spcPts val="0"/>
               </a:spcBef>
@@ -460,14 +473,16 @@
               <a:defRPr sz="1100"/>
             </a:lvl9pPr>
           </a:lstStyle>
-          <a:p/>
+          <a:p>
+            <a:endParaRPr/>
+          </a:p>
         </p:txBody>
       </p:sp>
     </p:spTree>
   </p:cSld>
-  <p:clrMap accent1="accent1" accent2="accent2" accent3="accent3" accent4="accent4" accent5="accent5" accent6="accent6" bg1="lt1" bg2="dk2" tx1="dk1" tx2="lt2" folHlink="folHlink" hlink="hlink"/>
+  <p:clrMap bg1="lt1" tx1="dk1" bg2="dk2" tx2="lt2" accent1="accent1" accent2="accent2" accent3="accent3" accent4="accent4" accent5="accent5" accent6="accent6" hlink="hlink" folHlink="folHlink"/>
   <p:notesStyle>
-    <a:defPPr lvl="0" marR="0" rtl="0" algn="l">
+    <a:defPPr marR="0" lvl="0" algn="l" rtl="0">
       <a:lnSpc>
         <a:spcPct val="100000"/>
       </a:lnSpc>
@@ -478,7 +493,7 @@
         <a:spcPts val="0"/>
       </a:spcAft>
     </a:defPPr>
-    <a:lvl1pPr lvl="0" marR="0" rtl="0" algn="l">
+    <a:lvl1pPr marR="0" lvl="0" algn="l" rtl="0">
       <a:lnSpc>
         <a:spcPct val="100000"/>
       </a:lnSpc>
@@ -492,7 +507,7 @@
         <a:srgbClr val="000000"/>
       </a:buClr>
       <a:buFont typeface="Arial"/>
-      <a:defRPr b="0" i="0" sz="1400" u="none" cap="none" strike="noStrike">
+      <a:defRPr sz="1400" b="0" i="0" u="none" strike="noStrike" cap="none">
         <a:solidFill>
           <a:srgbClr val="000000"/>
         </a:solidFill>
@@ -502,7 +517,7 @@
         <a:sym typeface="Arial"/>
       </a:defRPr>
     </a:lvl1pPr>
-    <a:lvl2pPr lvl="1" marR="0" rtl="0" algn="l">
+    <a:lvl2pPr marR="0" lvl="1" algn="l" rtl="0">
       <a:lnSpc>
         <a:spcPct val="100000"/>
       </a:lnSpc>
@@ -516,7 +531,7 @@
         <a:srgbClr val="000000"/>
       </a:buClr>
       <a:buFont typeface="Arial"/>
-      <a:defRPr b="0" i="0" sz="1400" u="none" cap="none" strike="noStrike">
+      <a:defRPr sz="1400" b="0" i="0" u="none" strike="noStrike" cap="none">
         <a:solidFill>
           <a:srgbClr val="000000"/>
         </a:solidFill>
@@ -526,7 +541,7 @@
         <a:sym typeface="Arial"/>
       </a:defRPr>
     </a:lvl2pPr>
-    <a:lvl3pPr lvl="2" marR="0" rtl="0" algn="l">
+    <a:lvl3pPr marR="0" lvl="2" algn="l" rtl="0">
       <a:lnSpc>
         <a:spcPct val="100000"/>
       </a:lnSpc>
@@ -540,7 +555,7 @@
         <a:srgbClr val="000000"/>
       </a:buClr>
       <a:buFont typeface="Arial"/>
-      <a:defRPr b="0" i="0" sz="1400" u="none" cap="none" strike="noStrike">
+      <a:defRPr sz="1400" b="0" i="0" u="none" strike="noStrike" cap="none">
         <a:solidFill>
           <a:srgbClr val="000000"/>
         </a:solidFill>
@@ -550,7 +565,7 @@
         <a:sym typeface="Arial"/>
       </a:defRPr>
     </a:lvl3pPr>
-    <a:lvl4pPr lvl="3" marR="0" rtl="0" algn="l">
+    <a:lvl4pPr marR="0" lvl="3" algn="l" rtl="0">
       <a:lnSpc>
         <a:spcPct val="100000"/>
       </a:lnSpc>
@@ -564,7 +579,7 @@
         <a:srgbClr val="000000"/>
       </a:buClr>
       <a:buFont typeface="Arial"/>
-      <a:defRPr b="0" i="0" sz="1400" u="none" cap="none" strike="noStrike">
+      <a:defRPr sz="1400" b="0" i="0" u="none" strike="noStrike" cap="none">
         <a:solidFill>
           <a:srgbClr val="000000"/>
         </a:solidFill>
@@ -574,7 +589,7 @@
         <a:sym typeface="Arial"/>
       </a:defRPr>
     </a:lvl4pPr>
-    <a:lvl5pPr lvl="4" marR="0" rtl="0" algn="l">
+    <a:lvl5pPr marR="0" lvl="4" algn="l" rtl="0">
       <a:lnSpc>
         <a:spcPct val="100000"/>
       </a:lnSpc>
@@ -588,7 +603,7 @@
         <a:srgbClr val="000000"/>
       </a:buClr>
       <a:buFont typeface="Arial"/>
-      <a:defRPr b="0" i="0" sz="1400" u="none" cap="none" strike="noStrike">
+      <a:defRPr sz="1400" b="0" i="0" u="none" strike="noStrike" cap="none">
         <a:solidFill>
           <a:srgbClr val="000000"/>
         </a:solidFill>
@@ -598,7 +613,7 @@
         <a:sym typeface="Arial"/>
       </a:defRPr>
     </a:lvl5pPr>
-    <a:lvl6pPr lvl="5" marR="0" rtl="0" algn="l">
+    <a:lvl6pPr marR="0" lvl="5" algn="l" rtl="0">
       <a:lnSpc>
         <a:spcPct val="100000"/>
       </a:lnSpc>
@@ -612,7 +627,7 @@
         <a:srgbClr val="000000"/>
       </a:buClr>
       <a:buFont typeface="Arial"/>
-      <a:defRPr b="0" i="0" sz="1400" u="none" cap="none" strike="noStrike">
+      <a:defRPr sz="1400" b="0" i="0" u="none" strike="noStrike" cap="none">
         <a:solidFill>
           <a:srgbClr val="000000"/>
         </a:solidFill>
@@ -622,7 +637,7 @@
         <a:sym typeface="Arial"/>
       </a:defRPr>
     </a:lvl6pPr>
-    <a:lvl7pPr lvl="6" marR="0" rtl="0" algn="l">
+    <a:lvl7pPr marR="0" lvl="6" algn="l" rtl="0">
       <a:lnSpc>
         <a:spcPct val="100000"/>
       </a:lnSpc>
@@ -636,7 +651,7 @@
         <a:srgbClr val="000000"/>
       </a:buClr>
       <a:buFont typeface="Arial"/>
-      <a:defRPr b="0" i="0" sz="1400" u="none" cap="none" strike="noStrike">
+      <a:defRPr sz="1400" b="0" i="0" u="none" strike="noStrike" cap="none">
         <a:solidFill>
           <a:srgbClr val="000000"/>
         </a:solidFill>
@@ -646,7 +661,7 @@
         <a:sym typeface="Arial"/>
       </a:defRPr>
     </a:lvl7pPr>
-    <a:lvl8pPr lvl="7" marR="0" rtl="0" algn="l">
+    <a:lvl8pPr marR="0" lvl="7" algn="l" rtl="0">
       <a:lnSpc>
         <a:spcPct val="100000"/>
       </a:lnSpc>
@@ -660,7 +675,7 @@
         <a:srgbClr val="000000"/>
       </a:buClr>
       <a:buFont typeface="Arial"/>
-      <a:defRPr b="0" i="0" sz="1400" u="none" cap="none" strike="noStrike">
+      <a:defRPr sz="1400" b="0" i="0" u="none" strike="noStrike" cap="none">
         <a:solidFill>
           <a:srgbClr val="000000"/>
         </a:solidFill>
@@ -670,7 +685,7 @@
         <a:sym typeface="Arial"/>
       </a:defRPr>
     </a:lvl8pPr>
-    <a:lvl9pPr lvl="8" marR="0" rtl="0" algn="l">
+    <a:lvl9pPr marR="0" lvl="8" algn="l" rtl="0">
       <a:lnSpc>
         <a:spcPct val="100000"/>
       </a:lnSpc>
@@ -684,7 +699,7 @@
         <a:srgbClr val="000000"/>
       </a:buClr>
       <a:buFont typeface="Arial"/>
-      <a:defRPr b="0" i="0" sz="1400" u="none" cap="none" strike="noStrike">
+      <a:defRPr sz="1400" b="0" i="0" u="none" strike="noStrike" cap="none">
         <a:solidFill>
           <a:srgbClr val="000000"/>
         </a:solidFill>
@@ -699,11 +714,11 @@
 </file>
 
 <file path=ppt/notesSlides/notesSlide1.xml><?xml version="1.0" encoding="utf-8"?>
-<p:notes xmlns:a="http://schemas.openxmlformats.org/drawingml/2006/main" xmlns:r="http://schemas.openxmlformats.org/officeDocument/2006/relationships" xmlns:mc="http://schemas.openxmlformats.org/markup-compatibility/2006" xmlns:mv="urn:schemas-microsoft-com:mac:vml" xmlns:p="http://schemas.openxmlformats.org/presentationml/2006/main" xmlns:c="http://schemas.openxmlformats.org/drawingml/2006/chart" xmlns:dgm="http://schemas.openxmlformats.org/drawingml/2006/diagram" xmlns:o="urn:schemas-microsoft-com:office:office" xmlns:v="urn:schemas-microsoft-com:vml" xmlns:pvml="urn:schemas-microsoft-com:office:powerpoint" xmlns:com="http://schemas.openxmlformats.org/drawingml/2006/compatibility" xmlns:p14="http://schemas.microsoft.com/office/powerpoint/2010/main" xmlns:p15="http://schemas.microsoft.com/office/powerpoint/2012/main" showMasterPhAnim="0" showMasterSp="0">
+<p:notes xmlns:a="http://schemas.openxmlformats.org/drawingml/2006/main" xmlns:r="http://schemas.openxmlformats.org/officeDocument/2006/relationships" xmlns:p="http://schemas.openxmlformats.org/presentationml/2006/main" showMasterSp="0" showMasterPhAnim="0">
   <p:cSld>
     <p:spTree>
       <p:nvGrpSpPr>
-        <p:cNvPr id="63" name="Shape 63"/>
+        <p:cNvPr id="1" name="Shape 63"/>
         <p:cNvGrpSpPr/>
         <p:nvPr/>
       </p:nvGrpSpPr>
@@ -718,9 +733,11 @@
       <p:sp>
         <p:nvSpPr>
           <p:cNvPr id="64" name="Google Shape;64;p:notes"/>
-          <p:cNvSpPr/>
+          <p:cNvSpPr>
+            <a:spLocks noGrp="1" noRot="1" noChangeAspect="1"/>
+          </p:cNvSpPr>
           <p:nvPr>
-            <p:ph idx="2" type="sldImg"/>
+            <p:ph type="sldImg" idx="2"/>
           </p:nvPr>
         </p:nvSpPr>
         <p:spPr>
@@ -729,9 +746,13 @@
             <a:ext cx="6096075" cy="3429000"/>
           </a:xfrm>
           <a:custGeom>
-            <a:rect b="b" l="l" r="r" t="t"/>
+            <a:avLst/>
+            <a:gdLst/>
+            <a:ahLst/>
+            <a:cxnLst/>
+            <a:rect l="l" t="t" r="r" b="b"/>
             <a:pathLst>
-              <a:path extrusionOk="0" h="120000" w="120000">
+              <a:path w="120000" h="120000" extrusionOk="0">
                 <a:moveTo>
                   <a:pt x="0" y="0"/>
                 </a:moveTo>
@@ -753,9 +774,11 @@
       <p:sp>
         <p:nvSpPr>
           <p:cNvPr id="65" name="Google Shape;65;p:notes"/>
-          <p:cNvSpPr txBox="1"/>
+          <p:cNvSpPr txBox="1">
+            <a:spLocks noGrp="1"/>
+          </p:cNvSpPr>
           <p:nvPr>
-            <p:ph idx="1" type="body"/>
+            <p:ph type="body" idx="1"/>
           </p:nvPr>
         </p:nvSpPr>
         <p:spPr>
@@ -768,12 +791,12 @@
           </a:prstGeom>
         </p:spPr>
         <p:txBody>
-          <a:bodyPr anchorCtr="0" anchor="t" bIns="91425" lIns="91425" spcFirstLastPara="1" rIns="91425" wrap="square" tIns="91425">
+          <a:bodyPr spcFirstLastPara="1" wrap="square" lIns="91425" tIns="91425" rIns="91425" bIns="91425" anchor="t" anchorCtr="0">
             <a:noAutofit/>
           </a:bodyPr>
           <a:lstStyle/>
           <a:p>
-            <a:pPr indent="0" lvl="0" marL="0" rtl="0" algn="l">
+            <a:pPr marL="0" lvl="0" indent="0" algn="l" rtl="0">
               <a:spcBef>
                 <a:spcPts val="0"/>
               </a:spcBef>
@@ -782,9 +805,6 @@
               </a:spcAft>
               <a:buNone/>
             </a:pPr>
-            <a:r>
-              <a:t/>
-            </a:r>
             <a:endParaRPr/>
           </a:p>
         </p:txBody>
@@ -798,11 +818,11 @@
 </file>
 
 <file path=ppt/notesSlides/notesSlide2.xml><?xml version="1.0" encoding="utf-8"?>
-<p:notes xmlns:a="http://schemas.openxmlformats.org/drawingml/2006/main" xmlns:r="http://schemas.openxmlformats.org/officeDocument/2006/relationships" xmlns:mc="http://schemas.openxmlformats.org/markup-compatibility/2006" xmlns:mv="urn:schemas-microsoft-com:mac:vml" xmlns:p="http://schemas.openxmlformats.org/presentationml/2006/main" xmlns:c="http://schemas.openxmlformats.org/drawingml/2006/chart" xmlns:dgm="http://schemas.openxmlformats.org/drawingml/2006/diagram" xmlns:o="urn:schemas-microsoft-com:office:office" xmlns:v="urn:schemas-microsoft-com:vml" xmlns:pvml="urn:schemas-microsoft-com:office:powerpoint" xmlns:com="http://schemas.openxmlformats.org/drawingml/2006/compatibility" xmlns:p14="http://schemas.microsoft.com/office/powerpoint/2010/main" xmlns:p15="http://schemas.microsoft.com/office/powerpoint/2012/main" showMasterPhAnim="0" showMasterSp="0">
+<p:notes xmlns:a="http://schemas.openxmlformats.org/drawingml/2006/main" xmlns:r="http://schemas.openxmlformats.org/officeDocument/2006/relationships" xmlns:p="http://schemas.openxmlformats.org/presentationml/2006/main" showMasterSp="0" showMasterPhAnim="0">
   <p:cSld>
     <p:spTree>
       <p:nvGrpSpPr>
-        <p:cNvPr id="69" name="Shape 69"/>
+        <p:cNvPr id="1" name="Shape 69"/>
         <p:cNvGrpSpPr/>
         <p:nvPr/>
       </p:nvGrpSpPr>
@@ -817,9 +837,11 @@
       <p:sp>
         <p:nvSpPr>
           <p:cNvPr id="70" name="Google Shape;70;g55ed61ae0c_0_58:notes"/>
-          <p:cNvSpPr/>
+          <p:cNvSpPr>
+            <a:spLocks noGrp="1" noRot="1" noChangeAspect="1"/>
+          </p:cNvSpPr>
           <p:nvPr>
-            <p:ph idx="2" type="sldImg"/>
+            <p:ph type="sldImg" idx="2"/>
           </p:nvPr>
         </p:nvSpPr>
         <p:spPr>
@@ -828,9 +850,13 @@
             <a:ext cx="6096000" cy="3429000"/>
           </a:xfrm>
           <a:custGeom>
-            <a:rect b="b" l="l" r="r" t="t"/>
+            <a:avLst/>
+            <a:gdLst/>
+            <a:ahLst/>
+            <a:cxnLst/>
+            <a:rect l="l" t="t" r="r" b="b"/>
             <a:pathLst>
-              <a:path extrusionOk="0" h="120000" w="120000">
+              <a:path w="120000" h="120000" extrusionOk="0">
                 <a:moveTo>
                   <a:pt x="0" y="0"/>
                 </a:moveTo>
@@ -852,9 +878,11 @@
       <p:sp>
         <p:nvSpPr>
           <p:cNvPr id="71" name="Google Shape;71;g55ed61ae0c_0_58:notes"/>
-          <p:cNvSpPr txBox="1"/>
+          <p:cNvSpPr txBox="1">
+            <a:spLocks noGrp="1"/>
+          </p:cNvSpPr>
           <p:nvPr>
-            <p:ph idx="1" type="body"/>
+            <p:ph type="body" idx="1"/>
           </p:nvPr>
         </p:nvSpPr>
         <p:spPr>
@@ -867,12 +895,12 @@
           </a:prstGeom>
         </p:spPr>
         <p:txBody>
-          <a:bodyPr anchorCtr="0" anchor="t" bIns="91425" lIns="91425" spcFirstLastPara="1" rIns="91425" wrap="square" tIns="91425">
+          <a:bodyPr spcFirstLastPara="1" wrap="square" lIns="91425" tIns="91425" rIns="91425" bIns="91425" anchor="t" anchorCtr="0">
             <a:noAutofit/>
           </a:bodyPr>
           <a:lstStyle/>
           <a:p>
-            <a:pPr indent="0" lvl="0" marL="0" rtl="0" algn="l">
+            <a:pPr marL="0" lvl="0" indent="0" algn="l" rtl="0">
               <a:spcBef>
                 <a:spcPts val="0"/>
               </a:spcBef>
@@ -881,9 +909,6 @@
               </a:spcAft>
               <a:buNone/>
             </a:pPr>
-            <a:r>
-              <a:t/>
-            </a:r>
             <a:endParaRPr/>
           </a:p>
         </p:txBody>
@@ -897,11 +922,11 @@
 </file>
 
 <file path=ppt/notesSlides/notesSlide3.xml><?xml version="1.0" encoding="utf-8"?>
-<p:notes xmlns:a="http://schemas.openxmlformats.org/drawingml/2006/main" xmlns:r="http://schemas.openxmlformats.org/officeDocument/2006/relationships" xmlns:mc="http://schemas.openxmlformats.org/markup-compatibility/2006" xmlns:mv="urn:schemas-microsoft-com:mac:vml" xmlns:p="http://schemas.openxmlformats.org/presentationml/2006/main" xmlns:c="http://schemas.openxmlformats.org/drawingml/2006/chart" xmlns:dgm="http://schemas.openxmlformats.org/drawingml/2006/diagram" xmlns:o="urn:schemas-microsoft-com:office:office" xmlns:v="urn:schemas-microsoft-com:vml" xmlns:pvml="urn:schemas-microsoft-com:office:powerpoint" xmlns:com="http://schemas.openxmlformats.org/drawingml/2006/compatibility" xmlns:p14="http://schemas.microsoft.com/office/powerpoint/2010/main" xmlns:p15="http://schemas.microsoft.com/office/powerpoint/2012/main" showMasterPhAnim="0" showMasterSp="0">
+<p:notes xmlns:a="http://schemas.openxmlformats.org/drawingml/2006/main" xmlns:r="http://schemas.openxmlformats.org/officeDocument/2006/relationships" xmlns:p="http://schemas.openxmlformats.org/presentationml/2006/main" showMasterSp="0" showMasterPhAnim="0">
   <p:cSld>
     <p:spTree>
       <p:nvGrpSpPr>
-        <p:cNvPr id="75" name="Shape 75"/>
+        <p:cNvPr id="1" name="Shape 75"/>
         <p:cNvGrpSpPr/>
         <p:nvPr/>
       </p:nvGrpSpPr>
@@ -916,9 +941,11 @@
       <p:sp>
         <p:nvSpPr>
           <p:cNvPr id="76" name="Google Shape;76;g55ed61ae0c_0_64:notes"/>
-          <p:cNvSpPr/>
+          <p:cNvSpPr>
+            <a:spLocks noGrp="1" noRot="1" noChangeAspect="1"/>
+          </p:cNvSpPr>
           <p:nvPr>
-            <p:ph idx="2" type="sldImg"/>
+            <p:ph type="sldImg" idx="2"/>
           </p:nvPr>
         </p:nvSpPr>
         <p:spPr>
@@ -927,9 +954,13 @@
             <a:ext cx="6096000" cy="3429000"/>
           </a:xfrm>
           <a:custGeom>
-            <a:rect b="b" l="l" r="r" t="t"/>
+            <a:avLst/>
+            <a:gdLst/>
+            <a:ahLst/>
+            <a:cxnLst/>
+            <a:rect l="l" t="t" r="r" b="b"/>
             <a:pathLst>
-              <a:path extrusionOk="0" h="120000" w="120000">
+              <a:path w="120000" h="120000" extrusionOk="0">
                 <a:moveTo>
                   <a:pt x="0" y="0"/>
                 </a:moveTo>
@@ -951,9 +982,11 @@
       <p:sp>
         <p:nvSpPr>
           <p:cNvPr id="77" name="Google Shape;77;g55ed61ae0c_0_64:notes"/>
-          <p:cNvSpPr txBox="1"/>
+          <p:cNvSpPr txBox="1">
+            <a:spLocks noGrp="1"/>
+          </p:cNvSpPr>
           <p:nvPr>
-            <p:ph idx="1" type="body"/>
+            <p:ph type="body" idx="1"/>
           </p:nvPr>
         </p:nvSpPr>
         <p:spPr>
@@ -966,12 +999,12 @@
           </a:prstGeom>
         </p:spPr>
         <p:txBody>
-          <a:bodyPr anchorCtr="0" anchor="t" bIns="91425" lIns="91425" spcFirstLastPara="1" rIns="91425" wrap="square" tIns="91425">
+          <a:bodyPr spcFirstLastPara="1" wrap="square" lIns="91425" tIns="91425" rIns="91425" bIns="91425" anchor="t" anchorCtr="0">
             <a:noAutofit/>
           </a:bodyPr>
           <a:lstStyle/>
           <a:p>
-            <a:pPr indent="0" lvl="0" marL="0" rtl="0" algn="l">
+            <a:pPr marL="0" lvl="0" indent="0" algn="l" rtl="0">
               <a:spcBef>
                 <a:spcPts val="0"/>
               </a:spcBef>
@@ -980,9 +1013,6 @@
               </a:spcAft>
               <a:buNone/>
             </a:pPr>
-            <a:r>
-              <a:t/>
-            </a:r>
             <a:endParaRPr/>
           </a:p>
         </p:txBody>
@@ -996,11 +1026,11 @@
 </file>
 
 <file path=ppt/notesSlides/notesSlide4.xml><?xml version="1.0" encoding="utf-8"?>
-<p:notes xmlns:a="http://schemas.openxmlformats.org/drawingml/2006/main" xmlns:r="http://schemas.openxmlformats.org/officeDocument/2006/relationships" xmlns:mc="http://schemas.openxmlformats.org/markup-compatibility/2006" xmlns:mv="urn:schemas-microsoft-com:mac:vml" xmlns:p="http://schemas.openxmlformats.org/presentationml/2006/main" xmlns:c="http://schemas.openxmlformats.org/drawingml/2006/chart" xmlns:dgm="http://schemas.openxmlformats.org/drawingml/2006/diagram" xmlns:o="urn:schemas-microsoft-com:office:office" xmlns:v="urn:schemas-microsoft-com:vml" xmlns:pvml="urn:schemas-microsoft-com:office:powerpoint" xmlns:com="http://schemas.openxmlformats.org/drawingml/2006/compatibility" xmlns:p14="http://schemas.microsoft.com/office/powerpoint/2010/main" xmlns:p15="http://schemas.microsoft.com/office/powerpoint/2012/main" showMasterPhAnim="0" showMasterSp="0">
+<p:notes xmlns:a="http://schemas.openxmlformats.org/drawingml/2006/main" xmlns:r="http://schemas.openxmlformats.org/officeDocument/2006/relationships" xmlns:p="http://schemas.openxmlformats.org/presentationml/2006/main" showMasterSp="0" showMasterPhAnim="0">
   <p:cSld>
     <p:spTree>
       <p:nvGrpSpPr>
-        <p:cNvPr id="81" name="Shape 81"/>
+        <p:cNvPr id="1" name="Shape 81"/>
         <p:cNvGrpSpPr/>
         <p:nvPr/>
       </p:nvGrpSpPr>
@@ -1015,9 +1045,11 @@
       <p:sp>
         <p:nvSpPr>
           <p:cNvPr id="82" name="Google Shape;82;g55ed61ae0c_0_74:notes"/>
-          <p:cNvSpPr/>
+          <p:cNvSpPr>
+            <a:spLocks noGrp="1" noRot="1" noChangeAspect="1"/>
+          </p:cNvSpPr>
           <p:nvPr>
-            <p:ph idx="2" type="sldImg"/>
+            <p:ph type="sldImg" idx="2"/>
           </p:nvPr>
         </p:nvSpPr>
         <p:spPr>
@@ -1026,9 +1058,13 @@
             <a:ext cx="6096000" cy="3429000"/>
           </a:xfrm>
           <a:custGeom>
-            <a:rect b="b" l="l" r="r" t="t"/>
+            <a:avLst/>
+            <a:gdLst/>
+            <a:ahLst/>
+            <a:cxnLst/>
+            <a:rect l="l" t="t" r="r" b="b"/>
             <a:pathLst>
-              <a:path extrusionOk="0" h="120000" w="120000">
+              <a:path w="120000" h="120000" extrusionOk="0">
                 <a:moveTo>
                   <a:pt x="0" y="0"/>
                 </a:moveTo>
@@ -1050,9 +1086,11 @@
       <p:sp>
         <p:nvSpPr>
           <p:cNvPr id="83" name="Google Shape;83;g55ed61ae0c_0_74:notes"/>
-          <p:cNvSpPr txBox="1"/>
+          <p:cNvSpPr txBox="1">
+            <a:spLocks noGrp="1"/>
+          </p:cNvSpPr>
           <p:nvPr>
-            <p:ph idx="1" type="body"/>
+            <p:ph type="body" idx="1"/>
           </p:nvPr>
         </p:nvSpPr>
         <p:spPr>
@@ -1065,12 +1103,12 @@
           </a:prstGeom>
         </p:spPr>
         <p:txBody>
-          <a:bodyPr anchorCtr="0" anchor="t" bIns="91425" lIns="91425" spcFirstLastPara="1" rIns="91425" wrap="square" tIns="91425">
+          <a:bodyPr spcFirstLastPara="1" wrap="square" lIns="91425" tIns="91425" rIns="91425" bIns="91425" anchor="t" anchorCtr="0">
             <a:noAutofit/>
           </a:bodyPr>
           <a:lstStyle/>
           <a:p>
-            <a:pPr indent="0" lvl="0" marL="0" rtl="0" algn="l">
+            <a:pPr marL="0" lvl="0" indent="0" algn="l" rtl="0">
               <a:spcBef>
                 <a:spcPts val="0"/>
               </a:spcBef>
@@ -1079,9 +1117,6 @@
               </a:spcAft>
               <a:buNone/>
             </a:pPr>
-            <a:r>
-              <a:t/>
-            </a:r>
             <a:endParaRPr/>
           </a:p>
         </p:txBody>
@@ -1095,11 +1130,11 @@
 </file>
 
 <file path=ppt/notesSlides/notesSlide5.xml><?xml version="1.0" encoding="utf-8"?>
-<p:notes xmlns:a="http://schemas.openxmlformats.org/drawingml/2006/main" xmlns:r="http://schemas.openxmlformats.org/officeDocument/2006/relationships" xmlns:mc="http://schemas.openxmlformats.org/markup-compatibility/2006" xmlns:mv="urn:schemas-microsoft-com:mac:vml" xmlns:p="http://schemas.openxmlformats.org/presentationml/2006/main" xmlns:c="http://schemas.openxmlformats.org/drawingml/2006/chart" xmlns:dgm="http://schemas.openxmlformats.org/drawingml/2006/diagram" xmlns:o="urn:schemas-microsoft-com:office:office" xmlns:v="urn:schemas-microsoft-com:vml" xmlns:pvml="urn:schemas-microsoft-com:office:powerpoint" xmlns:com="http://schemas.openxmlformats.org/drawingml/2006/compatibility" xmlns:p14="http://schemas.microsoft.com/office/powerpoint/2010/main" xmlns:p15="http://schemas.microsoft.com/office/powerpoint/2012/main" showMasterPhAnim="0" showMasterSp="0">
+<p:notes xmlns:a="http://schemas.openxmlformats.org/drawingml/2006/main" xmlns:r="http://schemas.openxmlformats.org/officeDocument/2006/relationships" xmlns:p="http://schemas.openxmlformats.org/presentationml/2006/main" showMasterSp="0" showMasterPhAnim="0">
   <p:cSld>
     <p:spTree>
       <p:nvGrpSpPr>
-        <p:cNvPr id="86" name="Shape 86"/>
+        <p:cNvPr id="1" name="Shape 86"/>
         <p:cNvGrpSpPr/>
         <p:nvPr/>
       </p:nvGrpSpPr>
@@ -1114,9 +1149,11 @@
       <p:sp>
         <p:nvSpPr>
           <p:cNvPr id="87" name="Google Shape;87;g55ed61ae0c_0_82:notes"/>
-          <p:cNvSpPr/>
+          <p:cNvSpPr>
+            <a:spLocks noGrp="1" noRot="1" noChangeAspect="1"/>
+          </p:cNvSpPr>
           <p:nvPr>
-            <p:ph idx="2" type="sldImg"/>
+            <p:ph type="sldImg" idx="2"/>
           </p:nvPr>
         </p:nvSpPr>
         <p:spPr>
@@ -1125,9 +1162,13 @@
             <a:ext cx="6096000" cy="3429000"/>
           </a:xfrm>
           <a:custGeom>
-            <a:rect b="b" l="l" r="r" t="t"/>
+            <a:avLst/>
+            <a:gdLst/>
+            <a:ahLst/>
+            <a:cxnLst/>
+            <a:rect l="l" t="t" r="r" b="b"/>
             <a:pathLst>
-              <a:path extrusionOk="0" h="120000" w="120000">
+              <a:path w="120000" h="120000" extrusionOk="0">
                 <a:moveTo>
                   <a:pt x="0" y="0"/>
                 </a:moveTo>
@@ -1149,9 +1190,11 @@
       <p:sp>
         <p:nvSpPr>
           <p:cNvPr id="88" name="Google Shape;88;g55ed61ae0c_0_82:notes"/>
-          <p:cNvSpPr txBox="1"/>
+          <p:cNvSpPr txBox="1">
+            <a:spLocks noGrp="1"/>
+          </p:cNvSpPr>
           <p:nvPr>
-            <p:ph idx="1" type="body"/>
+            <p:ph type="body" idx="1"/>
           </p:nvPr>
         </p:nvSpPr>
         <p:spPr>
@@ -1164,12 +1207,12 @@
           </a:prstGeom>
         </p:spPr>
         <p:txBody>
-          <a:bodyPr anchorCtr="0" anchor="t" bIns="91425" lIns="91425" spcFirstLastPara="1" rIns="91425" wrap="square" tIns="91425">
+          <a:bodyPr spcFirstLastPara="1" wrap="square" lIns="91425" tIns="91425" rIns="91425" bIns="91425" anchor="t" anchorCtr="0">
             <a:noAutofit/>
           </a:bodyPr>
           <a:lstStyle/>
           <a:p>
-            <a:pPr indent="0" lvl="0" marL="0" rtl="0" algn="l">
+            <a:pPr marL="0" lvl="0" indent="0" algn="l" rtl="0">
               <a:spcBef>
                 <a:spcPts val="0"/>
               </a:spcBef>
@@ -1178,9 +1221,6 @@
               </a:spcAft>
               <a:buNone/>
             </a:pPr>
-            <a:r>
-              <a:t/>
-            </a:r>
             <a:endParaRPr/>
           </a:p>
         </p:txBody>
@@ -1194,11 +1234,11 @@
 </file>
 
 <file path=ppt/notesSlides/notesSlide6.xml><?xml version="1.0" encoding="utf-8"?>
-<p:notes xmlns:a="http://schemas.openxmlformats.org/drawingml/2006/main" xmlns:r="http://schemas.openxmlformats.org/officeDocument/2006/relationships" xmlns:mc="http://schemas.openxmlformats.org/markup-compatibility/2006" xmlns:mv="urn:schemas-microsoft-com:mac:vml" xmlns:p="http://schemas.openxmlformats.org/presentationml/2006/main" xmlns:c="http://schemas.openxmlformats.org/drawingml/2006/chart" xmlns:dgm="http://schemas.openxmlformats.org/drawingml/2006/diagram" xmlns:o="urn:schemas-microsoft-com:office:office" xmlns:v="urn:schemas-microsoft-com:vml" xmlns:pvml="urn:schemas-microsoft-com:office:powerpoint" xmlns:com="http://schemas.openxmlformats.org/drawingml/2006/compatibility" xmlns:p14="http://schemas.microsoft.com/office/powerpoint/2010/main" xmlns:p15="http://schemas.microsoft.com/office/powerpoint/2012/main" showMasterPhAnim="0" showMasterSp="0">
+<p:notes xmlns:a="http://schemas.openxmlformats.org/drawingml/2006/main" xmlns:r="http://schemas.openxmlformats.org/officeDocument/2006/relationships" xmlns:p="http://schemas.openxmlformats.org/presentationml/2006/main" showMasterSp="0" showMasterPhAnim="0">
   <p:cSld>
     <p:spTree>
       <p:nvGrpSpPr>
-        <p:cNvPr id="92" name="Shape 92"/>
+        <p:cNvPr id="1" name="Shape 92"/>
         <p:cNvGrpSpPr/>
         <p:nvPr/>
       </p:nvGrpSpPr>
@@ -1213,20 +1253,26 @@
       <p:sp>
         <p:nvSpPr>
           <p:cNvPr id="93" name="Google Shape;93;g55ed61ae0c_0_87:notes"/>
-          <p:cNvSpPr/>
+          <p:cNvSpPr>
+            <a:spLocks noGrp="1" noRot="1" noChangeAspect="1"/>
+          </p:cNvSpPr>
           <p:nvPr>
-            <p:ph idx="2" type="sldImg"/>
+            <p:ph type="sldImg" idx="2"/>
           </p:nvPr>
         </p:nvSpPr>
         <p:spPr>
           <a:xfrm>
-            <a:off x="381300" y="685800"/>
+            <a:off x="381000" y="685800"/>
             <a:ext cx="6096000" cy="3429000"/>
           </a:xfrm>
           <a:custGeom>
-            <a:rect b="b" l="l" r="r" t="t"/>
+            <a:avLst/>
+            <a:gdLst/>
+            <a:ahLst/>
+            <a:cxnLst/>
+            <a:rect l="l" t="t" r="r" b="b"/>
             <a:pathLst>
-              <a:path extrusionOk="0" h="120000" w="120000">
+              <a:path w="120000" h="120000" extrusionOk="0">
                 <a:moveTo>
                   <a:pt x="0" y="0"/>
                 </a:moveTo>
@@ -1248,9 +1294,11 @@
       <p:sp>
         <p:nvSpPr>
           <p:cNvPr id="94" name="Google Shape;94;g55ed61ae0c_0_87:notes"/>
-          <p:cNvSpPr txBox="1"/>
+          <p:cNvSpPr txBox="1">
+            <a:spLocks noGrp="1"/>
+          </p:cNvSpPr>
           <p:nvPr>
-            <p:ph idx="1" type="body"/>
+            <p:ph type="body" idx="1"/>
           </p:nvPr>
         </p:nvSpPr>
         <p:spPr>
@@ -1263,12 +1311,12 @@
           </a:prstGeom>
         </p:spPr>
         <p:txBody>
-          <a:bodyPr anchorCtr="0" anchor="t" bIns="91425" lIns="91425" spcFirstLastPara="1" rIns="91425" wrap="square" tIns="91425">
+          <a:bodyPr spcFirstLastPara="1" wrap="square" lIns="91425" tIns="91425" rIns="91425" bIns="91425" anchor="t" anchorCtr="0">
             <a:noAutofit/>
           </a:bodyPr>
           <a:lstStyle/>
           <a:p>
-            <a:pPr indent="0" lvl="0" marL="0" rtl="0" algn="l">
+            <a:pPr marL="0" lvl="0" indent="0" algn="l" rtl="0">
               <a:spcBef>
                 <a:spcPts val="0"/>
               </a:spcBef>
@@ -1277,9 +1325,6 @@
               </a:spcAft>
               <a:buNone/>
             </a:pPr>
-            <a:r>
-              <a:t/>
-            </a:r>
             <a:endParaRPr/>
           </a:p>
         </p:txBody>
@@ -1293,11 +1338,11 @@
 </file>
 
 <file path=ppt/slideLayouts/slideLayout1.xml><?xml version="1.0" encoding="utf-8"?>
-<p:sldLayout xmlns:a="http://schemas.openxmlformats.org/drawingml/2006/main" xmlns:r="http://schemas.openxmlformats.org/officeDocument/2006/relationships" xmlns:mc="http://schemas.openxmlformats.org/markup-compatibility/2006" xmlns:mv="urn:schemas-microsoft-com:mac:vml" xmlns:p="http://schemas.openxmlformats.org/presentationml/2006/main" xmlns:c="http://schemas.openxmlformats.org/drawingml/2006/chart" xmlns:dgm="http://schemas.openxmlformats.org/drawingml/2006/diagram" xmlns:o="urn:schemas-microsoft-com:office:office" xmlns:v="urn:schemas-microsoft-com:vml" xmlns:pvml="urn:schemas-microsoft-com:office:powerpoint" xmlns:com="http://schemas.openxmlformats.org/drawingml/2006/compatibility" xmlns:p14="http://schemas.microsoft.com/office/powerpoint/2010/main" xmlns:p15="http://schemas.microsoft.com/office/powerpoint/2012/main" matchingName="Title slide" type="title">
+<p:sldLayout xmlns:a="http://schemas.openxmlformats.org/drawingml/2006/main" xmlns:r="http://schemas.openxmlformats.org/officeDocument/2006/relationships" xmlns:p="http://schemas.openxmlformats.org/presentationml/2006/main" matchingName="Title slide" type="title">
   <p:cSld name="TITLE">
     <p:spTree>
       <p:nvGrpSpPr>
-        <p:cNvPr id="9" name="Shape 9"/>
+        <p:cNvPr id="1" name="Shape 9"/>
         <p:cNvGrpSpPr/>
         <p:nvPr/>
       </p:nvGrpSpPr>
@@ -1331,12 +1376,12 @@
           </a:ln>
         </p:spPr>
         <p:txBody>
-          <a:bodyPr anchorCtr="0" anchor="ctr" bIns="91425" lIns="91425" spcFirstLastPara="1" rIns="91425" wrap="square" tIns="91425">
+          <a:bodyPr spcFirstLastPara="1" wrap="square" lIns="91425" tIns="91425" rIns="91425" bIns="91425" anchor="ctr" anchorCtr="0">
             <a:noAutofit/>
           </a:bodyPr>
           <a:lstStyle/>
           <a:p>
-            <a:pPr indent="0" lvl="0" marL="0" rtl="0" algn="l">
+            <a:pPr marL="0" lvl="0" indent="0" algn="l" rtl="0">
               <a:spcBef>
                 <a:spcPts val="0"/>
               </a:spcBef>
@@ -1345,9 +1390,6 @@
               </a:spcAft>
               <a:buNone/>
             </a:pPr>
-            <a:r>
-              <a:t/>
-            </a:r>
             <a:endParaRPr/>
           </a:p>
         </p:txBody>
@@ -1365,7 +1407,7 @@
           </a:xfrm>
           <a:prstGeom prst="round1Rect">
             <a:avLst>
-              <a:gd fmla="val 16667" name="adj"/>
+              <a:gd name="adj" fmla="val 16667"/>
             </a:avLst>
           </a:prstGeom>
           <a:solidFill>
@@ -1378,12 +1420,12 @@
           </a:ln>
         </p:spPr>
         <p:txBody>
-          <a:bodyPr anchorCtr="0" anchor="ctr" bIns="91425" lIns="91425" spcFirstLastPara="1" rIns="91425" wrap="square" tIns="91425">
+          <a:bodyPr spcFirstLastPara="1" wrap="square" lIns="91425" tIns="91425" rIns="91425" bIns="91425" anchor="ctr" anchorCtr="0">
             <a:noAutofit/>
           </a:bodyPr>
           <a:lstStyle/>
           <a:p>
-            <a:pPr indent="0" lvl="0" marL="0" rtl="0" algn="l">
+            <a:pPr marL="0" lvl="0" indent="0" algn="l" rtl="0">
               <a:spcBef>
                 <a:spcPts val="0"/>
               </a:spcBef>
@@ -1392,9 +1434,6 @@
               </a:spcAft>
               <a:buNone/>
             </a:pPr>
-            <a:r>
-              <a:t/>
-            </a:r>
             <a:endParaRPr/>
           </a:p>
         </p:txBody>
@@ -1402,7 +1441,9 @@
       <p:sp>
         <p:nvSpPr>
           <p:cNvPr id="12" name="Google Shape;12;p2"/>
-          <p:cNvSpPr txBox="1"/>
+          <p:cNvSpPr txBox="1">
+            <a:spLocks noGrp="1"/>
+          </p:cNvSpPr>
           <p:nvPr>
             <p:ph type="ctrTitle"/>
           </p:nvPr>
@@ -1417,7 +1458,7 @@
           </a:prstGeom>
         </p:spPr>
         <p:txBody>
-          <a:bodyPr anchorCtr="0" anchor="b" bIns="91425" lIns="91425" spcFirstLastPara="1" rIns="91425" wrap="square" tIns="91425"/>
+          <a:bodyPr spcFirstLastPara="1" wrap="square" lIns="91425" tIns="91425" rIns="91425" bIns="91425" anchor="b" anchorCtr="0"/>
           <a:lstStyle>
             <a:lvl1pPr lvl="0">
               <a:spcBef>
@@ -1519,15 +1560,19 @@
               <a:defRPr sz="4800"/>
             </a:lvl9pPr>
           </a:lstStyle>
-          <a:p/>
+          <a:p>
+            <a:endParaRPr/>
+          </a:p>
         </p:txBody>
       </p:sp>
       <p:sp>
         <p:nvSpPr>
           <p:cNvPr id="13" name="Google Shape;13;p2"/>
-          <p:cNvSpPr txBox="1"/>
+          <p:cNvSpPr txBox="1">
+            <a:spLocks noGrp="1"/>
+          </p:cNvSpPr>
           <p:nvPr>
-            <p:ph idx="1" type="subTitle"/>
+            <p:ph type="subTitle" idx="1"/>
           </p:nvPr>
         </p:nvSpPr>
         <p:spPr>
@@ -1540,7 +1585,7 @@
           </a:prstGeom>
         </p:spPr>
         <p:txBody>
-          <a:bodyPr anchorCtr="0" anchor="t" bIns="91425" lIns="91425" spcFirstLastPara="1" rIns="91425" wrap="square" tIns="91425"/>
+          <a:bodyPr spcFirstLastPara="1" wrap="square" lIns="91425" tIns="91425" rIns="91425" bIns="91425" anchor="t" anchorCtr="0"/>
           <a:lstStyle>
             <a:lvl1pPr lvl="0">
               <a:lnSpc>
@@ -1732,15 +1777,19 @@
               </a:defRPr>
             </a:lvl9pPr>
           </a:lstStyle>
-          <a:p/>
+          <a:p>
+            <a:endParaRPr/>
+          </a:p>
         </p:txBody>
       </p:sp>
       <p:sp>
         <p:nvSpPr>
           <p:cNvPr id="14" name="Google Shape;14;p2"/>
-          <p:cNvSpPr txBox="1"/>
+          <p:cNvSpPr txBox="1">
+            <a:spLocks noGrp="1"/>
+          </p:cNvSpPr>
           <p:nvPr>
-            <p:ph idx="12" type="sldNum"/>
+            <p:ph type="sldNum" idx="12"/>
           </p:nvPr>
         </p:nvSpPr>
         <p:spPr>
@@ -1753,7 +1802,7 @@
           </a:prstGeom>
         </p:spPr>
         <p:txBody>
-          <a:bodyPr anchorCtr="0" anchor="ctr" bIns="91425" lIns="91425" spcFirstLastPara="1" rIns="91425" wrap="square" tIns="91425">
+          <a:bodyPr spcFirstLastPara="1" wrap="square" lIns="91425" tIns="91425" rIns="91425" bIns="91425" anchor="ctr" anchorCtr="0">
             <a:noAutofit/>
           </a:bodyPr>
           <a:lstStyle>
@@ -1795,7 +1844,7 @@
             </a:lvl9pPr>
           </a:lstStyle>
           <a:p>
-            <a:pPr indent="0" lvl="0" marL="0" rtl="0" algn="r">
+            <a:pPr marL="0" lvl="0" indent="0" algn="r" rtl="0">
               <a:spcBef>
                 <a:spcPts val="0"/>
               </a:spcBef>
@@ -1821,18 +1870,19 @@
 </file>
 
 <file path=ppt/slideLayouts/slideLayout10.xml><?xml version="1.0" encoding="utf-8"?>
-<p:sldLayout xmlns:a="http://schemas.openxmlformats.org/drawingml/2006/main" xmlns:r="http://schemas.openxmlformats.org/officeDocument/2006/relationships" xmlns:mc="http://schemas.openxmlformats.org/markup-compatibility/2006" xmlns:mv="urn:schemas-microsoft-com:mac:vml" xmlns:p="http://schemas.openxmlformats.org/presentationml/2006/main" xmlns:c="http://schemas.openxmlformats.org/drawingml/2006/chart" xmlns:dgm="http://schemas.openxmlformats.org/drawingml/2006/diagram" xmlns:o="urn:schemas-microsoft-com:office:office" xmlns:v="urn:schemas-microsoft-com:vml" xmlns:pvml="urn:schemas-microsoft-com:office:powerpoint" xmlns:com="http://schemas.openxmlformats.org/drawingml/2006/compatibility" xmlns:p14="http://schemas.microsoft.com/office/powerpoint/2010/main" xmlns:p15="http://schemas.microsoft.com/office/powerpoint/2012/main" matchingName="Big number">
+<p:sldLayout xmlns:a="http://schemas.openxmlformats.org/drawingml/2006/main" xmlns:r="http://schemas.openxmlformats.org/officeDocument/2006/relationships" xmlns:p="http://schemas.openxmlformats.org/presentationml/2006/main" matchingName="Big number">
   <p:cSld name="BIG_NUMBER">
     <p:bg>
       <p:bgPr>
         <a:solidFill>
           <a:schemeClr val="accent4"/>
         </a:solidFill>
+        <a:effectLst/>
       </p:bgPr>
     </p:bg>
     <p:spTree>
       <p:nvGrpSpPr>
-        <p:cNvPr id="57" name="Shape 57"/>
+        <p:cNvPr id="1" name="Shape 57"/>
         <p:cNvGrpSpPr/>
         <p:nvPr/>
       </p:nvGrpSpPr>
@@ -1847,9 +1897,11 @@
       <p:sp>
         <p:nvSpPr>
           <p:cNvPr id="58" name="Google Shape;58;p11"/>
-          <p:cNvSpPr txBox="1"/>
+          <p:cNvSpPr txBox="1">
+            <a:spLocks noGrp="1"/>
+          </p:cNvSpPr>
           <p:nvPr>
-            <p:ph hasCustomPrompt="1" type="title"/>
+            <p:ph type="title" hasCustomPrompt="1"/>
           </p:nvPr>
         </p:nvSpPr>
         <p:spPr>
@@ -1862,7 +1914,7 @@
           </a:prstGeom>
         </p:spPr>
         <p:txBody>
-          <a:bodyPr anchorCtr="0" anchor="b" bIns="91425" lIns="91425" spcFirstLastPara="1" rIns="91425" wrap="square" tIns="91425"/>
+          <a:bodyPr spcFirstLastPara="1" wrap="square" lIns="91425" tIns="91425" rIns="91425" bIns="91425" anchor="b" anchorCtr="0"/>
           <a:lstStyle>
             <a:lvl1pPr lvl="0" algn="ctr">
               <a:spcBef>
@@ -2037,9 +2089,11 @@
       <p:sp>
         <p:nvSpPr>
           <p:cNvPr id="59" name="Google Shape;59;p11"/>
-          <p:cNvSpPr txBox="1"/>
+          <p:cNvSpPr txBox="1">
+            <a:spLocks noGrp="1"/>
+          </p:cNvSpPr>
           <p:nvPr>
-            <p:ph idx="1" type="body"/>
+            <p:ph type="body" idx="1"/>
           </p:nvPr>
         </p:nvSpPr>
         <p:spPr>
@@ -2052,9 +2106,9 @@
           </a:prstGeom>
         </p:spPr>
         <p:txBody>
-          <a:bodyPr anchorCtr="0" anchor="t" bIns="91425" lIns="91425" spcFirstLastPara="1" rIns="91425" wrap="square" tIns="91425"/>
+          <a:bodyPr spcFirstLastPara="1" wrap="square" lIns="91425" tIns="91425" rIns="91425" bIns="91425" anchor="t" anchorCtr="0"/>
           <a:lstStyle>
-            <a:lvl1pPr indent="-342900" lvl="0" marL="457200" algn="ctr">
+            <a:lvl1pPr marL="457200" lvl="0" indent="-342900" algn="ctr">
               <a:spcBef>
                 <a:spcPts val="0"/>
               </a:spcBef>
@@ -2065,7 +2119,7 @@
               <a:buChar char="●"/>
               <a:defRPr/>
             </a:lvl1pPr>
-            <a:lvl2pPr indent="-317500" lvl="1" marL="914400" algn="ctr">
+            <a:lvl2pPr marL="914400" lvl="1" indent="-317500" algn="ctr">
               <a:spcBef>
                 <a:spcPts val="1600"/>
               </a:spcBef>
@@ -2076,7 +2130,7 @@
               <a:buChar char="○"/>
               <a:defRPr/>
             </a:lvl2pPr>
-            <a:lvl3pPr indent="-317500" lvl="2" marL="1371600" algn="ctr">
+            <a:lvl3pPr marL="1371600" lvl="2" indent="-317500" algn="ctr">
               <a:spcBef>
                 <a:spcPts val="1600"/>
               </a:spcBef>
@@ -2087,7 +2141,7 @@
               <a:buChar char="■"/>
               <a:defRPr/>
             </a:lvl3pPr>
-            <a:lvl4pPr indent="-317500" lvl="3" marL="1828800" algn="ctr">
+            <a:lvl4pPr marL="1828800" lvl="3" indent="-317500" algn="ctr">
               <a:spcBef>
                 <a:spcPts val="1600"/>
               </a:spcBef>
@@ -2098,7 +2152,7 @@
               <a:buChar char="●"/>
               <a:defRPr/>
             </a:lvl4pPr>
-            <a:lvl5pPr indent="-317500" lvl="4" marL="2286000" algn="ctr">
+            <a:lvl5pPr marL="2286000" lvl="4" indent="-317500" algn="ctr">
               <a:spcBef>
                 <a:spcPts val="1600"/>
               </a:spcBef>
@@ -2109,7 +2163,7 @@
               <a:buChar char="○"/>
               <a:defRPr/>
             </a:lvl5pPr>
-            <a:lvl6pPr indent="-317500" lvl="5" marL="2743200" algn="ctr">
+            <a:lvl6pPr marL="2743200" lvl="5" indent="-317500" algn="ctr">
               <a:spcBef>
                 <a:spcPts val="1600"/>
               </a:spcBef>
@@ -2120,7 +2174,7 @@
               <a:buChar char="■"/>
               <a:defRPr/>
             </a:lvl6pPr>
-            <a:lvl7pPr indent="-317500" lvl="6" marL="3200400" algn="ctr">
+            <a:lvl7pPr marL="3200400" lvl="6" indent="-317500" algn="ctr">
               <a:spcBef>
                 <a:spcPts val="1600"/>
               </a:spcBef>
@@ -2131,7 +2185,7 @@
               <a:buChar char="●"/>
               <a:defRPr/>
             </a:lvl7pPr>
-            <a:lvl8pPr indent="-317500" lvl="7" marL="3657600" algn="ctr">
+            <a:lvl8pPr marL="3657600" lvl="7" indent="-317500" algn="ctr">
               <a:spcBef>
                 <a:spcPts val="1600"/>
               </a:spcBef>
@@ -2142,7 +2196,7 @@
               <a:buChar char="○"/>
               <a:defRPr/>
             </a:lvl8pPr>
-            <a:lvl9pPr indent="-317500" lvl="8" marL="4114800" algn="ctr">
+            <a:lvl9pPr marL="4114800" lvl="8" indent="-317500" algn="ctr">
               <a:spcBef>
                 <a:spcPts val="1600"/>
               </a:spcBef>
@@ -2154,15 +2208,19 @@
               <a:defRPr/>
             </a:lvl9pPr>
           </a:lstStyle>
-          <a:p/>
+          <a:p>
+            <a:endParaRPr/>
+          </a:p>
         </p:txBody>
       </p:sp>
       <p:sp>
         <p:nvSpPr>
           <p:cNvPr id="60" name="Google Shape;60;p11"/>
-          <p:cNvSpPr txBox="1"/>
+          <p:cNvSpPr txBox="1">
+            <a:spLocks noGrp="1"/>
+          </p:cNvSpPr>
           <p:nvPr>
-            <p:ph idx="12" type="sldNum"/>
+            <p:ph type="sldNum" idx="12"/>
           </p:nvPr>
         </p:nvSpPr>
         <p:spPr>
@@ -2175,7 +2233,7 @@
           </a:prstGeom>
         </p:spPr>
         <p:txBody>
-          <a:bodyPr anchorCtr="0" anchor="ctr" bIns="91425" lIns="91425" spcFirstLastPara="1" rIns="91425" wrap="square" tIns="91425">
+          <a:bodyPr spcFirstLastPara="1" wrap="square" lIns="91425" tIns="91425" rIns="91425" bIns="91425" anchor="ctr" anchorCtr="0">
             <a:noAutofit/>
           </a:bodyPr>
           <a:lstStyle>
@@ -2217,7 +2275,7 @@
             </a:lvl9pPr>
           </a:lstStyle>
           <a:p>
-            <a:pPr indent="0" lvl="0" marL="0" rtl="0" algn="r">
+            <a:pPr marL="0" lvl="0" indent="0" algn="r" rtl="0">
               <a:spcBef>
                 <a:spcPts val="0"/>
               </a:spcBef>
@@ -2243,18 +2301,19 @@
 </file>
 
 <file path=ppt/slideLayouts/slideLayout11.xml><?xml version="1.0" encoding="utf-8"?>
-<p:sldLayout xmlns:a="http://schemas.openxmlformats.org/drawingml/2006/main" xmlns:r="http://schemas.openxmlformats.org/officeDocument/2006/relationships" xmlns:mc="http://schemas.openxmlformats.org/markup-compatibility/2006" xmlns:mv="urn:schemas-microsoft-com:mac:vml" xmlns:p="http://schemas.openxmlformats.org/presentationml/2006/main" xmlns:c="http://schemas.openxmlformats.org/drawingml/2006/chart" xmlns:dgm="http://schemas.openxmlformats.org/drawingml/2006/diagram" xmlns:o="urn:schemas-microsoft-com:office:office" xmlns:v="urn:schemas-microsoft-com:vml" xmlns:pvml="urn:schemas-microsoft-com:office:powerpoint" xmlns:com="http://schemas.openxmlformats.org/drawingml/2006/compatibility" xmlns:p14="http://schemas.microsoft.com/office/powerpoint/2010/main" xmlns:p15="http://schemas.microsoft.com/office/powerpoint/2012/main" matchingName="Blank" type="blank">
+<p:sldLayout xmlns:a="http://schemas.openxmlformats.org/drawingml/2006/main" xmlns:r="http://schemas.openxmlformats.org/officeDocument/2006/relationships" xmlns:p="http://schemas.openxmlformats.org/presentationml/2006/main" matchingName="Blank" type="blank">
   <p:cSld name="BLANK">
     <p:bg>
       <p:bgPr>
         <a:solidFill>
           <a:schemeClr val="accent4"/>
         </a:solidFill>
+        <a:effectLst/>
       </p:bgPr>
     </p:bg>
     <p:spTree>
       <p:nvGrpSpPr>
-        <p:cNvPr id="61" name="Shape 61"/>
+        <p:cNvPr id="1" name="Shape 61"/>
         <p:cNvGrpSpPr/>
         <p:nvPr/>
       </p:nvGrpSpPr>
@@ -2269,9 +2328,11 @@
       <p:sp>
         <p:nvSpPr>
           <p:cNvPr id="62" name="Google Shape;62;p12"/>
-          <p:cNvSpPr txBox="1"/>
+          <p:cNvSpPr txBox="1">
+            <a:spLocks noGrp="1"/>
+          </p:cNvSpPr>
           <p:nvPr>
-            <p:ph idx="12" type="sldNum"/>
+            <p:ph type="sldNum" idx="12"/>
           </p:nvPr>
         </p:nvSpPr>
         <p:spPr>
@@ -2284,7 +2345,7 @@
           </a:prstGeom>
         </p:spPr>
         <p:txBody>
-          <a:bodyPr anchorCtr="0" anchor="ctr" bIns="91425" lIns="91425" spcFirstLastPara="1" rIns="91425" wrap="square" tIns="91425">
+          <a:bodyPr spcFirstLastPara="1" wrap="square" lIns="91425" tIns="91425" rIns="91425" bIns="91425" anchor="ctr" anchorCtr="0">
             <a:noAutofit/>
           </a:bodyPr>
           <a:lstStyle>
@@ -2326,7 +2387,7 @@
             </a:lvl9pPr>
           </a:lstStyle>
           <a:p>
-            <a:pPr indent="0" lvl="0" marL="0" rtl="0" algn="r">
+            <a:pPr marL="0" lvl="0" indent="0" algn="r" rtl="0">
               <a:spcBef>
                 <a:spcPts val="0"/>
               </a:spcBef>
@@ -2352,11 +2413,11 @@
 </file>
 
 <file path=ppt/slideLayouts/slideLayout2.xml><?xml version="1.0" encoding="utf-8"?>
-<p:sldLayout xmlns:a="http://schemas.openxmlformats.org/drawingml/2006/main" xmlns:r="http://schemas.openxmlformats.org/officeDocument/2006/relationships" xmlns:mc="http://schemas.openxmlformats.org/markup-compatibility/2006" xmlns:mv="urn:schemas-microsoft-com:mac:vml" xmlns:p="http://schemas.openxmlformats.org/presentationml/2006/main" xmlns:c="http://schemas.openxmlformats.org/drawingml/2006/chart" xmlns:dgm="http://schemas.openxmlformats.org/drawingml/2006/diagram" xmlns:o="urn:schemas-microsoft-com:office:office" xmlns:v="urn:schemas-microsoft-com:vml" xmlns:pvml="urn:schemas-microsoft-com:office:powerpoint" xmlns:com="http://schemas.openxmlformats.org/drawingml/2006/compatibility" xmlns:p14="http://schemas.microsoft.com/office/powerpoint/2010/main" xmlns:p15="http://schemas.microsoft.com/office/powerpoint/2012/main" matchingName="Section header" type="secHead">
+<p:sldLayout xmlns:a="http://schemas.openxmlformats.org/drawingml/2006/main" xmlns:r="http://schemas.openxmlformats.org/officeDocument/2006/relationships" xmlns:p="http://schemas.openxmlformats.org/presentationml/2006/main" matchingName="Section header" type="secHead">
   <p:cSld name="SECTION_HEADER">
     <p:spTree>
       <p:nvGrpSpPr>
-        <p:cNvPr id="15" name="Shape 15"/>
+        <p:cNvPr id="1" name="Shape 15"/>
         <p:cNvGrpSpPr/>
         <p:nvPr/>
       </p:nvGrpSpPr>
@@ -2371,7 +2432,9 @@
       <p:sp>
         <p:nvSpPr>
           <p:cNvPr id="16" name="Google Shape;16;p3"/>
-          <p:cNvSpPr txBox="1"/>
+          <p:cNvSpPr txBox="1">
+            <a:spLocks noGrp="1"/>
+          </p:cNvSpPr>
           <p:nvPr>
             <p:ph type="title"/>
           </p:nvPr>
@@ -2386,7 +2449,7 @@
           </a:prstGeom>
         </p:spPr>
         <p:txBody>
-          <a:bodyPr anchorCtr="0" anchor="ctr" bIns="91425" lIns="91425" spcFirstLastPara="1" rIns="91425" wrap="square" tIns="91425"/>
+          <a:bodyPr spcFirstLastPara="1" wrap="square" lIns="91425" tIns="91425" rIns="91425" bIns="91425" anchor="ctr" anchorCtr="0"/>
           <a:lstStyle>
             <a:lvl1pPr lvl="0">
               <a:spcBef>
@@ -2488,15 +2551,19 @@
               <a:defRPr sz="4200"/>
             </a:lvl9pPr>
           </a:lstStyle>
-          <a:p/>
+          <a:p>
+            <a:endParaRPr/>
+          </a:p>
         </p:txBody>
       </p:sp>
       <p:sp>
         <p:nvSpPr>
           <p:cNvPr id="17" name="Google Shape;17;p3"/>
-          <p:cNvSpPr txBox="1"/>
+          <p:cNvSpPr txBox="1">
+            <a:spLocks noGrp="1"/>
+          </p:cNvSpPr>
           <p:nvPr>
-            <p:ph idx="12" type="sldNum"/>
+            <p:ph type="sldNum" idx="12"/>
           </p:nvPr>
         </p:nvSpPr>
         <p:spPr>
@@ -2509,7 +2576,7 @@
           </a:prstGeom>
         </p:spPr>
         <p:txBody>
-          <a:bodyPr anchorCtr="0" anchor="ctr" bIns="91425" lIns="91425" spcFirstLastPara="1" rIns="91425" wrap="square" tIns="91425">
+          <a:bodyPr spcFirstLastPara="1" wrap="square" lIns="91425" tIns="91425" rIns="91425" bIns="91425" anchor="ctr" anchorCtr="0">
             <a:noAutofit/>
           </a:bodyPr>
           <a:lstStyle>
@@ -2587,7 +2654,7 @@
             </a:lvl9pPr>
           </a:lstStyle>
           <a:p>
-            <a:pPr indent="0" lvl="0" marL="0" rtl="0" algn="r">
+            <a:pPr marL="0" lvl="0" indent="0" algn="r" rtl="0">
               <a:spcBef>
                 <a:spcPts val="0"/>
               </a:spcBef>
@@ -2613,11 +2680,11 @@
 </file>
 
 <file path=ppt/slideLayouts/slideLayout3.xml><?xml version="1.0" encoding="utf-8"?>
-<p:sldLayout xmlns:a="http://schemas.openxmlformats.org/drawingml/2006/main" xmlns:r="http://schemas.openxmlformats.org/officeDocument/2006/relationships" xmlns:mc="http://schemas.openxmlformats.org/markup-compatibility/2006" xmlns:mv="urn:schemas-microsoft-com:mac:vml" xmlns:p="http://schemas.openxmlformats.org/presentationml/2006/main" xmlns:c="http://schemas.openxmlformats.org/drawingml/2006/chart" xmlns:dgm="http://schemas.openxmlformats.org/drawingml/2006/diagram" xmlns:o="urn:schemas-microsoft-com:office:office" xmlns:v="urn:schemas-microsoft-com:vml" xmlns:pvml="urn:schemas-microsoft-com:office:powerpoint" xmlns:com="http://schemas.openxmlformats.org/drawingml/2006/compatibility" xmlns:p14="http://schemas.microsoft.com/office/powerpoint/2010/main" xmlns:p15="http://schemas.microsoft.com/office/powerpoint/2012/main" matchingName="Title and body" type="tx">
+<p:sldLayout xmlns:a="http://schemas.openxmlformats.org/drawingml/2006/main" xmlns:r="http://schemas.openxmlformats.org/officeDocument/2006/relationships" xmlns:p="http://schemas.openxmlformats.org/presentationml/2006/main" matchingName="Title and body" type="tx">
   <p:cSld name="TITLE_AND_BODY">
     <p:spTree>
       <p:nvGrpSpPr>
-        <p:cNvPr id="18" name="Shape 18"/>
+        <p:cNvPr id="1" name="Shape 18"/>
         <p:cNvGrpSpPr/>
         <p:nvPr/>
       </p:nvGrpSpPr>
@@ -2636,7 +2703,7 @@
           <p:nvPr/>
         </p:nvSpPr>
         <p:spPr>
-          <a:xfrm flipH="1" rot="10800000">
+          <a:xfrm rot="10800000" flipH="1">
             <a:off x="0" y="1686000"/>
             <a:ext cx="9144000" cy="3457500"/>
           </a:xfrm>
@@ -2651,12 +2718,12 @@
           </a:ln>
         </p:spPr>
         <p:txBody>
-          <a:bodyPr anchorCtr="0" anchor="ctr" bIns="91425" lIns="91425" spcFirstLastPara="1" rIns="91425" wrap="square" tIns="91425">
+          <a:bodyPr spcFirstLastPara="1" wrap="square" lIns="91425" tIns="91425" rIns="91425" bIns="91425" anchor="ctr" anchorCtr="0">
             <a:noAutofit/>
           </a:bodyPr>
           <a:lstStyle/>
           <a:p>
-            <a:pPr indent="0" lvl="0" marL="0" rtl="0" algn="l">
+            <a:pPr marL="0" lvl="0" indent="0" algn="l" rtl="0">
               <a:spcBef>
                 <a:spcPts val="0"/>
               </a:spcBef>
@@ -2665,9 +2732,6 @@
               </a:spcAft>
               <a:buNone/>
             </a:pPr>
-            <a:r>
-              <a:t/>
-            </a:r>
             <a:endParaRPr/>
           </a:p>
         </p:txBody>
@@ -2708,12 +2772,12 @@
           </a:ln>
         </p:spPr>
         <p:txBody>
-          <a:bodyPr anchorCtr="0" anchor="ctr" bIns="91425" lIns="91425" spcFirstLastPara="1" rIns="91425" wrap="square" tIns="91425">
+          <a:bodyPr spcFirstLastPara="1" wrap="square" lIns="91425" tIns="91425" rIns="91425" bIns="91425" anchor="ctr" anchorCtr="0">
             <a:noAutofit/>
           </a:bodyPr>
           <a:lstStyle/>
           <a:p>
-            <a:pPr indent="0" lvl="0" marL="0" rtl="0" algn="l">
+            <a:pPr marL="0" lvl="0" indent="0" algn="l" rtl="0">
               <a:spcBef>
                 <a:spcPts val="0"/>
               </a:spcBef>
@@ -2722,9 +2786,6 @@
               </a:spcAft>
               <a:buNone/>
             </a:pPr>
-            <a:r>
-              <a:t/>
-            </a:r>
             <a:endParaRPr/>
           </a:p>
         </p:txBody>
@@ -2732,7 +2793,9 @@
       <p:sp>
         <p:nvSpPr>
           <p:cNvPr id="21" name="Google Shape;21;p4"/>
-          <p:cNvSpPr txBox="1"/>
+          <p:cNvSpPr txBox="1">
+            <a:spLocks noGrp="1"/>
+          </p:cNvSpPr>
           <p:nvPr>
             <p:ph type="title"/>
           </p:nvPr>
@@ -2747,7 +2810,7 @@
           </a:prstGeom>
         </p:spPr>
         <p:txBody>
-          <a:bodyPr anchorCtr="0" anchor="b" bIns="91425" lIns="91425" spcFirstLastPara="1" rIns="91425" wrap="square" tIns="91425"/>
+          <a:bodyPr spcFirstLastPara="1" wrap="square" lIns="91425" tIns="91425" rIns="91425" bIns="91425" anchor="b" anchorCtr="0"/>
           <a:lstStyle>
             <a:lvl1pPr lvl="0">
               <a:spcBef>
@@ -2849,15 +2912,19 @@
               <a:defRPr/>
             </a:lvl9pPr>
           </a:lstStyle>
-          <a:p/>
+          <a:p>
+            <a:endParaRPr/>
+          </a:p>
         </p:txBody>
       </p:sp>
       <p:sp>
         <p:nvSpPr>
           <p:cNvPr id="22" name="Google Shape;22;p4"/>
-          <p:cNvSpPr txBox="1"/>
+          <p:cNvSpPr txBox="1">
+            <a:spLocks noGrp="1"/>
+          </p:cNvSpPr>
           <p:nvPr>
-            <p:ph idx="1" type="body"/>
+            <p:ph type="body" idx="1"/>
           </p:nvPr>
         </p:nvSpPr>
         <p:spPr>
@@ -2870,9 +2937,9 @@
           </a:prstGeom>
         </p:spPr>
         <p:txBody>
-          <a:bodyPr anchorCtr="0" anchor="t" bIns="91425" lIns="91425" spcFirstLastPara="1" rIns="91425" wrap="square" tIns="91425"/>
+          <a:bodyPr spcFirstLastPara="1" wrap="square" lIns="91425" tIns="91425" rIns="91425" bIns="91425" anchor="t" anchorCtr="0"/>
           <a:lstStyle>
-            <a:lvl1pPr indent="-342900" lvl="0" marL="457200">
+            <a:lvl1pPr marL="457200" lvl="0" indent="-342900">
               <a:spcBef>
                 <a:spcPts val="0"/>
               </a:spcBef>
@@ -2883,7 +2950,7 @@
               <a:buChar char="●"/>
               <a:defRPr/>
             </a:lvl1pPr>
-            <a:lvl2pPr indent="-317500" lvl="1" marL="914400">
+            <a:lvl2pPr marL="914400" lvl="1" indent="-317500">
               <a:spcBef>
                 <a:spcPts val="1600"/>
               </a:spcBef>
@@ -2894,7 +2961,7 @@
               <a:buChar char="○"/>
               <a:defRPr/>
             </a:lvl2pPr>
-            <a:lvl3pPr indent="-317500" lvl="2" marL="1371600">
+            <a:lvl3pPr marL="1371600" lvl="2" indent="-317500">
               <a:spcBef>
                 <a:spcPts val="1600"/>
               </a:spcBef>
@@ -2905,7 +2972,7 @@
               <a:buChar char="■"/>
               <a:defRPr/>
             </a:lvl3pPr>
-            <a:lvl4pPr indent="-317500" lvl="3" marL="1828800">
+            <a:lvl4pPr marL="1828800" lvl="3" indent="-317500">
               <a:spcBef>
                 <a:spcPts val="1600"/>
               </a:spcBef>
@@ -2916,7 +2983,7 @@
               <a:buChar char="●"/>
               <a:defRPr/>
             </a:lvl4pPr>
-            <a:lvl5pPr indent="-317500" lvl="4" marL="2286000">
+            <a:lvl5pPr marL="2286000" lvl="4" indent="-317500">
               <a:spcBef>
                 <a:spcPts val="1600"/>
               </a:spcBef>
@@ -2927,7 +2994,7 @@
               <a:buChar char="○"/>
               <a:defRPr/>
             </a:lvl5pPr>
-            <a:lvl6pPr indent="-317500" lvl="5" marL="2743200">
+            <a:lvl6pPr marL="2743200" lvl="5" indent="-317500">
               <a:spcBef>
                 <a:spcPts val="1600"/>
               </a:spcBef>
@@ -2938,7 +3005,7 @@
               <a:buChar char="■"/>
               <a:defRPr/>
             </a:lvl6pPr>
-            <a:lvl7pPr indent="-317500" lvl="6" marL="3200400">
+            <a:lvl7pPr marL="3200400" lvl="6" indent="-317500">
               <a:spcBef>
                 <a:spcPts val="1600"/>
               </a:spcBef>
@@ -2949,7 +3016,7 @@
               <a:buChar char="●"/>
               <a:defRPr/>
             </a:lvl7pPr>
-            <a:lvl8pPr indent="-317500" lvl="7" marL="3657600">
+            <a:lvl8pPr marL="3657600" lvl="7" indent="-317500">
               <a:spcBef>
                 <a:spcPts val="1600"/>
               </a:spcBef>
@@ -2960,7 +3027,7 @@
               <a:buChar char="○"/>
               <a:defRPr/>
             </a:lvl8pPr>
-            <a:lvl9pPr indent="-317500" lvl="8" marL="4114800">
+            <a:lvl9pPr marL="4114800" lvl="8" indent="-317500">
               <a:spcBef>
                 <a:spcPts val="1600"/>
               </a:spcBef>
@@ -2972,15 +3039,19 @@
               <a:defRPr/>
             </a:lvl9pPr>
           </a:lstStyle>
-          <a:p/>
+          <a:p>
+            <a:endParaRPr/>
+          </a:p>
         </p:txBody>
       </p:sp>
       <p:sp>
         <p:nvSpPr>
           <p:cNvPr id="23" name="Google Shape;23;p4"/>
-          <p:cNvSpPr txBox="1"/>
+          <p:cNvSpPr txBox="1">
+            <a:spLocks noGrp="1"/>
+          </p:cNvSpPr>
           <p:nvPr>
-            <p:ph idx="12" type="sldNum"/>
+            <p:ph type="sldNum" idx="12"/>
           </p:nvPr>
         </p:nvSpPr>
         <p:spPr>
@@ -2993,7 +3064,7 @@
           </a:prstGeom>
         </p:spPr>
         <p:txBody>
-          <a:bodyPr anchorCtr="0" anchor="ctr" bIns="91425" lIns="91425" spcFirstLastPara="1" rIns="91425" wrap="square" tIns="91425">
+          <a:bodyPr spcFirstLastPara="1" wrap="square" lIns="91425" tIns="91425" rIns="91425" bIns="91425" anchor="ctr" anchorCtr="0">
             <a:noAutofit/>
           </a:bodyPr>
           <a:lstStyle>
@@ -3035,7 +3106,7 @@
             </a:lvl9pPr>
           </a:lstStyle>
           <a:p>
-            <a:pPr indent="0" lvl="0" marL="0" rtl="0" algn="r">
+            <a:pPr marL="0" lvl="0" indent="0" algn="r" rtl="0">
               <a:spcBef>
                 <a:spcPts val="0"/>
               </a:spcBef>
@@ -3061,11 +3132,11 @@
 </file>
 
 <file path=ppt/slideLayouts/slideLayout4.xml><?xml version="1.0" encoding="utf-8"?>
-<p:sldLayout xmlns:a="http://schemas.openxmlformats.org/drawingml/2006/main" xmlns:r="http://schemas.openxmlformats.org/officeDocument/2006/relationships" xmlns:mc="http://schemas.openxmlformats.org/markup-compatibility/2006" xmlns:mv="urn:schemas-microsoft-com:mac:vml" xmlns:p="http://schemas.openxmlformats.org/presentationml/2006/main" xmlns:c="http://schemas.openxmlformats.org/drawingml/2006/chart" xmlns:dgm="http://schemas.openxmlformats.org/drawingml/2006/diagram" xmlns:o="urn:schemas-microsoft-com:office:office" xmlns:v="urn:schemas-microsoft-com:vml" xmlns:pvml="urn:schemas-microsoft-com:office:powerpoint" xmlns:com="http://schemas.openxmlformats.org/drawingml/2006/compatibility" xmlns:p14="http://schemas.microsoft.com/office/powerpoint/2010/main" xmlns:p15="http://schemas.microsoft.com/office/powerpoint/2012/main" matchingName="Title and two columns" type="twoColTx">
+<p:sldLayout xmlns:a="http://schemas.openxmlformats.org/drawingml/2006/main" xmlns:r="http://schemas.openxmlformats.org/officeDocument/2006/relationships" xmlns:p="http://schemas.openxmlformats.org/presentationml/2006/main" matchingName="Title and two columns" type="twoColTx">
   <p:cSld name="TITLE_AND_TWO_COLUMNS">
     <p:spTree>
       <p:nvGrpSpPr>
-        <p:cNvPr id="24" name="Shape 24"/>
+        <p:cNvPr id="1" name="Shape 24"/>
         <p:cNvGrpSpPr/>
         <p:nvPr/>
       </p:nvGrpSpPr>
@@ -3084,7 +3155,7 @@
           <p:nvPr/>
         </p:nvSpPr>
         <p:spPr>
-          <a:xfrm flipH="1" rot="10800000">
+          <a:xfrm rot="10800000" flipH="1">
             <a:off x="0" y="1686000"/>
             <a:ext cx="9144000" cy="3457500"/>
           </a:xfrm>
@@ -3099,12 +3170,12 @@
           </a:ln>
         </p:spPr>
         <p:txBody>
-          <a:bodyPr anchorCtr="0" anchor="ctr" bIns="91425" lIns="91425" spcFirstLastPara="1" rIns="91425" wrap="square" tIns="91425">
+          <a:bodyPr spcFirstLastPara="1" wrap="square" lIns="91425" tIns="91425" rIns="91425" bIns="91425" anchor="ctr" anchorCtr="0">
             <a:noAutofit/>
           </a:bodyPr>
           <a:lstStyle/>
           <a:p>
-            <a:pPr indent="0" lvl="0" marL="0" rtl="0" algn="l">
+            <a:pPr marL="0" lvl="0" indent="0" algn="l" rtl="0">
               <a:spcBef>
                 <a:spcPts val="0"/>
               </a:spcBef>
@@ -3113,9 +3184,6 @@
               </a:spcAft>
               <a:buNone/>
             </a:pPr>
-            <a:r>
-              <a:t/>
-            </a:r>
             <a:endParaRPr/>
           </a:p>
         </p:txBody>
@@ -3156,12 +3224,12 @@
           </a:ln>
         </p:spPr>
         <p:txBody>
-          <a:bodyPr anchorCtr="0" anchor="ctr" bIns="91425" lIns="91425" spcFirstLastPara="1" rIns="91425" wrap="square" tIns="91425">
+          <a:bodyPr spcFirstLastPara="1" wrap="square" lIns="91425" tIns="91425" rIns="91425" bIns="91425" anchor="ctr" anchorCtr="0">
             <a:noAutofit/>
           </a:bodyPr>
           <a:lstStyle/>
           <a:p>
-            <a:pPr indent="0" lvl="0" marL="0" rtl="0" algn="l">
+            <a:pPr marL="0" lvl="0" indent="0" algn="l" rtl="0">
               <a:spcBef>
                 <a:spcPts val="0"/>
               </a:spcBef>
@@ -3170,9 +3238,6 @@
               </a:spcAft>
               <a:buNone/>
             </a:pPr>
-            <a:r>
-              <a:t/>
-            </a:r>
             <a:endParaRPr/>
           </a:p>
         </p:txBody>
@@ -3180,7 +3245,9 @@
       <p:sp>
         <p:nvSpPr>
           <p:cNvPr id="27" name="Google Shape;27;p5"/>
-          <p:cNvSpPr txBox="1"/>
+          <p:cNvSpPr txBox="1">
+            <a:spLocks noGrp="1"/>
+          </p:cNvSpPr>
           <p:nvPr>
             <p:ph type="title"/>
           </p:nvPr>
@@ -3195,7 +3262,7 @@
           </a:prstGeom>
         </p:spPr>
         <p:txBody>
-          <a:bodyPr anchorCtr="0" anchor="b" bIns="91425" lIns="91425" spcFirstLastPara="1" rIns="91425" wrap="square" tIns="91425"/>
+          <a:bodyPr spcFirstLastPara="1" wrap="square" lIns="91425" tIns="91425" rIns="91425" bIns="91425" anchor="b" anchorCtr="0"/>
           <a:lstStyle>
             <a:lvl1pPr lvl="0">
               <a:spcBef>
@@ -3297,15 +3364,19 @@
               <a:defRPr/>
             </a:lvl9pPr>
           </a:lstStyle>
-          <a:p/>
+          <a:p>
+            <a:endParaRPr/>
+          </a:p>
         </p:txBody>
       </p:sp>
       <p:sp>
         <p:nvSpPr>
           <p:cNvPr id="28" name="Google Shape;28;p5"/>
-          <p:cNvSpPr txBox="1"/>
+          <p:cNvSpPr txBox="1">
+            <a:spLocks noGrp="1"/>
+          </p:cNvSpPr>
           <p:nvPr>
-            <p:ph idx="1" type="body"/>
+            <p:ph type="body" idx="1"/>
           </p:nvPr>
         </p:nvSpPr>
         <p:spPr>
@@ -3318,9 +3389,9 @@
           </a:prstGeom>
         </p:spPr>
         <p:txBody>
-          <a:bodyPr anchorCtr="0" anchor="t" bIns="91425" lIns="91425" spcFirstLastPara="1" rIns="91425" wrap="square" tIns="91425"/>
+          <a:bodyPr spcFirstLastPara="1" wrap="square" lIns="91425" tIns="91425" rIns="91425" bIns="91425" anchor="t" anchorCtr="0"/>
           <a:lstStyle>
-            <a:lvl1pPr indent="-317500" lvl="0" marL="457200">
+            <a:lvl1pPr marL="457200" lvl="0" indent="-317500">
               <a:spcBef>
                 <a:spcPts val="0"/>
               </a:spcBef>
@@ -3331,7 +3402,7 @@
               <a:buChar char="●"/>
               <a:defRPr sz="1400"/>
             </a:lvl1pPr>
-            <a:lvl2pPr indent="-304800" lvl="1" marL="914400">
+            <a:lvl2pPr marL="914400" lvl="1" indent="-304800">
               <a:spcBef>
                 <a:spcPts val="1600"/>
               </a:spcBef>
@@ -3342,7 +3413,7 @@
               <a:buChar char="○"/>
               <a:defRPr sz="1200"/>
             </a:lvl2pPr>
-            <a:lvl3pPr indent="-304800" lvl="2" marL="1371600">
+            <a:lvl3pPr marL="1371600" lvl="2" indent="-304800">
               <a:spcBef>
                 <a:spcPts val="1600"/>
               </a:spcBef>
@@ -3353,7 +3424,7 @@
               <a:buChar char="■"/>
               <a:defRPr sz="1200"/>
             </a:lvl3pPr>
-            <a:lvl4pPr indent="-304800" lvl="3" marL="1828800">
+            <a:lvl4pPr marL="1828800" lvl="3" indent="-304800">
               <a:spcBef>
                 <a:spcPts val="1600"/>
               </a:spcBef>
@@ -3364,7 +3435,7 @@
               <a:buChar char="●"/>
               <a:defRPr sz="1200"/>
             </a:lvl4pPr>
-            <a:lvl5pPr indent="-304800" lvl="4" marL="2286000">
+            <a:lvl5pPr marL="2286000" lvl="4" indent="-304800">
               <a:spcBef>
                 <a:spcPts val="1600"/>
               </a:spcBef>
@@ -3375,7 +3446,7 @@
               <a:buChar char="○"/>
               <a:defRPr sz="1200"/>
             </a:lvl5pPr>
-            <a:lvl6pPr indent="-304800" lvl="5" marL="2743200">
+            <a:lvl6pPr marL="2743200" lvl="5" indent="-304800">
               <a:spcBef>
                 <a:spcPts val="1600"/>
               </a:spcBef>
@@ -3386,7 +3457,7 @@
               <a:buChar char="■"/>
               <a:defRPr sz="1200"/>
             </a:lvl6pPr>
-            <a:lvl7pPr indent="-304800" lvl="6" marL="3200400">
+            <a:lvl7pPr marL="3200400" lvl="6" indent="-304800">
               <a:spcBef>
                 <a:spcPts val="1600"/>
               </a:spcBef>
@@ -3397,7 +3468,7 @@
               <a:buChar char="●"/>
               <a:defRPr sz="1200"/>
             </a:lvl7pPr>
-            <a:lvl8pPr indent="-304800" lvl="7" marL="3657600">
+            <a:lvl8pPr marL="3657600" lvl="7" indent="-304800">
               <a:spcBef>
                 <a:spcPts val="1600"/>
               </a:spcBef>
@@ -3408,7 +3479,7 @@
               <a:buChar char="○"/>
               <a:defRPr sz="1200"/>
             </a:lvl8pPr>
-            <a:lvl9pPr indent="-304800" lvl="8" marL="4114800">
+            <a:lvl9pPr marL="4114800" lvl="8" indent="-304800">
               <a:spcBef>
                 <a:spcPts val="1600"/>
               </a:spcBef>
@@ -3420,15 +3491,19 @@
               <a:defRPr sz="1200"/>
             </a:lvl9pPr>
           </a:lstStyle>
-          <a:p/>
+          <a:p>
+            <a:endParaRPr/>
+          </a:p>
         </p:txBody>
       </p:sp>
       <p:sp>
         <p:nvSpPr>
           <p:cNvPr id="29" name="Google Shape;29;p5"/>
-          <p:cNvSpPr txBox="1"/>
+          <p:cNvSpPr txBox="1">
+            <a:spLocks noGrp="1"/>
+          </p:cNvSpPr>
           <p:nvPr>
-            <p:ph idx="2" type="body"/>
+            <p:ph type="body" idx="2"/>
           </p:nvPr>
         </p:nvSpPr>
         <p:spPr>
@@ -3441,9 +3516,9 @@
           </a:prstGeom>
         </p:spPr>
         <p:txBody>
-          <a:bodyPr anchorCtr="0" anchor="t" bIns="91425" lIns="91425" spcFirstLastPara="1" rIns="91425" wrap="square" tIns="91425"/>
+          <a:bodyPr spcFirstLastPara="1" wrap="square" lIns="91425" tIns="91425" rIns="91425" bIns="91425" anchor="t" anchorCtr="0"/>
           <a:lstStyle>
-            <a:lvl1pPr indent="-317500" lvl="0" marL="457200">
+            <a:lvl1pPr marL="457200" lvl="0" indent="-317500">
               <a:spcBef>
                 <a:spcPts val="0"/>
               </a:spcBef>
@@ -3454,7 +3529,7 @@
               <a:buChar char="●"/>
               <a:defRPr sz="1400"/>
             </a:lvl1pPr>
-            <a:lvl2pPr indent="-304800" lvl="1" marL="914400">
+            <a:lvl2pPr marL="914400" lvl="1" indent="-304800">
               <a:spcBef>
                 <a:spcPts val="1600"/>
               </a:spcBef>
@@ -3465,7 +3540,7 @@
               <a:buChar char="○"/>
               <a:defRPr sz="1200"/>
             </a:lvl2pPr>
-            <a:lvl3pPr indent="-304800" lvl="2" marL="1371600">
+            <a:lvl3pPr marL="1371600" lvl="2" indent="-304800">
               <a:spcBef>
                 <a:spcPts val="1600"/>
               </a:spcBef>
@@ -3476,7 +3551,7 @@
               <a:buChar char="■"/>
               <a:defRPr sz="1200"/>
             </a:lvl3pPr>
-            <a:lvl4pPr indent="-304800" lvl="3" marL="1828800">
+            <a:lvl4pPr marL="1828800" lvl="3" indent="-304800">
               <a:spcBef>
                 <a:spcPts val="1600"/>
               </a:spcBef>
@@ -3487,7 +3562,7 @@
               <a:buChar char="●"/>
               <a:defRPr sz="1200"/>
             </a:lvl4pPr>
-            <a:lvl5pPr indent="-304800" lvl="4" marL="2286000">
+            <a:lvl5pPr marL="2286000" lvl="4" indent="-304800">
               <a:spcBef>
                 <a:spcPts val="1600"/>
               </a:spcBef>
@@ -3498,7 +3573,7 @@
               <a:buChar char="○"/>
               <a:defRPr sz="1200"/>
             </a:lvl5pPr>
-            <a:lvl6pPr indent="-304800" lvl="5" marL="2743200">
+            <a:lvl6pPr marL="2743200" lvl="5" indent="-304800">
               <a:spcBef>
                 <a:spcPts val="1600"/>
               </a:spcBef>
@@ -3509,7 +3584,7 @@
               <a:buChar char="■"/>
               <a:defRPr sz="1200"/>
             </a:lvl6pPr>
-            <a:lvl7pPr indent="-304800" lvl="6" marL="3200400">
+            <a:lvl7pPr marL="3200400" lvl="6" indent="-304800">
               <a:spcBef>
                 <a:spcPts val="1600"/>
               </a:spcBef>
@@ -3520,7 +3595,7 @@
               <a:buChar char="●"/>
               <a:defRPr sz="1200"/>
             </a:lvl7pPr>
-            <a:lvl8pPr indent="-304800" lvl="7" marL="3657600">
+            <a:lvl8pPr marL="3657600" lvl="7" indent="-304800">
               <a:spcBef>
                 <a:spcPts val="1600"/>
               </a:spcBef>
@@ -3531,7 +3606,7 @@
               <a:buChar char="○"/>
               <a:defRPr sz="1200"/>
             </a:lvl8pPr>
-            <a:lvl9pPr indent="-304800" lvl="8" marL="4114800">
+            <a:lvl9pPr marL="4114800" lvl="8" indent="-304800">
               <a:spcBef>
                 <a:spcPts val="1600"/>
               </a:spcBef>
@@ -3543,15 +3618,19 @@
               <a:defRPr sz="1200"/>
             </a:lvl9pPr>
           </a:lstStyle>
-          <a:p/>
+          <a:p>
+            <a:endParaRPr/>
+          </a:p>
         </p:txBody>
       </p:sp>
       <p:sp>
         <p:nvSpPr>
           <p:cNvPr id="30" name="Google Shape;30;p5"/>
-          <p:cNvSpPr txBox="1"/>
+          <p:cNvSpPr txBox="1">
+            <a:spLocks noGrp="1"/>
+          </p:cNvSpPr>
           <p:nvPr>
-            <p:ph idx="12" type="sldNum"/>
+            <p:ph type="sldNum" idx="12"/>
           </p:nvPr>
         </p:nvSpPr>
         <p:spPr>
@@ -3564,7 +3643,7 @@
           </a:prstGeom>
         </p:spPr>
         <p:txBody>
-          <a:bodyPr anchorCtr="0" anchor="ctr" bIns="91425" lIns="91425" spcFirstLastPara="1" rIns="91425" wrap="square" tIns="91425">
+          <a:bodyPr spcFirstLastPara="1" wrap="square" lIns="91425" tIns="91425" rIns="91425" bIns="91425" anchor="ctr" anchorCtr="0">
             <a:noAutofit/>
           </a:bodyPr>
           <a:lstStyle>
@@ -3606,7 +3685,7 @@
             </a:lvl9pPr>
           </a:lstStyle>
           <a:p>
-            <a:pPr indent="0" lvl="0" marL="0" rtl="0" algn="r">
+            <a:pPr marL="0" lvl="0" indent="0" algn="r" rtl="0">
               <a:spcBef>
                 <a:spcPts val="0"/>
               </a:spcBef>
@@ -3632,11 +3711,11 @@
 </file>
 
 <file path=ppt/slideLayouts/slideLayout5.xml><?xml version="1.0" encoding="utf-8"?>
-<p:sldLayout xmlns:a="http://schemas.openxmlformats.org/drawingml/2006/main" xmlns:r="http://schemas.openxmlformats.org/officeDocument/2006/relationships" xmlns:mc="http://schemas.openxmlformats.org/markup-compatibility/2006" xmlns:mv="urn:schemas-microsoft-com:mac:vml" xmlns:p="http://schemas.openxmlformats.org/presentationml/2006/main" xmlns:c="http://schemas.openxmlformats.org/drawingml/2006/chart" xmlns:dgm="http://schemas.openxmlformats.org/drawingml/2006/diagram" xmlns:o="urn:schemas-microsoft-com:office:office" xmlns:v="urn:schemas-microsoft-com:vml" xmlns:pvml="urn:schemas-microsoft-com:office:powerpoint" xmlns:com="http://schemas.openxmlformats.org/drawingml/2006/compatibility" xmlns:p14="http://schemas.microsoft.com/office/powerpoint/2010/main" xmlns:p15="http://schemas.microsoft.com/office/powerpoint/2012/main" matchingName="Title only" type="titleOnly">
+<p:sldLayout xmlns:a="http://schemas.openxmlformats.org/drawingml/2006/main" xmlns:r="http://schemas.openxmlformats.org/officeDocument/2006/relationships" xmlns:p="http://schemas.openxmlformats.org/presentationml/2006/main" matchingName="Title only" type="titleOnly">
   <p:cSld name="TITLE_ONLY">
     <p:spTree>
       <p:nvGrpSpPr>
-        <p:cNvPr id="31" name="Shape 31"/>
+        <p:cNvPr id="1" name="Shape 31"/>
         <p:cNvGrpSpPr/>
         <p:nvPr/>
       </p:nvGrpSpPr>
@@ -3655,7 +3734,7 @@
           <p:nvPr/>
         </p:nvSpPr>
         <p:spPr>
-          <a:xfrm flipH="1" rot="10800000">
+          <a:xfrm rot="10800000" flipH="1">
             <a:off x="0" y="656400"/>
             <a:ext cx="9144000" cy="4487100"/>
           </a:xfrm>
@@ -3670,12 +3749,12 @@
           </a:ln>
         </p:spPr>
         <p:txBody>
-          <a:bodyPr anchorCtr="0" anchor="ctr" bIns="91425" lIns="91425" spcFirstLastPara="1" rIns="91425" wrap="square" tIns="91425">
+          <a:bodyPr spcFirstLastPara="1" wrap="square" lIns="91425" tIns="91425" rIns="91425" bIns="91425" anchor="ctr" anchorCtr="0">
             <a:noAutofit/>
           </a:bodyPr>
           <a:lstStyle/>
           <a:p>
-            <a:pPr indent="0" lvl="0" marL="0" rtl="0" algn="l">
+            <a:pPr marL="0" lvl="0" indent="0" algn="l" rtl="0">
               <a:spcBef>
                 <a:spcPts val="0"/>
               </a:spcBef>
@@ -3684,9 +3763,6 @@
               </a:spcAft>
               <a:buNone/>
             </a:pPr>
-            <a:r>
-              <a:t/>
-            </a:r>
             <a:endParaRPr/>
           </a:p>
         </p:txBody>
@@ -3727,12 +3803,12 @@
           </a:ln>
         </p:spPr>
         <p:txBody>
-          <a:bodyPr anchorCtr="0" anchor="ctr" bIns="91425" lIns="91425" spcFirstLastPara="1" rIns="91425" wrap="square" tIns="91425">
+          <a:bodyPr spcFirstLastPara="1" wrap="square" lIns="91425" tIns="91425" rIns="91425" bIns="91425" anchor="ctr" anchorCtr="0">
             <a:noAutofit/>
           </a:bodyPr>
           <a:lstStyle/>
           <a:p>
-            <a:pPr indent="0" lvl="0" marL="0" rtl="0" algn="l">
+            <a:pPr marL="0" lvl="0" indent="0" algn="l" rtl="0">
               <a:spcBef>
                 <a:spcPts val="0"/>
               </a:spcBef>
@@ -3741,9 +3817,6 @@
               </a:spcAft>
               <a:buNone/>
             </a:pPr>
-            <a:r>
-              <a:t/>
-            </a:r>
             <a:endParaRPr/>
           </a:p>
         </p:txBody>
@@ -3751,7 +3824,9 @@
       <p:sp>
         <p:nvSpPr>
           <p:cNvPr id="34" name="Google Shape;34;p6"/>
-          <p:cNvSpPr txBox="1"/>
+          <p:cNvSpPr txBox="1">
+            <a:spLocks noGrp="1"/>
+          </p:cNvSpPr>
           <p:nvPr>
             <p:ph type="title"/>
           </p:nvPr>
@@ -3766,7 +3841,7 @@
           </a:prstGeom>
         </p:spPr>
         <p:txBody>
-          <a:bodyPr anchorCtr="0" anchor="ctr" bIns="91425" lIns="91425" spcFirstLastPara="1" rIns="91425" wrap="square" tIns="91425"/>
+          <a:bodyPr spcFirstLastPara="1" wrap="square" lIns="91425" tIns="91425" rIns="91425" bIns="91425" anchor="ctr" anchorCtr="0"/>
           <a:lstStyle>
             <a:lvl1pPr lvl="0">
               <a:spcBef>
@@ -3868,15 +3943,19 @@
               <a:defRPr sz="1800"/>
             </a:lvl9pPr>
           </a:lstStyle>
-          <a:p/>
+          <a:p>
+            <a:endParaRPr/>
+          </a:p>
         </p:txBody>
       </p:sp>
       <p:sp>
         <p:nvSpPr>
           <p:cNvPr id="35" name="Google Shape;35;p6"/>
-          <p:cNvSpPr txBox="1"/>
+          <p:cNvSpPr txBox="1">
+            <a:spLocks noGrp="1"/>
+          </p:cNvSpPr>
           <p:nvPr>
-            <p:ph idx="12" type="sldNum"/>
+            <p:ph type="sldNum" idx="12"/>
           </p:nvPr>
         </p:nvSpPr>
         <p:spPr>
@@ -3889,7 +3968,7 @@
           </a:prstGeom>
         </p:spPr>
         <p:txBody>
-          <a:bodyPr anchorCtr="0" anchor="ctr" bIns="91425" lIns="91425" spcFirstLastPara="1" rIns="91425" wrap="square" tIns="91425">
+          <a:bodyPr spcFirstLastPara="1" wrap="square" lIns="91425" tIns="91425" rIns="91425" bIns="91425" anchor="ctr" anchorCtr="0">
             <a:noAutofit/>
           </a:bodyPr>
           <a:lstStyle>
@@ -3931,7 +4010,7 @@
             </a:lvl9pPr>
           </a:lstStyle>
           <a:p>
-            <a:pPr indent="0" lvl="0" marL="0" rtl="0" algn="r">
+            <a:pPr marL="0" lvl="0" indent="0" algn="r" rtl="0">
               <a:spcBef>
                 <a:spcPts val="0"/>
               </a:spcBef>
@@ -3957,11 +4036,11 @@
 </file>
 
 <file path=ppt/slideLayouts/slideLayout6.xml><?xml version="1.0" encoding="utf-8"?>
-<p:sldLayout xmlns:a="http://schemas.openxmlformats.org/drawingml/2006/main" xmlns:r="http://schemas.openxmlformats.org/officeDocument/2006/relationships" xmlns:mc="http://schemas.openxmlformats.org/markup-compatibility/2006" xmlns:mv="urn:schemas-microsoft-com:mac:vml" xmlns:p="http://schemas.openxmlformats.org/presentationml/2006/main" xmlns:c="http://schemas.openxmlformats.org/drawingml/2006/chart" xmlns:dgm="http://schemas.openxmlformats.org/drawingml/2006/diagram" xmlns:o="urn:schemas-microsoft-com:office:office" xmlns:v="urn:schemas-microsoft-com:vml" xmlns:pvml="urn:schemas-microsoft-com:office:powerpoint" xmlns:com="http://schemas.openxmlformats.org/drawingml/2006/compatibility" xmlns:p14="http://schemas.microsoft.com/office/powerpoint/2010/main" xmlns:p15="http://schemas.microsoft.com/office/powerpoint/2012/main" matchingName="One column text">
+<p:sldLayout xmlns:a="http://schemas.openxmlformats.org/drawingml/2006/main" xmlns:r="http://schemas.openxmlformats.org/officeDocument/2006/relationships" xmlns:p="http://schemas.openxmlformats.org/presentationml/2006/main" matchingName="One column text">
   <p:cSld name="ONE_COLUMN_TEXT">
     <p:spTree>
       <p:nvGrpSpPr>
-        <p:cNvPr id="36" name="Shape 36"/>
+        <p:cNvPr id="1" name="Shape 36"/>
         <p:cNvGrpSpPr/>
         <p:nvPr/>
       </p:nvGrpSpPr>
@@ -3980,7 +4059,7 @@
           <p:nvPr/>
         </p:nvSpPr>
         <p:spPr>
-          <a:xfrm flipH="1" rot="10800000">
+          <a:xfrm rot="10800000" flipH="1">
             <a:off x="3276600" y="25"/>
             <a:ext cx="5867400" cy="5143500"/>
           </a:xfrm>
@@ -3995,12 +4074,12 @@
           </a:ln>
         </p:spPr>
         <p:txBody>
-          <a:bodyPr anchorCtr="0" anchor="ctr" bIns="91425" lIns="91425" spcFirstLastPara="1" rIns="91425" wrap="square" tIns="91425">
+          <a:bodyPr spcFirstLastPara="1" wrap="square" lIns="91425" tIns="91425" rIns="91425" bIns="91425" anchor="ctr" anchorCtr="0">
             <a:noAutofit/>
           </a:bodyPr>
           <a:lstStyle/>
           <a:p>
-            <a:pPr indent="0" lvl="0" marL="0" rtl="0" algn="l">
+            <a:pPr marL="0" lvl="0" indent="0" algn="l" rtl="0">
               <a:spcBef>
                 <a:spcPts val="0"/>
               </a:spcBef>
@@ -4009,9 +4088,6 @@
               </a:spcAft>
               <a:buNone/>
             </a:pPr>
-            <a:r>
-              <a:t/>
-            </a:r>
             <a:endParaRPr/>
           </a:p>
         </p:txBody>
@@ -4052,12 +4128,12 @@
           </a:ln>
         </p:spPr>
         <p:txBody>
-          <a:bodyPr anchorCtr="0" anchor="ctr" bIns="91425" lIns="91425" spcFirstLastPara="1" rIns="91425" wrap="square" tIns="91425">
+          <a:bodyPr spcFirstLastPara="1" wrap="square" lIns="91425" tIns="91425" rIns="91425" bIns="91425" anchor="ctr" anchorCtr="0">
             <a:noAutofit/>
           </a:bodyPr>
           <a:lstStyle/>
           <a:p>
-            <a:pPr indent="0" lvl="0" marL="0" rtl="0" algn="l">
+            <a:pPr marL="0" lvl="0" indent="0" algn="l" rtl="0">
               <a:spcBef>
                 <a:spcPts val="0"/>
               </a:spcBef>
@@ -4066,9 +4142,6 @@
               </a:spcAft>
               <a:buNone/>
             </a:pPr>
-            <a:r>
-              <a:t/>
-            </a:r>
             <a:endParaRPr/>
           </a:p>
         </p:txBody>
@@ -4076,7 +4149,9 @@
       <p:sp>
         <p:nvSpPr>
           <p:cNvPr id="39" name="Google Shape;39;p7"/>
-          <p:cNvSpPr txBox="1"/>
+          <p:cNvSpPr txBox="1">
+            <a:spLocks noGrp="1"/>
+          </p:cNvSpPr>
           <p:nvPr>
             <p:ph type="title"/>
           </p:nvPr>
@@ -4091,7 +4166,7 @@
           </a:prstGeom>
         </p:spPr>
         <p:txBody>
-          <a:bodyPr anchorCtr="0" anchor="b" bIns="91425" lIns="91425" spcFirstLastPara="1" rIns="91425" wrap="square" tIns="91425"/>
+          <a:bodyPr spcFirstLastPara="1" wrap="square" lIns="91425" tIns="91425" rIns="91425" bIns="91425" anchor="b" anchorCtr="0"/>
           <a:lstStyle>
             <a:lvl1pPr lvl="0">
               <a:spcBef>
@@ -4193,15 +4268,19 @@
               <a:defRPr sz="2400"/>
             </a:lvl9pPr>
           </a:lstStyle>
-          <a:p/>
+          <a:p>
+            <a:endParaRPr/>
+          </a:p>
         </p:txBody>
       </p:sp>
       <p:sp>
         <p:nvSpPr>
           <p:cNvPr id="40" name="Google Shape;40;p7"/>
-          <p:cNvSpPr txBox="1"/>
+          <p:cNvSpPr txBox="1">
+            <a:spLocks noGrp="1"/>
+          </p:cNvSpPr>
           <p:nvPr>
-            <p:ph idx="1" type="body"/>
+            <p:ph type="body" idx="1"/>
           </p:nvPr>
         </p:nvSpPr>
         <p:spPr>
@@ -4214,9 +4293,9 @@
           </a:prstGeom>
         </p:spPr>
         <p:txBody>
-          <a:bodyPr anchorCtr="0" anchor="t" bIns="91425" lIns="91425" spcFirstLastPara="1" rIns="91425" wrap="square" tIns="91425"/>
+          <a:bodyPr spcFirstLastPara="1" wrap="square" lIns="91425" tIns="91425" rIns="91425" bIns="91425" anchor="t" anchorCtr="0"/>
           <a:lstStyle>
-            <a:lvl1pPr indent="-304800" lvl="0" marL="457200">
+            <a:lvl1pPr marL="457200" lvl="0" indent="-304800">
               <a:spcBef>
                 <a:spcPts val="0"/>
               </a:spcBef>
@@ -4234,7 +4313,7 @@
                 </a:solidFill>
               </a:defRPr>
             </a:lvl1pPr>
-            <a:lvl2pPr indent="-304800" lvl="1" marL="914400">
+            <a:lvl2pPr marL="914400" lvl="1" indent="-304800">
               <a:spcBef>
                 <a:spcPts val="1600"/>
               </a:spcBef>
@@ -4252,7 +4331,7 @@
                 </a:solidFill>
               </a:defRPr>
             </a:lvl2pPr>
-            <a:lvl3pPr indent="-304800" lvl="2" marL="1371600">
+            <a:lvl3pPr marL="1371600" lvl="2" indent="-304800">
               <a:spcBef>
                 <a:spcPts val="1600"/>
               </a:spcBef>
@@ -4270,7 +4349,7 @@
                 </a:solidFill>
               </a:defRPr>
             </a:lvl3pPr>
-            <a:lvl4pPr indent="-304800" lvl="3" marL="1828800">
+            <a:lvl4pPr marL="1828800" lvl="3" indent="-304800">
               <a:spcBef>
                 <a:spcPts val="1600"/>
               </a:spcBef>
@@ -4288,7 +4367,7 @@
                 </a:solidFill>
               </a:defRPr>
             </a:lvl4pPr>
-            <a:lvl5pPr indent="-304800" lvl="4" marL="2286000">
+            <a:lvl5pPr marL="2286000" lvl="4" indent="-304800">
               <a:spcBef>
                 <a:spcPts val="1600"/>
               </a:spcBef>
@@ -4306,7 +4385,7 @@
                 </a:solidFill>
               </a:defRPr>
             </a:lvl5pPr>
-            <a:lvl6pPr indent="-304800" lvl="5" marL="2743200">
+            <a:lvl6pPr marL="2743200" lvl="5" indent="-304800">
               <a:spcBef>
                 <a:spcPts val="1600"/>
               </a:spcBef>
@@ -4324,7 +4403,7 @@
                 </a:solidFill>
               </a:defRPr>
             </a:lvl6pPr>
-            <a:lvl7pPr indent="-304800" lvl="6" marL="3200400">
+            <a:lvl7pPr marL="3200400" lvl="6" indent="-304800">
               <a:spcBef>
                 <a:spcPts val="1600"/>
               </a:spcBef>
@@ -4342,7 +4421,7 @@
                 </a:solidFill>
               </a:defRPr>
             </a:lvl7pPr>
-            <a:lvl8pPr indent="-304800" lvl="7" marL="3657600">
+            <a:lvl8pPr marL="3657600" lvl="7" indent="-304800">
               <a:spcBef>
                 <a:spcPts val="1600"/>
               </a:spcBef>
@@ -4360,7 +4439,7 @@
                 </a:solidFill>
               </a:defRPr>
             </a:lvl8pPr>
-            <a:lvl9pPr indent="-304800" lvl="8" marL="4114800">
+            <a:lvl9pPr marL="4114800" lvl="8" indent="-304800">
               <a:spcBef>
                 <a:spcPts val="1600"/>
               </a:spcBef>
@@ -4379,15 +4458,19 @@
               </a:defRPr>
             </a:lvl9pPr>
           </a:lstStyle>
-          <a:p/>
+          <a:p>
+            <a:endParaRPr/>
+          </a:p>
         </p:txBody>
       </p:sp>
       <p:sp>
         <p:nvSpPr>
           <p:cNvPr id="41" name="Google Shape;41;p7"/>
-          <p:cNvSpPr txBox="1"/>
+          <p:cNvSpPr txBox="1">
+            <a:spLocks noGrp="1"/>
+          </p:cNvSpPr>
           <p:nvPr>
-            <p:ph idx="12" type="sldNum"/>
+            <p:ph type="sldNum" idx="12"/>
           </p:nvPr>
         </p:nvSpPr>
         <p:spPr>
@@ -4400,7 +4483,7 @@
           </a:prstGeom>
         </p:spPr>
         <p:txBody>
-          <a:bodyPr anchorCtr="0" anchor="ctr" bIns="91425" lIns="91425" spcFirstLastPara="1" rIns="91425" wrap="square" tIns="91425">
+          <a:bodyPr spcFirstLastPara="1" wrap="square" lIns="91425" tIns="91425" rIns="91425" bIns="91425" anchor="ctr" anchorCtr="0">
             <a:noAutofit/>
           </a:bodyPr>
           <a:lstStyle>
@@ -4442,7 +4525,7 @@
             </a:lvl9pPr>
           </a:lstStyle>
           <a:p>
-            <a:pPr indent="0" lvl="0" marL="0" rtl="0" algn="r">
+            <a:pPr marL="0" lvl="0" indent="0" algn="r" rtl="0">
               <a:spcBef>
                 <a:spcPts val="0"/>
               </a:spcBef>
@@ -4468,11 +4551,11 @@
 </file>
 
 <file path=ppt/slideLayouts/slideLayout7.xml><?xml version="1.0" encoding="utf-8"?>
-<p:sldLayout xmlns:a="http://schemas.openxmlformats.org/drawingml/2006/main" xmlns:r="http://schemas.openxmlformats.org/officeDocument/2006/relationships" xmlns:mc="http://schemas.openxmlformats.org/markup-compatibility/2006" xmlns:mv="urn:schemas-microsoft-com:mac:vml" xmlns:p="http://schemas.openxmlformats.org/presentationml/2006/main" xmlns:c="http://schemas.openxmlformats.org/drawingml/2006/chart" xmlns:dgm="http://schemas.openxmlformats.org/drawingml/2006/diagram" xmlns:o="urn:schemas-microsoft-com:office:office" xmlns:v="urn:schemas-microsoft-com:vml" xmlns:pvml="urn:schemas-microsoft-com:office:powerpoint" xmlns:com="http://schemas.openxmlformats.org/drawingml/2006/compatibility" xmlns:p14="http://schemas.microsoft.com/office/powerpoint/2010/main" xmlns:p15="http://schemas.microsoft.com/office/powerpoint/2012/main" matchingName="Main point">
+<p:sldLayout xmlns:a="http://schemas.openxmlformats.org/drawingml/2006/main" xmlns:r="http://schemas.openxmlformats.org/officeDocument/2006/relationships" xmlns:p="http://schemas.openxmlformats.org/presentationml/2006/main" matchingName="Main point">
   <p:cSld name="MAIN_POINT">
     <p:spTree>
       <p:nvGrpSpPr>
-        <p:cNvPr id="42" name="Shape 42"/>
+        <p:cNvPr id="1" name="Shape 42"/>
         <p:cNvGrpSpPr/>
         <p:nvPr/>
       </p:nvGrpSpPr>
@@ -4487,7 +4570,9 @@
       <p:sp>
         <p:nvSpPr>
           <p:cNvPr id="43" name="Google Shape;43;p8"/>
-          <p:cNvSpPr txBox="1"/>
+          <p:cNvSpPr txBox="1">
+            <a:spLocks noGrp="1"/>
+          </p:cNvSpPr>
           <p:nvPr>
             <p:ph type="title"/>
           </p:nvPr>
@@ -4502,7 +4587,7 @@
           </a:prstGeom>
         </p:spPr>
         <p:txBody>
-          <a:bodyPr anchorCtr="0" anchor="ctr" bIns="91425" lIns="91425" spcFirstLastPara="1" rIns="91425" wrap="square" tIns="91425"/>
+          <a:bodyPr spcFirstLastPara="1" wrap="square" lIns="91425" tIns="91425" rIns="91425" bIns="91425" anchor="ctr" anchorCtr="0"/>
           <a:lstStyle>
             <a:lvl1pPr lvl="0">
               <a:spcBef>
@@ -4604,15 +4689,19 @@
               <a:defRPr sz="6000"/>
             </a:lvl9pPr>
           </a:lstStyle>
-          <a:p/>
+          <a:p>
+            <a:endParaRPr/>
+          </a:p>
         </p:txBody>
       </p:sp>
       <p:sp>
         <p:nvSpPr>
           <p:cNvPr id="44" name="Google Shape;44;p8"/>
-          <p:cNvSpPr txBox="1"/>
+          <p:cNvSpPr txBox="1">
+            <a:spLocks noGrp="1"/>
+          </p:cNvSpPr>
           <p:nvPr>
-            <p:ph idx="12" type="sldNum"/>
+            <p:ph type="sldNum" idx="12"/>
           </p:nvPr>
         </p:nvSpPr>
         <p:spPr>
@@ -4625,7 +4714,7 @@
           </a:prstGeom>
         </p:spPr>
         <p:txBody>
-          <a:bodyPr anchorCtr="0" anchor="ctr" bIns="91425" lIns="91425" spcFirstLastPara="1" rIns="91425" wrap="square" tIns="91425">
+          <a:bodyPr spcFirstLastPara="1" wrap="square" lIns="91425" tIns="91425" rIns="91425" bIns="91425" anchor="ctr" anchorCtr="0">
             <a:noAutofit/>
           </a:bodyPr>
           <a:lstStyle>
@@ -4703,7 +4792,7 @@
             </a:lvl9pPr>
           </a:lstStyle>
           <a:p>
-            <a:pPr indent="0" lvl="0" marL="0" rtl="0" algn="r">
+            <a:pPr marL="0" lvl="0" indent="0" algn="r" rtl="0">
               <a:spcBef>
                 <a:spcPts val="0"/>
               </a:spcBef>
@@ -4729,11 +4818,11 @@
 </file>
 
 <file path=ppt/slideLayouts/slideLayout8.xml><?xml version="1.0" encoding="utf-8"?>
-<p:sldLayout xmlns:a="http://schemas.openxmlformats.org/drawingml/2006/main" xmlns:r="http://schemas.openxmlformats.org/officeDocument/2006/relationships" xmlns:mc="http://schemas.openxmlformats.org/markup-compatibility/2006" xmlns:mv="urn:schemas-microsoft-com:mac:vml" xmlns:p="http://schemas.openxmlformats.org/presentationml/2006/main" xmlns:c="http://schemas.openxmlformats.org/drawingml/2006/chart" xmlns:dgm="http://schemas.openxmlformats.org/drawingml/2006/diagram" xmlns:o="urn:schemas-microsoft-com:office:office" xmlns:v="urn:schemas-microsoft-com:vml" xmlns:pvml="urn:schemas-microsoft-com:office:powerpoint" xmlns:com="http://schemas.openxmlformats.org/drawingml/2006/compatibility" xmlns:p14="http://schemas.microsoft.com/office/powerpoint/2010/main" xmlns:p15="http://schemas.microsoft.com/office/powerpoint/2012/main" matchingName="Section title and description">
+<p:sldLayout xmlns:a="http://schemas.openxmlformats.org/drawingml/2006/main" xmlns:r="http://schemas.openxmlformats.org/officeDocument/2006/relationships" xmlns:p="http://schemas.openxmlformats.org/presentationml/2006/main" matchingName="Section title and description">
   <p:cSld name="SECTION_TITLE_AND_DESCRIPTION">
     <p:spTree>
       <p:nvGrpSpPr>
-        <p:cNvPr id="45" name="Shape 45"/>
+        <p:cNvPr id="1" name="Shape 45"/>
         <p:cNvGrpSpPr/>
         <p:nvPr/>
       </p:nvGrpSpPr>
@@ -4767,12 +4856,12 @@
           </a:ln>
         </p:spPr>
         <p:txBody>
-          <a:bodyPr anchorCtr="0" anchor="ctr" bIns="91425" lIns="91425" spcFirstLastPara="1" rIns="91425" wrap="square" tIns="91425">
+          <a:bodyPr spcFirstLastPara="1" wrap="square" lIns="91425" tIns="91425" rIns="91425" bIns="91425" anchor="ctr" anchorCtr="0">
             <a:noAutofit/>
           </a:bodyPr>
           <a:lstStyle/>
           <a:p>
-            <a:pPr indent="0" lvl="0" marL="0" rtl="0" algn="l">
+            <a:pPr marL="0" lvl="0" indent="0" algn="l" rtl="0">
               <a:spcBef>
                 <a:spcPts val="0"/>
               </a:spcBef>
@@ -4781,9 +4870,6 @@
               </a:spcAft>
               <a:buNone/>
             </a:pPr>
-            <a:r>
-              <a:t/>
-            </a:r>
             <a:endParaRPr/>
           </a:p>
         </p:txBody>
@@ -4824,12 +4910,12 @@
           </a:ln>
         </p:spPr>
         <p:txBody>
-          <a:bodyPr anchorCtr="0" anchor="ctr" bIns="91425" lIns="91425" spcFirstLastPara="1" rIns="91425" wrap="square" tIns="91425">
+          <a:bodyPr spcFirstLastPara="1" wrap="square" lIns="91425" tIns="91425" rIns="91425" bIns="91425" anchor="ctr" anchorCtr="0">
             <a:noAutofit/>
           </a:bodyPr>
           <a:lstStyle/>
           <a:p>
-            <a:pPr indent="0" lvl="0" marL="0" rtl="0" algn="l">
+            <a:pPr marL="0" lvl="0" indent="0" algn="l" rtl="0">
               <a:spcBef>
                 <a:spcPts val="0"/>
               </a:spcBef>
@@ -4838,9 +4924,6 @@
               </a:spcAft>
               <a:buNone/>
             </a:pPr>
-            <a:r>
-              <a:t/>
-            </a:r>
             <a:endParaRPr/>
           </a:p>
         </p:txBody>
@@ -4848,7 +4931,9 @@
       <p:sp>
         <p:nvSpPr>
           <p:cNvPr id="48" name="Google Shape;48;p9"/>
-          <p:cNvSpPr txBox="1"/>
+          <p:cNvSpPr txBox="1">
+            <a:spLocks noGrp="1"/>
+          </p:cNvSpPr>
           <p:nvPr>
             <p:ph type="title"/>
           </p:nvPr>
@@ -4863,7 +4948,7 @@
           </a:prstGeom>
         </p:spPr>
         <p:txBody>
-          <a:bodyPr anchorCtr="0" anchor="b" bIns="91425" lIns="91425" spcFirstLastPara="1" rIns="91425" wrap="square" tIns="91425"/>
+          <a:bodyPr spcFirstLastPara="1" wrap="square" lIns="91425" tIns="91425" rIns="91425" bIns="91425" anchor="b" anchorCtr="0"/>
           <a:lstStyle>
             <a:lvl1pPr lvl="0" algn="ctr">
               <a:spcBef>
@@ -5028,15 +5113,19 @@
               </a:defRPr>
             </a:lvl9pPr>
           </a:lstStyle>
-          <a:p/>
+          <a:p>
+            <a:endParaRPr/>
+          </a:p>
         </p:txBody>
       </p:sp>
       <p:sp>
         <p:nvSpPr>
           <p:cNvPr id="49" name="Google Shape;49;p9"/>
-          <p:cNvSpPr txBox="1"/>
+          <p:cNvSpPr txBox="1">
+            <a:spLocks noGrp="1"/>
+          </p:cNvSpPr>
           <p:nvPr>
-            <p:ph idx="1" type="subTitle"/>
+            <p:ph type="subTitle" idx="1"/>
           </p:nvPr>
         </p:nvSpPr>
         <p:spPr>
@@ -5049,7 +5138,7 @@
           </a:prstGeom>
         </p:spPr>
         <p:txBody>
-          <a:bodyPr anchorCtr="0" anchor="t" bIns="91425" lIns="91425" spcFirstLastPara="1" rIns="91425" wrap="square" tIns="91425"/>
+          <a:bodyPr spcFirstLastPara="1" wrap="square" lIns="91425" tIns="91425" rIns="91425" bIns="91425" anchor="t" anchorCtr="0"/>
           <a:lstStyle>
             <a:lvl1pPr lvl="0" algn="ctr">
               <a:lnSpc>
@@ -5178,15 +5267,19 @@
               <a:defRPr sz="2100"/>
             </a:lvl9pPr>
           </a:lstStyle>
-          <a:p/>
+          <a:p>
+            <a:endParaRPr/>
+          </a:p>
         </p:txBody>
       </p:sp>
       <p:sp>
         <p:nvSpPr>
           <p:cNvPr id="50" name="Google Shape;50;p9"/>
-          <p:cNvSpPr txBox="1"/>
+          <p:cNvSpPr txBox="1">
+            <a:spLocks noGrp="1"/>
+          </p:cNvSpPr>
           <p:nvPr>
-            <p:ph idx="2" type="body"/>
+            <p:ph type="body" idx="2"/>
           </p:nvPr>
         </p:nvSpPr>
         <p:spPr>
@@ -5199,9 +5292,9 @@
           </a:prstGeom>
         </p:spPr>
         <p:txBody>
-          <a:bodyPr anchorCtr="0" anchor="ctr" bIns="91425" lIns="91425" spcFirstLastPara="1" rIns="91425" wrap="square" tIns="91425"/>
+          <a:bodyPr spcFirstLastPara="1" wrap="square" lIns="91425" tIns="91425" rIns="91425" bIns="91425" anchor="ctr" anchorCtr="0"/>
           <a:lstStyle>
-            <a:lvl1pPr indent="-342900" lvl="0" marL="457200">
+            <a:lvl1pPr marL="457200" lvl="0" indent="-342900">
               <a:spcBef>
                 <a:spcPts val="0"/>
               </a:spcBef>
@@ -5219,7 +5312,7 @@
                 </a:solidFill>
               </a:defRPr>
             </a:lvl1pPr>
-            <a:lvl2pPr indent="-317500" lvl="1" marL="914400">
+            <a:lvl2pPr marL="914400" lvl="1" indent="-317500">
               <a:spcBef>
                 <a:spcPts val="1600"/>
               </a:spcBef>
@@ -5237,7 +5330,7 @@
                 </a:solidFill>
               </a:defRPr>
             </a:lvl2pPr>
-            <a:lvl3pPr indent="-317500" lvl="2" marL="1371600">
+            <a:lvl3pPr marL="1371600" lvl="2" indent="-317500">
               <a:spcBef>
                 <a:spcPts val="1600"/>
               </a:spcBef>
@@ -5255,7 +5348,7 @@
                 </a:solidFill>
               </a:defRPr>
             </a:lvl3pPr>
-            <a:lvl4pPr indent="-317500" lvl="3" marL="1828800">
+            <a:lvl4pPr marL="1828800" lvl="3" indent="-317500">
               <a:spcBef>
                 <a:spcPts val="1600"/>
               </a:spcBef>
@@ -5273,7 +5366,7 @@
                 </a:solidFill>
               </a:defRPr>
             </a:lvl4pPr>
-            <a:lvl5pPr indent="-317500" lvl="4" marL="2286000">
+            <a:lvl5pPr marL="2286000" lvl="4" indent="-317500">
               <a:spcBef>
                 <a:spcPts val="1600"/>
               </a:spcBef>
@@ -5291,7 +5384,7 @@
                 </a:solidFill>
               </a:defRPr>
             </a:lvl5pPr>
-            <a:lvl6pPr indent="-317500" lvl="5" marL="2743200">
+            <a:lvl6pPr marL="2743200" lvl="5" indent="-317500">
               <a:spcBef>
                 <a:spcPts val="1600"/>
               </a:spcBef>
@@ -5309,7 +5402,7 @@
                 </a:solidFill>
               </a:defRPr>
             </a:lvl6pPr>
-            <a:lvl7pPr indent="-317500" lvl="6" marL="3200400">
+            <a:lvl7pPr marL="3200400" lvl="6" indent="-317500">
               <a:spcBef>
                 <a:spcPts val="1600"/>
               </a:spcBef>
@@ -5327,7 +5420,7 @@
                 </a:solidFill>
               </a:defRPr>
             </a:lvl7pPr>
-            <a:lvl8pPr indent="-317500" lvl="7" marL="3657600">
+            <a:lvl8pPr marL="3657600" lvl="7" indent="-317500">
               <a:spcBef>
                 <a:spcPts val="1600"/>
               </a:spcBef>
@@ -5345,7 +5438,7 @@
                 </a:solidFill>
               </a:defRPr>
             </a:lvl8pPr>
-            <a:lvl9pPr indent="-317500" lvl="8" marL="4114800">
+            <a:lvl9pPr marL="4114800" lvl="8" indent="-317500">
               <a:spcBef>
                 <a:spcPts val="1600"/>
               </a:spcBef>
@@ -5364,15 +5457,19 @@
               </a:defRPr>
             </a:lvl9pPr>
           </a:lstStyle>
-          <a:p/>
+          <a:p>
+            <a:endParaRPr/>
+          </a:p>
         </p:txBody>
       </p:sp>
       <p:sp>
         <p:nvSpPr>
           <p:cNvPr id="51" name="Google Shape;51;p9"/>
-          <p:cNvSpPr txBox="1"/>
+          <p:cNvSpPr txBox="1">
+            <a:spLocks noGrp="1"/>
+          </p:cNvSpPr>
           <p:nvPr>
-            <p:ph idx="12" type="sldNum"/>
+            <p:ph type="sldNum" idx="12"/>
           </p:nvPr>
         </p:nvSpPr>
         <p:spPr>
@@ -5385,7 +5482,7 @@
           </a:prstGeom>
         </p:spPr>
         <p:txBody>
-          <a:bodyPr anchorCtr="0" anchor="ctr" bIns="91425" lIns="91425" spcFirstLastPara="1" rIns="91425" wrap="square" tIns="91425">
+          <a:bodyPr spcFirstLastPara="1" wrap="square" lIns="91425" tIns="91425" rIns="91425" bIns="91425" anchor="ctr" anchorCtr="0">
             <a:noAutofit/>
           </a:bodyPr>
           <a:lstStyle>
@@ -5463,7 +5560,7 @@
             </a:lvl9pPr>
           </a:lstStyle>
           <a:p>
-            <a:pPr indent="0" lvl="0" marL="0" rtl="0" algn="r">
+            <a:pPr marL="0" lvl="0" indent="0" algn="r" rtl="0">
               <a:spcBef>
                 <a:spcPts val="0"/>
               </a:spcBef>
@@ -5489,11 +5586,11 @@
 </file>
 
 <file path=ppt/slideLayouts/slideLayout9.xml><?xml version="1.0" encoding="utf-8"?>
-<p:sldLayout xmlns:a="http://schemas.openxmlformats.org/drawingml/2006/main" xmlns:r="http://schemas.openxmlformats.org/officeDocument/2006/relationships" xmlns:mc="http://schemas.openxmlformats.org/markup-compatibility/2006" xmlns:mv="urn:schemas-microsoft-com:mac:vml" xmlns:p="http://schemas.openxmlformats.org/presentationml/2006/main" xmlns:c="http://schemas.openxmlformats.org/drawingml/2006/chart" xmlns:dgm="http://schemas.openxmlformats.org/drawingml/2006/diagram" xmlns:o="urn:schemas-microsoft-com:office:office" xmlns:v="urn:schemas-microsoft-com:vml" xmlns:pvml="urn:schemas-microsoft-com:office:powerpoint" xmlns:com="http://schemas.openxmlformats.org/drawingml/2006/compatibility" xmlns:p14="http://schemas.microsoft.com/office/powerpoint/2010/main" xmlns:p15="http://schemas.microsoft.com/office/powerpoint/2012/main" matchingName="Caption">
+<p:sldLayout xmlns:a="http://schemas.openxmlformats.org/drawingml/2006/main" xmlns:r="http://schemas.openxmlformats.org/officeDocument/2006/relationships" xmlns:p="http://schemas.openxmlformats.org/presentationml/2006/main" matchingName="Caption">
   <p:cSld name="CAPTION_ONLY">
     <p:spTree>
       <p:nvGrpSpPr>
-        <p:cNvPr id="52" name="Shape 52"/>
+        <p:cNvPr id="1" name="Shape 52"/>
         <p:cNvGrpSpPr/>
         <p:nvPr/>
       </p:nvGrpSpPr>
@@ -5512,7 +5609,7 @@
           <p:nvPr/>
         </p:nvSpPr>
         <p:spPr>
-          <a:xfrm flipH="1" rot="10800000">
+          <a:xfrm rot="10800000" flipH="1">
             <a:off x="0" y="0"/>
             <a:ext cx="9144000" cy="4695900"/>
           </a:xfrm>
@@ -5527,12 +5624,12 @@
           </a:ln>
         </p:spPr>
         <p:txBody>
-          <a:bodyPr anchorCtr="0" anchor="ctr" bIns="91425" lIns="91425" spcFirstLastPara="1" rIns="91425" wrap="square" tIns="91425">
+          <a:bodyPr spcFirstLastPara="1" wrap="square" lIns="91425" tIns="91425" rIns="91425" bIns="91425" anchor="ctr" anchorCtr="0">
             <a:noAutofit/>
           </a:bodyPr>
           <a:lstStyle/>
           <a:p>
-            <a:pPr indent="0" lvl="0" marL="0" rtl="0" algn="l">
+            <a:pPr marL="0" lvl="0" indent="0" algn="l" rtl="0">
               <a:spcBef>
                 <a:spcPts val="0"/>
               </a:spcBef>
@@ -5541,9 +5638,6 @@
               </a:spcAft>
               <a:buNone/>
             </a:pPr>
-            <a:r>
-              <a:t/>
-            </a:r>
             <a:endParaRPr/>
           </a:p>
         </p:txBody>
@@ -5555,7 +5649,7 @@
           <p:nvPr/>
         </p:nvSpPr>
         <p:spPr>
-          <a:xfrm flipH="1" rot="10800000">
+          <a:xfrm rot="10800000" flipH="1">
             <a:off x="0" y="4622725"/>
             <a:ext cx="9144000" cy="74100"/>
           </a:xfrm>
@@ -5584,12 +5678,12 @@
           </a:ln>
         </p:spPr>
         <p:txBody>
-          <a:bodyPr anchorCtr="0" anchor="ctr" bIns="91425" lIns="91425" spcFirstLastPara="1" rIns="91425" wrap="square" tIns="91425">
+          <a:bodyPr spcFirstLastPara="1" wrap="square" lIns="91425" tIns="91425" rIns="91425" bIns="91425" anchor="ctr" anchorCtr="0">
             <a:noAutofit/>
           </a:bodyPr>
           <a:lstStyle/>
           <a:p>
-            <a:pPr indent="0" lvl="0" marL="0" rtl="0" algn="l">
+            <a:pPr marL="0" lvl="0" indent="0" algn="l" rtl="0">
               <a:spcBef>
                 <a:spcPts val="0"/>
               </a:spcBef>
@@ -5598,9 +5692,6 @@
               </a:spcAft>
               <a:buNone/>
             </a:pPr>
-            <a:r>
-              <a:t/>
-            </a:r>
             <a:endParaRPr/>
           </a:p>
         </p:txBody>
@@ -5608,9 +5699,11 @@
       <p:sp>
         <p:nvSpPr>
           <p:cNvPr id="55" name="Google Shape;55;p10"/>
-          <p:cNvSpPr txBox="1"/>
+          <p:cNvSpPr txBox="1">
+            <a:spLocks noGrp="1"/>
+          </p:cNvSpPr>
           <p:nvPr>
-            <p:ph idx="1" type="body"/>
+            <p:ph type="body" idx="1"/>
           </p:nvPr>
         </p:nvSpPr>
         <p:spPr>
@@ -5623,9 +5716,9 @@
           </a:prstGeom>
         </p:spPr>
         <p:txBody>
-          <a:bodyPr anchorCtr="0" anchor="ctr" bIns="91425" lIns="91425" spcFirstLastPara="1" rIns="91425" wrap="square" tIns="91425"/>
+          <a:bodyPr spcFirstLastPara="1" wrap="square" lIns="91425" tIns="91425" rIns="91425" bIns="91425" anchor="ctr" anchorCtr="0"/>
           <a:lstStyle>
-            <a:lvl1pPr indent="-228600" lvl="0" marL="457200">
+            <a:lvl1pPr marL="457200" lvl="0" indent="-228600">
               <a:lnSpc>
                 <a:spcPct val="100000"/>
               </a:lnSpc>
@@ -5647,15 +5740,19 @@
               </a:defRPr>
             </a:lvl1pPr>
           </a:lstStyle>
-          <a:p/>
+          <a:p>
+            <a:endParaRPr/>
+          </a:p>
         </p:txBody>
       </p:sp>
       <p:sp>
         <p:nvSpPr>
           <p:cNvPr id="56" name="Google Shape;56;p10"/>
-          <p:cNvSpPr txBox="1"/>
+          <p:cNvSpPr txBox="1">
+            <a:spLocks noGrp="1"/>
+          </p:cNvSpPr>
           <p:nvPr>
-            <p:ph idx="12" type="sldNum"/>
+            <p:ph type="sldNum" idx="12"/>
           </p:nvPr>
         </p:nvSpPr>
         <p:spPr>
@@ -5668,7 +5765,7 @@
           </a:prstGeom>
         </p:spPr>
         <p:txBody>
-          <a:bodyPr anchorCtr="0" anchor="ctr" bIns="91425" lIns="91425" spcFirstLastPara="1" rIns="91425" wrap="square" tIns="91425">
+          <a:bodyPr spcFirstLastPara="1" wrap="square" lIns="91425" tIns="91425" rIns="91425" bIns="91425" anchor="ctr" anchorCtr="0">
             <a:noAutofit/>
           </a:bodyPr>
           <a:lstStyle>
@@ -5746,7 +5843,7 @@
             </a:lvl9pPr>
           </a:lstStyle>
           <a:p>
-            <a:pPr indent="0" lvl="0" marL="0" rtl="0" algn="r">
+            <a:pPr marL="0" lvl="0" indent="0" algn="r" rtl="0">
               <a:spcBef>
                 <a:spcPts val="0"/>
               </a:spcBef>
@@ -5772,18 +5869,19 @@
 </file>
 
 <file path=ppt/slideMasters/slideMaster1.xml><?xml version="1.0" encoding="utf-8"?>
-<p:sldMaster xmlns:a="http://schemas.openxmlformats.org/drawingml/2006/main" xmlns:r="http://schemas.openxmlformats.org/officeDocument/2006/relationships" xmlns:mc="http://schemas.openxmlformats.org/markup-compatibility/2006" xmlns:mv="urn:schemas-microsoft-com:mac:vml" xmlns:p="http://schemas.openxmlformats.org/presentationml/2006/main" xmlns:c="http://schemas.openxmlformats.org/drawingml/2006/chart" xmlns:dgm="http://schemas.openxmlformats.org/drawingml/2006/diagram" xmlns:o="urn:schemas-microsoft-com:office:office" xmlns:v="urn:schemas-microsoft-com:vml" xmlns:pvml="urn:schemas-microsoft-com:office:powerpoint" xmlns:com="http://schemas.openxmlformats.org/drawingml/2006/compatibility" xmlns:p14="http://schemas.microsoft.com/office/powerpoint/2010/main" xmlns:p15="http://schemas.microsoft.com/office/powerpoint/2012/main">
+<p:sldMaster xmlns:a="http://schemas.openxmlformats.org/drawingml/2006/main" xmlns:r="http://schemas.openxmlformats.org/officeDocument/2006/relationships" xmlns:p="http://schemas.openxmlformats.org/presentationml/2006/main">
   <p:cSld name="material">
     <p:bg>
       <p:bgPr>
         <a:solidFill>
           <a:schemeClr val="dk1"/>
         </a:solidFill>
+        <a:effectLst/>
       </p:bgPr>
     </p:bg>
     <p:spTree>
       <p:nvGrpSpPr>
-        <p:cNvPr id="5" name="Shape 5"/>
+        <p:cNvPr id="1" name="Shape 5"/>
         <p:cNvGrpSpPr/>
         <p:nvPr/>
       </p:nvGrpSpPr>
@@ -5798,7 +5896,9 @@
       <p:sp>
         <p:nvSpPr>
           <p:cNvPr id="6" name="Google Shape;6;p1"/>
-          <p:cNvSpPr txBox="1"/>
+          <p:cNvSpPr txBox="1">
+            <a:spLocks noGrp="1"/>
+          </p:cNvSpPr>
           <p:nvPr>
             <p:ph type="title"/>
           </p:nvPr>
@@ -5817,7 +5917,7 @@
           </a:ln>
         </p:spPr>
         <p:txBody>
-          <a:bodyPr anchorCtr="0" anchor="b" bIns="91425" lIns="91425" spcFirstLastPara="1" rIns="91425" wrap="square" tIns="91425"/>
+          <a:bodyPr spcFirstLastPara="1" wrap="square" lIns="91425" tIns="91425" rIns="91425" bIns="91425" anchor="b" anchorCtr="0"/>
           <a:lstStyle>
             <a:lvl1pPr lvl="0">
               <a:spcBef>
@@ -6027,15 +6127,19 @@
               </a:defRPr>
             </a:lvl9pPr>
           </a:lstStyle>
-          <a:p/>
+          <a:p>
+            <a:endParaRPr/>
+          </a:p>
         </p:txBody>
       </p:sp>
       <p:sp>
         <p:nvSpPr>
           <p:cNvPr id="7" name="Google Shape;7;p1"/>
-          <p:cNvSpPr txBox="1"/>
+          <p:cNvSpPr txBox="1">
+            <a:spLocks noGrp="1"/>
+          </p:cNvSpPr>
           <p:nvPr>
-            <p:ph idx="1" type="body"/>
+            <p:ph type="body" idx="1"/>
           </p:nvPr>
         </p:nvSpPr>
         <p:spPr>
@@ -6052,9 +6156,9 @@
           </a:ln>
         </p:spPr>
         <p:txBody>
-          <a:bodyPr anchorCtr="0" anchor="t" bIns="91425" lIns="91425" spcFirstLastPara="1" rIns="91425" wrap="square" tIns="91425"/>
+          <a:bodyPr spcFirstLastPara="1" wrap="square" lIns="91425" tIns="91425" rIns="91425" bIns="91425" anchor="t" anchorCtr="0"/>
           <a:lstStyle>
-            <a:lvl1pPr indent="-342900" lvl="0" marL="457200">
+            <a:lvl1pPr marL="457200" lvl="0" indent="-342900">
               <a:lnSpc>
                 <a:spcPct val="115000"/>
               </a:lnSpc>
@@ -6080,7 +6184,7 @@
                 <a:sym typeface="Roboto"/>
               </a:defRPr>
             </a:lvl1pPr>
-            <a:lvl2pPr indent="-317500" lvl="1" marL="914400">
+            <a:lvl2pPr marL="914400" lvl="1" indent="-317500">
               <a:lnSpc>
                 <a:spcPct val="115000"/>
               </a:lnSpc>
@@ -6106,7 +6210,7 @@
                 <a:sym typeface="Roboto"/>
               </a:defRPr>
             </a:lvl2pPr>
-            <a:lvl3pPr indent="-317500" lvl="2" marL="1371600">
+            <a:lvl3pPr marL="1371600" lvl="2" indent="-317500">
               <a:lnSpc>
                 <a:spcPct val="115000"/>
               </a:lnSpc>
@@ -6132,7 +6236,7 @@
                 <a:sym typeface="Roboto"/>
               </a:defRPr>
             </a:lvl3pPr>
-            <a:lvl4pPr indent="-317500" lvl="3" marL="1828800">
+            <a:lvl4pPr marL="1828800" lvl="3" indent="-317500">
               <a:lnSpc>
                 <a:spcPct val="115000"/>
               </a:lnSpc>
@@ -6158,7 +6262,7 @@
                 <a:sym typeface="Roboto"/>
               </a:defRPr>
             </a:lvl4pPr>
-            <a:lvl5pPr indent="-317500" lvl="4" marL="2286000">
+            <a:lvl5pPr marL="2286000" lvl="4" indent="-317500">
               <a:lnSpc>
                 <a:spcPct val="115000"/>
               </a:lnSpc>
@@ -6184,7 +6288,7 @@
                 <a:sym typeface="Roboto"/>
               </a:defRPr>
             </a:lvl5pPr>
-            <a:lvl6pPr indent="-317500" lvl="5" marL="2743200">
+            <a:lvl6pPr marL="2743200" lvl="5" indent="-317500">
               <a:lnSpc>
                 <a:spcPct val="115000"/>
               </a:lnSpc>
@@ -6210,7 +6314,7 @@
                 <a:sym typeface="Roboto"/>
               </a:defRPr>
             </a:lvl6pPr>
-            <a:lvl7pPr indent="-317500" lvl="6" marL="3200400">
+            <a:lvl7pPr marL="3200400" lvl="6" indent="-317500">
               <a:lnSpc>
                 <a:spcPct val="115000"/>
               </a:lnSpc>
@@ -6236,7 +6340,7 @@
                 <a:sym typeface="Roboto"/>
               </a:defRPr>
             </a:lvl7pPr>
-            <a:lvl8pPr indent="-317500" lvl="7" marL="3657600">
+            <a:lvl8pPr marL="3657600" lvl="7" indent="-317500">
               <a:lnSpc>
                 <a:spcPct val="115000"/>
               </a:lnSpc>
@@ -6262,7 +6366,7 @@
                 <a:sym typeface="Roboto"/>
               </a:defRPr>
             </a:lvl8pPr>
-            <a:lvl9pPr indent="-317500" lvl="8" marL="4114800">
+            <a:lvl9pPr marL="4114800" lvl="8" indent="-317500">
               <a:lnSpc>
                 <a:spcPct val="115000"/>
               </a:lnSpc>
@@ -6289,15 +6393,19 @@
               </a:defRPr>
             </a:lvl9pPr>
           </a:lstStyle>
-          <a:p/>
+          <a:p>
+            <a:endParaRPr/>
+          </a:p>
         </p:txBody>
       </p:sp>
       <p:sp>
         <p:nvSpPr>
           <p:cNvPr id="8" name="Google Shape;8;p1"/>
-          <p:cNvSpPr txBox="1"/>
+          <p:cNvSpPr txBox="1">
+            <a:spLocks noGrp="1"/>
+          </p:cNvSpPr>
           <p:nvPr>
-            <p:ph idx="12" type="sldNum"/>
+            <p:ph type="sldNum" idx="12"/>
           </p:nvPr>
         </p:nvSpPr>
         <p:spPr>
@@ -6314,7 +6422,7 @@
           </a:ln>
         </p:spPr>
         <p:txBody>
-          <a:bodyPr anchorCtr="0" anchor="ctr" bIns="91425" lIns="91425" spcFirstLastPara="1" rIns="91425" wrap="square" tIns="91425">
+          <a:bodyPr spcFirstLastPara="1" wrap="square" lIns="91425" tIns="91425" rIns="91425" bIns="91425" anchor="ctr" anchorCtr="0">
             <a:noAutofit/>
           </a:bodyPr>
           <a:lstStyle>
@@ -6428,7 +6536,7 @@
             </a:lvl9pPr>
           </a:lstStyle>
           <a:p>
-            <a:pPr indent="0" lvl="0" marL="0" rtl="0" algn="r">
+            <a:pPr marL="0" lvl="0" indent="0" algn="r" rtl="0">
               <a:spcBef>
                 <a:spcPts val="0"/>
               </a:spcBef>
@@ -6447,7 +6555,7 @@
       </p:sp>
     </p:spTree>
   </p:cSld>
-  <p:clrMap accent1="accent1" accent2="accent2" accent3="accent3" accent4="accent4" accent5="accent5" accent6="accent6" bg1="lt1" bg2="dk2" tx1="dk1" tx2="lt2" folHlink="folHlink" hlink="hlink"/>
+  <p:clrMap bg1="lt1" tx1="dk1" bg2="dk2" tx2="lt2" accent1="accent1" accent2="accent2" accent3="accent3" accent4="accent4" accent5="accent5" accent6="accent6" hlink="hlink" folHlink="folHlink"/>
   <p:sldLayoutIdLst>
     <p:sldLayoutId id="2147483648" r:id="rId1"/>
     <p:sldLayoutId id="2147483649" r:id="rId2"/>
@@ -6461,10 +6569,10 @@
     <p:sldLayoutId id="2147483657" r:id="rId10"/>
     <p:sldLayoutId id="2147483658" r:id="rId11"/>
   </p:sldLayoutIdLst>
-  <p:hf dt="0" ftr="0" hdr="0" sldNum="0"/>
+  <p:hf sldNum="0" hdr="0" ftr="0" dt="0"/>
   <p:txStyles>
     <p:titleStyle>
-      <a:defPPr lvl="0" marR="0" rtl="0" algn="l">
+      <a:defPPr marR="0" lvl="0" algn="l" rtl="0">
         <a:lnSpc>
           <a:spcPct val="100000"/>
         </a:lnSpc>
@@ -6475,7 +6583,7 @@
           <a:spcPts val="0"/>
         </a:spcAft>
       </a:defPPr>
-      <a:lvl1pPr lvl="0" marR="0" rtl="0" algn="l">
+      <a:lvl1pPr marR="0" lvl="0" algn="l" rtl="0">
         <a:lnSpc>
           <a:spcPct val="100000"/>
         </a:lnSpc>
@@ -6489,7 +6597,7 @@
           <a:srgbClr val="000000"/>
         </a:buClr>
         <a:buFont typeface="Arial"/>
-        <a:defRPr b="0" i="0" sz="1400" u="none" cap="none" strike="noStrike">
+        <a:defRPr sz="1400" b="0" i="0" u="none" strike="noStrike" cap="none">
           <a:solidFill>
             <a:srgbClr val="000000"/>
           </a:solidFill>
@@ -6499,7 +6607,7 @@
           <a:sym typeface="Arial"/>
         </a:defRPr>
       </a:lvl1pPr>
-      <a:lvl2pPr lvl="1" marR="0" rtl="0" algn="l">
+      <a:lvl2pPr marR="0" lvl="1" algn="l" rtl="0">
         <a:lnSpc>
           <a:spcPct val="100000"/>
         </a:lnSpc>
@@ -6513,7 +6621,7 @@
           <a:srgbClr val="000000"/>
         </a:buClr>
         <a:buFont typeface="Arial"/>
-        <a:defRPr b="0" i="0" sz="1400" u="none" cap="none" strike="noStrike">
+        <a:defRPr sz="1400" b="0" i="0" u="none" strike="noStrike" cap="none">
           <a:solidFill>
             <a:srgbClr val="000000"/>
           </a:solidFill>
@@ -6523,7 +6631,7 @@
           <a:sym typeface="Arial"/>
         </a:defRPr>
       </a:lvl2pPr>
-      <a:lvl3pPr lvl="2" marR="0" rtl="0" algn="l">
+      <a:lvl3pPr marR="0" lvl="2" algn="l" rtl="0">
         <a:lnSpc>
           <a:spcPct val="100000"/>
         </a:lnSpc>
@@ -6537,7 +6645,7 @@
           <a:srgbClr val="000000"/>
         </a:buClr>
         <a:buFont typeface="Arial"/>
-        <a:defRPr b="0" i="0" sz="1400" u="none" cap="none" strike="noStrike">
+        <a:defRPr sz="1400" b="0" i="0" u="none" strike="noStrike" cap="none">
           <a:solidFill>
             <a:srgbClr val="000000"/>
           </a:solidFill>
@@ -6547,7 +6655,7 @@
           <a:sym typeface="Arial"/>
         </a:defRPr>
       </a:lvl3pPr>
-      <a:lvl4pPr lvl="3" marR="0" rtl="0" algn="l">
+      <a:lvl4pPr marR="0" lvl="3" algn="l" rtl="0">
         <a:lnSpc>
           <a:spcPct val="100000"/>
         </a:lnSpc>
@@ -6561,7 +6669,7 @@
           <a:srgbClr val="000000"/>
         </a:buClr>
         <a:buFont typeface="Arial"/>
-        <a:defRPr b="0" i="0" sz="1400" u="none" cap="none" strike="noStrike">
+        <a:defRPr sz="1400" b="0" i="0" u="none" strike="noStrike" cap="none">
           <a:solidFill>
             <a:srgbClr val="000000"/>
           </a:solidFill>
@@ -6571,7 +6679,7 @@
           <a:sym typeface="Arial"/>
         </a:defRPr>
       </a:lvl4pPr>
-      <a:lvl5pPr lvl="4" marR="0" rtl="0" algn="l">
+      <a:lvl5pPr marR="0" lvl="4" algn="l" rtl="0">
         <a:lnSpc>
           <a:spcPct val="100000"/>
         </a:lnSpc>
@@ -6585,7 +6693,7 @@
           <a:srgbClr val="000000"/>
         </a:buClr>
         <a:buFont typeface="Arial"/>
-        <a:defRPr b="0" i="0" sz="1400" u="none" cap="none" strike="noStrike">
+        <a:defRPr sz="1400" b="0" i="0" u="none" strike="noStrike" cap="none">
           <a:solidFill>
             <a:srgbClr val="000000"/>
           </a:solidFill>
@@ -6595,7 +6703,7 @@
           <a:sym typeface="Arial"/>
         </a:defRPr>
       </a:lvl5pPr>
-      <a:lvl6pPr lvl="5" marR="0" rtl="0" algn="l">
+      <a:lvl6pPr marR="0" lvl="5" algn="l" rtl="0">
         <a:lnSpc>
           <a:spcPct val="100000"/>
         </a:lnSpc>
@@ -6609,7 +6717,7 @@
           <a:srgbClr val="000000"/>
         </a:buClr>
         <a:buFont typeface="Arial"/>
-        <a:defRPr b="0" i="0" sz="1400" u="none" cap="none" strike="noStrike">
+        <a:defRPr sz="1400" b="0" i="0" u="none" strike="noStrike" cap="none">
           <a:solidFill>
             <a:srgbClr val="000000"/>
           </a:solidFill>
@@ -6619,7 +6727,7 @@
           <a:sym typeface="Arial"/>
         </a:defRPr>
       </a:lvl6pPr>
-      <a:lvl7pPr lvl="6" marR="0" rtl="0" algn="l">
+      <a:lvl7pPr marR="0" lvl="6" algn="l" rtl="0">
         <a:lnSpc>
           <a:spcPct val="100000"/>
         </a:lnSpc>
@@ -6633,7 +6741,7 @@
           <a:srgbClr val="000000"/>
         </a:buClr>
         <a:buFont typeface="Arial"/>
-        <a:defRPr b="0" i="0" sz="1400" u="none" cap="none" strike="noStrike">
+        <a:defRPr sz="1400" b="0" i="0" u="none" strike="noStrike" cap="none">
           <a:solidFill>
             <a:srgbClr val="000000"/>
           </a:solidFill>
@@ -6643,7 +6751,7 @@
           <a:sym typeface="Arial"/>
         </a:defRPr>
       </a:lvl7pPr>
-      <a:lvl8pPr lvl="7" marR="0" rtl="0" algn="l">
+      <a:lvl8pPr marR="0" lvl="7" algn="l" rtl="0">
         <a:lnSpc>
           <a:spcPct val="100000"/>
         </a:lnSpc>
@@ -6657,7 +6765,7 @@
           <a:srgbClr val="000000"/>
         </a:buClr>
         <a:buFont typeface="Arial"/>
-        <a:defRPr b="0" i="0" sz="1400" u="none" cap="none" strike="noStrike">
+        <a:defRPr sz="1400" b="0" i="0" u="none" strike="noStrike" cap="none">
           <a:solidFill>
             <a:srgbClr val="000000"/>
           </a:solidFill>
@@ -6667,7 +6775,7 @@
           <a:sym typeface="Arial"/>
         </a:defRPr>
       </a:lvl8pPr>
-      <a:lvl9pPr lvl="8" marR="0" rtl="0" algn="l">
+      <a:lvl9pPr marR="0" lvl="8" algn="l" rtl="0">
         <a:lnSpc>
           <a:spcPct val="100000"/>
         </a:lnSpc>
@@ -6681,7 +6789,7 @@
           <a:srgbClr val="000000"/>
         </a:buClr>
         <a:buFont typeface="Arial"/>
-        <a:defRPr b="0" i="0" sz="1400" u="none" cap="none" strike="noStrike">
+        <a:defRPr sz="1400" b="0" i="0" u="none" strike="noStrike" cap="none">
           <a:solidFill>
             <a:srgbClr val="000000"/>
           </a:solidFill>
@@ -6693,7 +6801,7 @@
       </a:lvl9pPr>
     </p:titleStyle>
     <p:bodyStyle>
-      <a:defPPr lvl="0" marR="0" rtl="0" algn="l">
+      <a:defPPr marR="0" lvl="0" algn="l" rtl="0">
         <a:lnSpc>
           <a:spcPct val="100000"/>
         </a:lnSpc>
@@ -6704,7 +6812,7 @@
           <a:spcPts val="0"/>
         </a:spcAft>
       </a:defPPr>
-      <a:lvl1pPr lvl="0" marR="0" rtl="0" algn="l">
+      <a:lvl1pPr marR="0" lvl="0" algn="l" rtl="0">
         <a:lnSpc>
           <a:spcPct val="100000"/>
         </a:lnSpc>
@@ -6718,7 +6826,7 @@
           <a:srgbClr val="000000"/>
         </a:buClr>
         <a:buFont typeface="Arial"/>
-        <a:defRPr b="0" i="0" sz="1400" u="none" cap="none" strike="noStrike">
+        <a:defRPr sz="1400" b="0" i="0" u="none" strike="noStrike" cap="none">
           <a:solidFill>
             <a:srgbClr val="000000"/>
           </a:solidFill>
@@ -6728,7 +6836,7 @@
           <a:sym typeface="Arial"/>
         </a:defRPr>
       </a:lvl1pPr>
-      <a:lvl2pPr lvl="1" marR="0" rtl="0" algn="l">
+      <a:lvl2pPr marR="0" lvl="1" algn="l" rtl="0">
         <a:lnSpc>
           <a:spcPct val="100000"/>
         </a:lnSpc>
@@ -6742,7 +6850,7 @@
           <a:srgbClr val="000000"/>
         </a:buClr>
         <a:buFont typeface="Arial"/>
-        <a:defRPr b="0" i="0" sz="1400" u="none" cap="none" strike="noStrike">
+        <a:defRPr sz="1400" b="0" i="0" u="none" strike="noStrike" cap="none">
           <a:solidFill>
             <a:srgbClr val="000000"/>
           </a:solidFill>
@@ -6752,7 +6860,7 @@
           <a:sym typeface="Arial"/>
         </a:defRPr>
       </a:lvl2pPr>
-      <a:lvl3pPr lvl="2" marR="0" rtl="0" algn="l">
+      <a:lvl3pPr marR="0" lvl="2" algn="l" rtl="0">
         <a:lnSpc>
           <a:spcPct val="100000"/>
         </a:lnSpc>
@@ -6766,7 +6874,7 @@
           <a:srgbClr val="000000"/>
         </a:buClr>
         <a:buFont typeface="Arial"/>
-        <a:defRPr b="0" i="0" sz="1400" u="none" cap="none" strike="noStrike">
+        <a:defRPr sz="1400" b="0" i="0" u="none" strike="noStrike" cap="none">
           <a:solidFill>
             <a:srgbClr val="000000"/>
           </a:solidFill>
@@ -6776,7 +6884,7 @@
           <a:sym typeface="Arial"/>
         </a:defRPr>
       </a:lvl3pPr>
-      <a:lvl4pPr lvl="3" marR="0" rtl="0" algn="l">
+      <a:lvl4pPr marR="0" lvl="3" algn="l" rtl="0">
         <a:lnSpc>
           <a:spcPct val="100000"/>
         </a:lnSpc>
@@ -6790,7 +6898,7 @@
           <a:srgbClr val="000000"/>
         </a:buClr>
         <a:buFont typeface="Arial"/>
-        <a:defRPr b="0" i="0" sz="1400" u="none" cap="none" strike="noStrike">
+        <a:defRPr sz="1400" b="0" i="0" u="none" strike="noStrike" cap="none">
           <a:solidFill>
             <a:srgbClr val="000000"/>
           </a:solidFill>
@@ -6800,7 +6908,7 @@
           <a:sym typeface="Arial"/>
         </a:defRPr>
       </a:lvl4pPr>
-      <a:lvl5pPr lvl="4" marR="0" rtl="0" algn="l">
+      <a:lvl5pPr marR="0" lvl="4" algn="l" rtl="0">
         <a:lnSpc>
           <a:spcPct val="100000"/>
         </a:lnSpc>
@@ -6814,7 +6922,7 @@
           <a:srgbClr val="000000"/>
         </a:buClr>
         <a:buFont typeface="Arial"/>
-        <a:defRPr b="0" i="0" sz="1400" u="none" cap="none" strike="noStrike">
+        <a:defRPr sz="1400" b="0" i="0" u="none" strike="noStrike" cap="none">
           <a:solidFill>
             <a:srgbClr val="000000"/>
           </a:solidFill>
@@ -6824,7 +6932,7 @@
           <a:sym typeface="Arial"/>
         </a:defRPr>
       </a:lvl5pPr>
-      <a:lvl6pPr lvl="5" marR="0" rtl="0" algn="l">
+      <a:lvl6pPr marR="0" lvl="5" algn="l" rtl="0">
         <a:lnSpc>
           <a:spcPct val="100000"/>
         </a:lnSpc>
@@ -6838,7 +6946,7 @@
           <a:srgbClr val="000000"/>
         </a:buClr>
         <a:buFont typeface="Arial"/>
-        <a:defRPr b="0" i="0" sz="1400" u="none" cap="none" strike="noStrike">
+        <a:defRPr sz="1400" b="0" i="0" u="none" strike="noStrike" cap="none">
           <a:solidFill>
             <a:srgbClr val="000000"/>
           </a:solidFill>
@@ -6848,7 +6956,7 @@
           <a:sym typeface="Arial"/>
         </a:defRPr>
       </a:lvl6pPr>
-      <a:lvl7pPr lvl="6" marR="0" rtl="0" algn="l">
+      <a:lvl7pPr marR="0" lvl="6" algn="l" rtl="0">
         <a:lnSpc>
           <a:spcPct val="100000"/>
         </a:lnSpc>
@@ -6862,7 +6970,7 @@
           <a:srgbClr val="000000"/>
         </a:buClr>
         <a:buFont typeface="Arial"/>
-        <a:defRPr b="0" i="0" sz="1400" u="none" cap="none" strike="noStrike">
+        <a:defRPr sz="1400" b="0" i="0" u="none" strike="noStrike" cap="none">
           <a:solidFill>
             <a:srgbClr val="000000"/>
           </a:solidFill>
@@ -6872,7 +6980,7 @@
           <a:sym typeface="Arial"/>
         </a:defRPr>
       </a:lvl7pPr>
-      <a:lvl8pPr lvl="7" marR="0" rtl="0" algn="l">
+      <a:lvl8pPr marR="0" lvl="7" algn="l" rtl="0">
         <a:lnSpc>
           <a:spcPct val="100000"/>
         </a:lnSpc>
@@ -6886,7 +6994,7 @@
           <a:srgbClr val="000000"/>
         </a:buClr>
         <a:buFont typeface="Arial"/>
-        <a:defRPr b="0" i="0" sz="1400" u="none" cap="none" strike="noStrike">
+        <a:defRPr sz="1400" b="0" i="0" u="none" strike="noStrike" cap="none">
           <a:solidFill>
             <a:srgbClr val="000000"/>
           </a:solidFill>
@@ -6896,7 +7004,7 @@
           <a:sym typeface="Arial"/>
         </a:defRPr>
       </a:lvl8pPr>
-      <a:lvl9pPr lvl="8" marR="0" rtl="0" algn="l">
+      <a:lvl9pPr marR="0" lvl="8" algn="l" rtl="0">
         <a:lnSpc>
           <a:spcPct val="100000"/>
         </a:lnSpc>
@@ -6910,7 +7018,7 @@
           <a:srgbClr val="000000"/>
         </a:buClr>
         <a:buFont typeface="Arial"/>
-        <a:defRPr b="0" i="0" sz="1400" u="none" cap="none" strike="noStrike">
+        <a:defRPr sz="1400" b="0" i="0" u="none" strike="noStrike" cap="none">
           <a:solidFill>
             <a:srgbClr val="000000"/>
           </a:solidFill>
@@ -6922,7 +7030,7 @@
       </a:lvl9pPr>
     </p:bodyStyle>
     <p:otherStyle>
-      <a:defPPr lvl="0" marR="0" rtl="0" algn="l">
+      <a:defPPr marR="0" lvl="0" algn="l" rtl="0">
         <a:lnSpc>
           <a:spcPct val="100000"/>
         </a:lnSpc>
@@ -6933,7 +7041,7 @@
           <a:spcPts val="0"/>
         </a:spcAft>
       </a:defPPr>
-      <a:lvl1pPr lvl="0" marR="0" rtl="0" algn="l">
+      <a:lvl1pPr marR="0" lvl="0" algn="l" rtl="0">
         <a:lnSpc>
           <a:spcPct val="100000"/>
         </a:lnSpc>
@@ -6947,7 +7055,7 @@
           <a:srgbClr val="000000"/>
         </a:buClr>
         <a:buFont typeface="Arial"/>
-        <a:defRPr b="0" i="0" sz="1400" u="none" cap="none" strike="noStrike">
+        <a:defRPr sz="1400" b="0" i="0" u="none" strike="noStrike" cap="none">
           <a:solidFill>
             <a:srgbClr val="000000"/>
           </a:solidFill>
@@ -6957,7 +7065,7 @@
           <a:sym typeface="Arial"/>
         </a:defRPr>
       </a:lvl1pPr>
-      <a:lvl2pPr lvl="1" marR="0" rtl="0" algn="l">
+      <a:lvl2pPr marR="0" lvl="1" algn="l" rtl="0">
         <a:lnSpc>
           <a:spcPct val="100000"/>
         </a:lnSpc>
@@ -6971,7 +7079,7 @@
           <a:srgbClr val="000000"/>
         </a:buClr>
         <a:buFont typeface="Arial"/>
-        <a:defRPr b="0" i="0" sz="1400" u="none" cap="none" strike="noStrike">
+        <a:defRPr sz="1400" b="0" i="0" u="none" strike="noStrike" cap="none">
           <a:solidFill>
             <a:srgbClr val="000000"/>
           </a:solidFill>
@@ -6981,7 +7089,7 @@
           <a:sym typeface="Arial"/>
         </a:defRPr>
       </a:lvl2pPr>
-      <a:lvl3pPr lvl="2" marR="0" rtl="0" algn="l">
+      <a:lvl3pPr marR="0" lvl="2" algn="l" rtl="0">
         <a:lnSpc>
           <a:spcPct val="100000"/>
         </a:lnSpc>
@@ -6995,7 +7103,7 @@
           <a:srgbClr val="000000"/>
         </a:buClr>
         <a:buFont typeface="Arial"/>
-        <a:defRPr b="0" i="0" sz="1400" u="none" cap="none" strike="noStrike">
+        <a:defRPr sz="1400" b="0" i="0" u="none" strike="noStrike" cap="none">
           <a:solidFill>
             <a:srgbClr val="000000"/>
           </a:solidFill>
@@ -7005,7 +7113,7 @@
           <a:sym typeface="Arial"/>
         </a:defRPr>
       </a:lvl3pPr>
-      <a:lvl4pPr lvl="3" marR="0" rtl="0" algn="l">
+      <a:lvl4pPr marR="0" lvl="3" algn="l" rtl="0">
         <a:lnSpc>
           <a:spcPct val="100000"/>
         </a:lnSpc>
@@ -7019,7 +7127,7 @@
           <a:srgbClr val="000000"/>
         </a:buClr>
         <a:buFont typeface="Arial"/>
-        <a:defRPr b="0" i="0" sz="1400" u="none" cap="none" strike="noStrike">
+        <a:defRPr sz="1400" b="0" i="0" u="none" strike="noStrike" cap="none">
           <a:solidFill>
             <a:srgbClr val="000000"/>
           </a:solidFill>
@@ -7029,7 +7137,7 @@
           <a:sym typeface="Arial"/>
         </a:defRPr>
       </a:lvl4pPr>
-      <a:lvl5pPr lvl="4" marR="0" rtl="0" algn="l">
+      <a:lvl5pPr marR="0" lvl="4" algn="l" rtl="0">
         <a:lnSpc>
           <a:spcPct val="100000"/>
         </a:lnSpc>
@@ -7043,7 +7151,7 @@
           <a:srgbClr val="000000"/>
         </a:buClr>
         <a:buFont typeface="Arial"/>
-        <a:defRPr b="0" i="0" sz="1400" u="none" cap="none" strike="noStrike">
+        <a:defRPr sz="1400" b="0" i="0" u="none" strike="noStrike" cap="none">
           <a:solidFill>
             <a:srgbClr val="000000"/>
           </a:solidFill>
@@ -7053,7 +7161,7 @@
           <a:sym typeface="Arial"/>
         </a:defRPr>
       </a:lvl5pPr>
-      <a:lvl6pPr lvl="5" marR="0" rtl="0" algn="l">
+      <a:lvl6pPr marR="0" lvl="5" algn="l" rtl="0">
         <a:lnSpc>
           <a:spcPct val="100000"/>
         </a:lnSpc>
@@ -7067,7 +7175,7 @@
           <a:srgbClr val="000000"/>
         </a:buClr>
         <a:buFont typeface="Arial"/>
-        <a:defRPr b="0" i="0" sz="1400" u="none" cap="none" strike="noStrike">
+        <a:defRPr sz="1400" b="0" i="0" u="none" strike="noStrike" cap="none">
           <a:solidFill>
             <a:srgbClr val="000000"/>
           </a:solidFill>
@@ -7077,7 +7185,7 @@
           <a:sym typeface="Arial"/>
         </a:defRPr>
       </a:lvl6pPr>
-      <a:lvl7pPr lvl="6" marR="0" rtl="0" algn="l">
+      <a:lvl7pPr marR="0" lvl="6" algn="l" rtl="0">
         <a:lnSpc>
           <a:spcPct val="100000"/>
         </a:lnSpc>
@@ -7091,7 +7199,7 @@
           <a:srgbClr val="000000"/>
         </a:buClr>
         <a:buFont typeface="Arial"/>
-        <a:defRPr b="0" i="0" sz="1400" u="none" cap="none" strike="noStrike">
+        <a:defRPr sz="1400" b="0" i="0" u="none" strike="noStrike" cap="none">
           <a:solidFill>
             <a:srgbClr val="000000"/>
           </a:solidFill>
@@ -7101,7 +7209,7 @@
           <a:sym typeface="Arial"/>
         </a:defRPr>
       </a:lvl7pPr>
-      <a:lvl8pPr lvl="7" marR="0" rtl="0" algn="l">
+      <a:lvl8pPr marR="0" lvl="7" algn="l" rtl="0">
         <a:lnSpc>
           <a:spcPct val="100000"/>
         </a:lnSpc>
@@ -7115,7 +7223,7 @@
           <a:srgbClr val="000000"/>
         </a:buClr>
         <a:buFont typeface="Arial"/>
-        <a:defRPr b="0" i="0" sz="1400" u="none" cap="none" strike="noStrike">
+        <a:defRPr sz="1400" b="0" i="0" u="none" strike="noStrike" cap="none">
           <a:solidFill>
             <a:srgbClr val="000000"/>
           </a:solidFill>
@@ -7125,7 +7233,7 @@
           <a:sym typeface="Arial"/>
         </a:defRPr>
       </a:lvl8pPr>
-      <a:lvl9pPr lvl="8" marR="0" rtl="0" algn="l">
+      <a:lvl9pPr marR="0" lvl="8" algn="l" rtl="0">
         <a:lnSpc>
           <a:spcPct val="100000"/>
         </a:lnSpc>
@@ -7139,7 +7247,7 @@
           <a:srgbClr val="000000"/>
         </a:buClr>
         <a:buFont typeface="Arial"/>
-        <a:defRPr b="0" i="0" sz="1400" u="none" cap="none" strike="noStrike">
+        <a:defRPr sz="1400" b="0" i="0" u="none" strike="noStrike" cap="none">
           <a:solidFill>
             <a:srgbClr val="000000"/>
           </a:solidFill>
@@ -7155,11 +7263,11 @@
 </file>
 
 <file path=ppt/slides/slide1.xml><?xml version="1.0" encoding="utf-8"?>
-<p:sld xmlns:a="http://schemas.openxmlformats.org/drawingml/2006/main" xmlns:r="http://schemas.openxmlformats.org/officeDocument/2006/relationships" xmlns:mc="http://schemas.openxmlformats.org/markup-compatibility/2006" xmlns:mv="urn:schemas-microsoft-com:mac:vml" xmlns:p="http://schemas.openxmlformats.org/presentationml/2006/main" xmlns:c="http://schemas.openxmlformats.org/drawingml/2006/chart" xmlns:dgm="http://schemas.openxmlformats.org/drawingml/2006/diagram" xmlns:o="urn:schemas-microsoft-com:office:office" xmlns:v="urn:schemas-microsoft-com:vml" xmlns:pvml="urn:schemas-microsoft-com:office:powerpoint" xmlns:com="http://schemas.openxmlformats.org/drawingml/2006/compatibility" xmlns:p14="http://schemas.microsoft.com/office/powerpoint/2010/main" xmlns:p15="http://schemas.microsoft.com/office/powerpoint/2012/main">
+<p:sld xmlns:a="http://schemas.openxmlformats.org/drawingml/2006/main" xmlns:r="http://schemas.openxmlformats.org/officeDocument/2006/relationships" xmlns:p="http://schemas.openxmlformats.org/presentationml/2006/main">
   <p:cSld>
     <p:spTree>
       <p:nvGrpSpPr>
-        <p:cNvPr id="66" name="Shape 66"/>
+        <p:cNvPr id="1" name="Shape 66"/>
         <p:cNvGrpSpPr/>
         <p:nvPr/>
       </p:nvGrpSpPr>
@@ -7174,7 +7282,9 @@
       <p:sp>
         <p:nvSpPr>
           <p:cNvPr id="67" name="Google Shape;67;p13"/>
-          <p:cNvSpPr txBox="1"/>
+          <p:cNvSpPr txBox="1">
+            <a:spLocks noGrp="1"/>
+          </p:cNvSpPr>
           <p:nvPr>
             <p:ph type="ctrTitle"/>
           </p:nvPr>
@@ -7189,12 +7299,12 @@
           </a:prstGeom>
         </p:spPr>
         <p:txBody>
-          <a:bodyPr anchorCtr="0" anchor="b" bIns="91425" lIns="91425" spcFirstLastPara="1" rIns="91425" wrap="square" tIns="91425">
+          <a:bodyPr spcFirstLastPara="1" wrap="square" lIns="91425" tIns="91425" rIns="91425" bIns="91425" anchor="b" anchorCtr="0">
             <a:noAutofit/>
           </a:bodyPr>
           <a:lstStyle/>
           <a:p>
-            <a:pPr indent="0" lvl="0" marL="0" rtl="0" algn="l">
+            <a:pPr marL="0" lvl="0" indent="0" algn="l" rtl="0">
               <a:spcBef>
                 <a:spcPts val="0"/>
               </a:spcBef>
@@ -7214,9 +7324,11 @@
       <p:sp>
         <p:nvSpPr>
           <p:cNvPr id="68" name="Google Shape;68;p13"/>
-          <p:cNvSpPr txBox="1"/>
+          <p:cNvSpPr txBox="1">
+            <a:spLocks noGrp="1"/>
+          </p:cNvSpPr>
           <p:nvPr>
-            <p:ph idx="1" type="subTitle"/>
+            <p:ph type="subTitle" idx="1"/>
           </p:nvPr>
         </p:nvSpPr>
         <p:spPr>
@@ -7229,12 +7341,12 @@
           </a:prstGeom>
         </p:spPr>
         <p:txBody>
-          <a:bodyPr anchorCtr="0" anchor="t" bIns="91425" lIns="91425" spcFirstLastPara="1" rIns="91425" wrap="square" tIns="91425">
+          <a:bodyPr spcFirstLastPara="1" wrap="square" lIns="91425" tIns="91425" rIns="91425" bIns="91425" anchor="t" anchorCtr="0">
             <a:noAutofit/>
           </a:bodyPr>
           <a:lstStyle/>
           <a:p>
-            <a:pPr indent="0" lvl="0" marL="0" rtl="0" algn="l">
+            <a:pPr marL="0" lvl="0" indent="0" algn="l" rtl="0">
               <a:spcBef>
                 <a:spcPts val="0"/>
               </a:spcBef>
@@ -7250,7 +7362,7 @@
             <a:endParaRPr sz="2400"/>
           </a:p>
           <a:p>
-            <a:pPr indent="0" lvl="0" marL="0" rtl="0" algn="l">
+            <a:pPr marL="0" lvl="0" indent="0" algn="l" rtl="0">
               <a:spcBef>
                 <a:spcPts val="0"/>
               </a:spcBef>
@@ -7276,11 +7388,11 @@
 </file>
 
 <file path=ppt/slides/slide2.xml><?xml version="1.0" encoding="utf-8"?>
-<p:sld xmlns:a="http://schemas.openxmlformats.org/drawingml/2006/main" xmlns:r="http://schemas.openxmlformats.org/officeDocument/2006/relationships" xmlns:mc="http://schemas.openxmlformats.org/markup-compatibility/2006" xmlns:mv="urn:schemas-microsoft-com:mac:vml" xmlns:p="http://schemas.openxmlformats.org/presentationml/2006/main" xmlns:c="http://schemas.openxmlformats.org/drawingml/2006/chart" xmlns:dgm="http://schemas.openxmlformats.org/drawingml/2006/diagram" xmlns:o="urn:schemas-microsoft-com:office:office" xmlns:v="urn:schemas-microsoft-com:vml" xmlns:pvml="urn:schemas-microsoft-com:office:powerpoint" xmlns:com="http://schemas.openxmlformats.org/drawingml/2006/compatibility" xmlns:p14="http://schemas.microsoft.com/office/powerpoint/2010/main" xmlns:p15="http://schemas.microsoft.com/office/powerpoint/2012/main">
+<p:sld xmlns:a="http://schemas.openxmlformats.org/drawingml/2006/main" xmlns:r="http://schemas.openxmlformats.org/officeDocument/2006/relationships" xmlns:p="http://schemas.openxmlformats.org/presentationml/2006/main">
   <p:cSld>
     <p:spTree>
       <p:nvGrpSpPr>
-        <p:cNvPr id="72" name="Shape 72"/>
+        <p:cNvPr id="1" name="Shape 72"/>
         <p:cNvGrpSpPr/>
         <p:nvPr/>
       </p:nvGrpSpPr>
@@ -7295,7 +7407,9 @@
       <p:sp>
         <p:nvSpPr>
           <p:cNvPr id="73" name="Google Shape;73;p14"/>
-          <p:cNvSpPr txBox="1"/>
+          <p:cNvSpPr txBox="1">
+            <a:spLocks noGrp="1"/>
+          </p:cNvSpPr>
           <p:nvPr>
             <p:ph type="title"/>
           </p:nvPr>
@@ -7310,12 +7424,12 @@
           </a:prstGeom>
         </p:spPr>
         <p:txBody>
-          <a:bodyPr anchorCtr="0" anchor="b" bIns="91425" lIns="91425" spcFirstLastPara="1" rIns="91425" wrap="square" tIns="91425">
+          <a:bodyPr spcFirstLastPara="1" wrap="square" lIns="91425" tIns="91425" rIns="91425" bIns="91425" anchor="b" anchorCtr="0">
             <a:noAutofit/>
           </a:bodyPr>
           <a:lstStyle/>
           <a:p>
-            <a:pPr indent="0" lvl="0" marL="0" rtl="0" algn="l">
+            <a:pPr marL="0" lvl="0" indent="0" algn="l" rtl="0">
               <a:spcBef>
                 <a:spcPts val="0"/>
               </a:spcBef>
@@ -7335,9 +7449,11 @@
       <p:sp>
         <p:nvSpPr>
           <p:cNvPr id="74" name="Google Shape;74;p14"/>
-          <p:cNvSpPr txBox="1"/>
+          <p:cNvSpPr txBox="1">
+            <a:spLocks noGrp="1"/>
+          </p:cNvSpPr>
           <p:nvPr>
-            <p:ph idx="1" type="body"/>
+            <p:ph type="body" idx="1"/>
           </p:nvPr>
         </p:nvSpPr>
         <p:spPr>
@@ -7350,12 +7466,12 @@
           </a:prstGeom>
         </p:spPr>
         <p:txBody>
-          <a:bodyPr anchorCtr="0" anchor="t" bIns="91425" lIns="91425" spcFirstLastPara="1" rIns="91425" wrap="square" tIns="91425">
+          <a:bodyPr spcFirstLastPara="1" wrap="square" lIns="91425" tIns="91425" rIns="91425" bIns="91425" anchor="t" anchorCtr="0">
             <a:noAutofit/>
           </a:bodyPr>
           <a:lstStyle/>
           <a:p>
-            <a:pPr indent="-342900" lvl="0" marL="457200" rtl="0" algn="l">
+            <a:pPr marL="457200" lvl="0" indent="-342900" algn="l" rtl="0">
               <a:spcBef>
                 <a:spcPts val="0"/>
               </a:spcBef>
@@ -7372,7 +7488,7 @@
             <a:endParaRPr/>
           </a:p>
           <a:p>
-            <a:pPr indent="0" lvl="0" marL="0" rtl="0" algn="l">
+            <a:pPr marL="0" lvl="0" indent="0" algn="l" rtl="0">
               <a:spcBef>
                 <a:spcPts val="1600"/>
               </a:spcBef>
@@ -7381,13 +7497,10 @@
               </a:spcAft>
               <a:buNone/>
             </a:pPr>
-            <a:r>
-              <a:t/>
-            </a:r>
             <a:endParaRPr/>
           </a:p>
           <a:p>
-            <a:pPr indent="0" lvl="0" marL="0" rtl="0" algn="l">
+            <a:pPr marL="0" lvl="0" indent="0" algn="l" rtl="0">
               <a:spcBef>
                 <a:spcPts val="1600"/>
               </a:spcBef>
@@ -7403,7 +7516,7 @@
             <a:endParaRPr sz="2400"/>
           </a:p>
           <a:p>
-            <a:pPr indent="-342900" lvl="0" marL="457200" rtl="0" algn="l">
+            <a:pPr marL="457200" lvl="0" indent="-342900" algn="l" rtl="0">
               <a:spcBef>
                 <a:spcPts val="1600"/>
               </a:spcBef>
@@ -7420,7 +7533,7 @@
             <a:endParaRPr/>
           </a:p>
           <a:p>
-            <a:pPr indent="-342900" lvl="0" marL="457200" rtl="0" algn="l">
+            <a:pPr marL="457200" lvl="0" indent="-342900" algn="l" rtl="0">
               <a:spcBef>
                 <a:spcPts val="0"/>
               </a:spcBef>
@@ -7437,7 +7550,7 @@
             <a:endParaRPr/>
           </a:p>
           <a:p>
-            <a:pPr indent="-342900" lvl="0" marL="457200" rtl="0" algn="l">
+            <a:pPr marL="457200" lvl="0" indent="-342900" algn="l" rtl="0">
               <a:spcBef>
                 <a:spcPts val="0"/>
               </a:spcBef>
@@ -7464,11 +7577,11 @@
 </file>
 
 <file path=ppt/slides/slide3.xml><?xml version="1.0" encoding="utf-8"?>
-<p:sld xmlns:a="http://schemas.openxmlformats.org/drawingml/2006/main" xmlns:r="http://schemas.openxmlformats.org/officeDocument/2006/relationships" xmlns:mc="http://schemas.openxmlformats.org/markup-compatibility/2006" xmlns:mv="urn:schemas-microsoft-com:mac:vml" xmlns:p="http://schemas.openxmlformats.org/presentationml/2006/main" xmlns:c="http://schemas.openxmlformats.org/drawingml/2006/chart" xmlns:dgm="http://schemas.openxmlformats.org/drawingml/2006/diagram" xmlns:o="urn:schemas-microsoft-com:office:office" xmlns:v="urn:schemas-microsoft-com:vml" xmlns:pvml="urn:schemas-microsoft-com:office:powerpoint" xmlns:com="http://schemas.openxmlformats.org/drawingml/2006/compatibility" xmlns:p14="http://schemas.microsoft.com/office/powerpoint/2010/main" xmlns:p15="http://schemas.microsoft.com/office/powerpoint/2012/main">
+<p:sld xmlns:a="http://schemas.openxmlformats.org/drawingml/2006/main" xmlns:r="http://schemas.openxmlformats.org/officeDocument/2006/relationships" xmlns:p="http://schemas.openxmlformats.org/presentationml/2006/main">
   <p:cSld>
     <p:spTree>
       <p:nvGrpSpPr>
-        <p:cNvPr id="78" name="Shape 78"/>
+        <p:cNvPr id="1" name="Shape 78"/>
         <p:cNvGrpSpPr/>
         <p:nvPr/>
       </p:nvGrpSpPr>
@@ -7483,7 +7596,9 @@
       <p:sp>
         <p:nvSpPr>
           <p:cNvPr id="79" name="Google Shape;79;p15"/>
-          <p:cNvSpPr txBox="1"/>
+          <p:cNvSpPr txBox="1">
+            <a:spLocks noGrp="1"/>
+          </p:cNvSpPr>
           <p:nvPr>
             <p:ph type="title"/>
           </p:nvPr>
@@ -7498,12 +7613,12 @@
           </a:prstGeom>
         </p:spPr>
         <p:txBody>
-          <a:bodyPr anchorCtr="0" anchor="b" bIns="91425" lIns="91425" spcFirstLastPara="1" rIns="91425" wrap="square" tIns="91425">
+          <a:bodyPr spcFirstLastPara="1" wrap="square" lIns="91425" tIns="91425" rIns="91425" bIns="91425" anchor="b" anchorCtr="0">
             <a:noAutofit/>
           </a:bodyPr>
           <a:lstStyle/>
           <a:p>
-            <a:pPr indent="0" lvl="0" marL="0" rtl="0" algn="l">
+            <a:pPr marL="0" lvl="0" indent="0" algn="l" rtl="0">
               <a:spcBef>
                 <a:spcPts val="0"/>
               </a:spcBef>
@@ -7523,9 +7638,11 @@
       <p:sp>
         <p:nvSpPr>
           <p:cNvPr id="80" name="Google Shape;80;p15"/>
-          <p:cNvSpPr txBox="1"/>
+          <p:cNvSpPr txBox="1">
+            <a:spLocks noGrp="1"/>
+          </p:cNvSpPr>
           <p:nvPr>
-            <p:ph idx="1" type="body"/>
+            <p:ph type="body" idx="1"/>
           </p:nvPr>
         </p:nvSpPr>
         <p:spPr>
@@ -7538,12 +7655,12 @@
           </a:prstGeom>
         </p:spPr>
         <p:txBody>
-          <a:bodyPr anchorCtr="0" anchor="t" bIns="91425" lIns="91425" spcFirstLastPara="1" rIns="91425" wrap="square" tIns="91425">
+          <a:bodyPr spcFirstLastPara="1" wrap="square" lIns="91425" tIns="91425" rIns="91425" bIns="91425" anchor="t" anchorCtr="0">
             <a:noAutofit/>
           </a:bodyPr>
           <a:lstStyle/>
           <a:p>
-            <a:pPr indent="-342900" lvl="0" marL="457200" rtl="0" algn="l">
+            <a:pPr marL="457200" lvl="0" indent="-342900" algn="l" rtl="0">
               <a:spcBef>
                 <a:spcPts val="0"/>
               </a:spcBef>
@@ -7560,7 +7677,7 @@
             <a:endParaRPr/>
           </a:p>
           <a:p>
-            <a:pPr indent="-317500" lvl="1" marL="914400" rtl="0" algn="l">
+            <a:pPr marL="914400" lvl="1" indent="-317500" algn="l" rtl="0">
               <a:spcBef>
                 <a:spcPts val="0"/>
               </a:spcBef>
@@ -7577,7 +7694,7 @@
             <a:endParaRPr/>
           </a:p>
           <a:p>
-            <a:pPr indent="-317500" lvl="1" marL="914400" rtl="0" algn="l">
+            <a:pPr marL="914400" lvl="1" indent="-317500" algn="l" rtl="0">
               <a:spcBef>
                 <a:spcPts val="0"/>
               </a:spcBef>
@@ -7594,7 +7711,7 @@
             <a:endParaRPr/>
           </a:p>
           <a:p>
-            <a:pPr indent="-317500" lvl="1" marL="914400" rtl="0" algn="l">
+            <a:pPr marL="914400" lvl="1" indent="-317500" algn="l" rtl="0">
               <a:spcBef>
                 <a:spcPts val="0"/>
               </a:spcBef>
@@ -7611,7 +7728,7 @@
             <a:endParaRPr/>
           </a:p>
           <a:p>
-            <a:pPr indent="-317500" lvl="1" marL="914400" rtl="0" algn="l">
+            <a:pPr marL="914400" lvl="1" indent="-317500" algn="l" rtl="0">
               <a:spcBef>
                 <a:spcPts val="0"/>
               </a:spcBef>
@@ -7628,7 +7745,7 @@
             <a:endParaRPr/>
           </a:p>
           <a:p>
-            <a:pPr indent="-342900" lvl="0" marL="457200" rtl="0" algn="l">
+            <a:pPr marL="457200" lvl="0" indent="-342900" algn="l" rtl="0">
               <a:spcBef>
                 <a:spcPts val="0"/>
               </a:spcBef>
@@ -7645,7 +7762,7 @@
             <a:endParaRPr/>
           </a:p>
           <a:p>
-            <a:pPr indent="-342900" lvl="0" marL="457200" rtl="0" algn="l">
+            <a:pPr marL="457200" lvl="0" indent="-342900" algn="l" rtl="0">
               <a:spcBef>
                 <a:spcPts val="0"/>
               </a:spcBef>
@@ -7662,7 +7779,7 @@
             <a:endParaRPr/>
           </a:p>
           <a:p>
-            <a:pPr indent="-317500" lvl="1" marL="914400" rtl="0" algn="l">
+            <a:pPr marL="914400" lvl="1" indent="-317500" algn="l" rtl="0">
               <a:spcBef>
                 <a:spcPts val="0"/>
               </a:spcBef>
@@ -7679,7 +7796,7 @@
             <a:endParaRPr/>
           </a:p>
           <a:p>
-            <a:pPr indent="-317500" lvl="1" marL="914400" rtl="0" algn="l">
+            <a:pPr marL="914400" lvl="1" indent="-317500" algn="l" rtl="0">
               <a:spcBef>
                 <a:spcPts val="0"/>
               </a:spcBef>
@@ -7706,11 +7823,11 @@
 </file>
 
 <file path=ppt/slides/slide4.xml><?xml version="1.0" encoding="utf-8"?>
-<p:sld xmlns:a="http://schemas.openxmlformats.org/drawingml/2006/main" xmlns:r="http://schemas.openxmlformats.org/officeDocument/2006/relationships" xmlns:mc="http://schemas.openxmlformats.org/markup-compatibility/2006" xmlns:mv="urn:schemas-microsoft-com:mac:vml" xmlns:p="http://schemas.openxmlformats.org/presentationml/2006/main" xmlns:c="http://schemas.openxmlformats.org/drawingml/2006/chart" xmlns:dgm="http://schemas.openxmlformats.org/drawingml/2006/diagram" xmlns:o="urn:schemas-microsoft-com:office:office" xmlns:v="urn:schemas-microsoft-com:vml" xmlns:pvml="urn:schemas-microsoft-com:office:powerpoint" xmlns:com="http://schemas.openxmlformats.org/drawingml/2006/compatibility" xmlns:p14="http://schemas.microsoft.com/office/powerpoint/2010/main" xmlns:p15="http://schemas.microsoft.com/office/powerpoint/2012/main">
+<p:sld xmlns:a="http://schemas.openxmlformats.org/drawingml/2006/main" xmlns:r="http://schemas.openxmlformats.org/officeDocument/2006/relationships" xmlns:p="http://schemas.openxmlformats.org/presentationml/2006/main">
   <p:cSld>
     <p:spTree>
       <p:nvGrpSpPr>
-        <p:cNvPr id="84" name="Shape 84"/>
+        <p:cNvPr id="1" name="Shape 84"/>
         <p:cNvGrpSpPr/>
         <p:nvPr/>
       </p:nvGrpSpPr>
@@ -7725,7 +7842,9 @@
       <p:sp>
         <p:nvSpPr>
           <p:cNvPr id="85" name="Google Shape;85;p16"/>
-          <p:cNvSpPr txBox="1"/>
+          <p:cNvSpPr txBox="1">
+            <a:spLocks noGrp="1"/>
+          </p:cNvSpPr>
           <p:nvPr>
             <p:ph type="title"/>
           </p:nvPr>
@@ -7740,12 +7859,12 @@
           </a:prstGeom>
         </p:spPr>
         <p:txBody>
-          <a:bodyPr anchorCtr="0" anchor="ctr" bIns="91425" lIns="91425" spcFirstLastPara="1" rIns="91425" wrap="square" tIns="91425">
+          <a:bodyPr spcFirstLastPara="1" wrap="square" lIns="91425" tIns="91425" rIns="91425" bIns="91425" anchor="ctr" anchorCtr="0">
             <a:noAutofit/>
           </a:bodyPr>
           <a:lstStyle/>
           <a:p>
-            <a:pPr indent="0" lvl="0" marL="0" rtl="0" algn="l">
+            <a:pPr marL="0" lvl="0" indent="0" algn="l" rtl="0">
               <a:spcBef>
                 <a:spcPts val="0"/>
               </a:spcBef>
@@ -7771,11 +7890,11 @@
 </file>
 
 <file path=ppt/slides/slide5.xml><?xml version="1.0" encoding="utf-8"?>
-<p:sld xmlns:a="http://schemas.openxmlformats.org/drawingml/2006/main" xmlns:r="http://schemas.openxmlformats.org/officeDocument/2006/relationships" xmlns:mc="http://schemas.openxmlformats.org/markup-compatibility/2006" xmlns:mv="urn:schemas-microsoft-com:mac:vml" xmlns:p="http://schemas.openxmlformats.org/presentationml/2006/main" xmlns:c="http://schemas.openxmlformats.org/drawingml/2006/chart" xmlns:dgm="http://schemas.openxmlformats.org/drawingml/2006/diagram" xmlns:o="urn:schemas-microsoft-com:office:office" xmlns:v="urn:schemas-microsoft-com:vml" xmlns:pvml="urn:schemas-microsoft-com:office:powerpoint" xmlns:com="http://schemas.openxmlformats.org/drawingml/2006/compatibility" xmlns:p14="http://schemas.microsoft.com/office/powerpoint/2010/main" xmlns:p15="http://schemas.microsoft.com/office/powerpoint/2012/main">
+<p:sld xmlns:a="http://schemas.openxmlformats.org/drawingml/2006/main" xmlns:r="http://schemas.openxmlformats.org/officeDocument/2006/relationships" xmlns:p="http://schemas.openxmlformats.org/presentationml/2006/main">
   <p:cSld>
     <p:spTree>
       <p:nvGrpSpPr>
-        <p:cNvPr id="89" name="Shape 89"/>
+        <p:cNvPr id="1" name="Shape 89"/>
         <p:cNvGrpSpPr/>
         <p:nvPr/>
       </p:nvGrpSpPr>
@@ -7790,7 +7909,9 @@
       <p:sp>
         <p:nvSpPr>
           <p:cNvPr id="90" name="Google Shape;90;p17"/>
-          <p:cNvSpPr txBox="1"/>
+          <p:cNvSpPr txBox="1">
+            <a:spLocks noGrp="1"/>
+          </p:cNvSpPr>
           <p:nvPr>
             <p:ph type="title"/>
           </p:nvPr>
@@ -7805,12 +7926,12 @@
           </a:prstGeom>
         </p:spPr>
         <p:txBody>
-          <a:bodyPr anchorCtr="0" anchor="b" bIns="91425" lIns="91425" spcFirstLastPara="1" rIns="91425" wrap="square" tIns="91425">
+          <a:bodyPr spcFirstLastPara="1" wrap="square" lIns="91425" tIns="91425" rIns="91425" bIns="91425" anchor="b" anchorCtr="0">
             <a:noAutofit/>
           </a:bodyPr>
           <a:lstStyle/>
           <a:p>
-            <a:pPr indent="0" lvl="0" marL="0" rtl="0" algn="l">
+            <a:pPr marL="0" lvl="0" indent="0" algn="l" rtl="0">
               <a:spcBef>
                 <a:spcPts val="0"/>
               </a:spcBef>
@@ -7830,9 +7951,11 @@
       <p:sp>
         <p:nvSpPr>
           <p:cNvPr id="91" name="Google Shape;91;p17"/>
-          <p:cNvSpPr txBox="1"/>
+          <p:cNvSpPr txBox="1">
+            <a:spLocks noGrp="1"/>
+          </p:cNvSpPr>
           <p:nvPr>
-            <p:ph idx="1" type="body"/>
+            <p:ph type="body" idx="1"/>
           </p:nvPr>
         </p:nvSpPr>
         <p:spPr>
@@ -7845,12 +7968,12 @@
           </a:prstGeom>
         </p:spPr>
         <p:txBody>
-          <a:bodyPr anchorCtr="0" anchor="t" bIns="91425" lIns="91425" spcFirstLastPara="1" rIns="91425" wrap="square" tIns="91425">
+          <a:bodyPr spcFirstLastPara="1" wrap="square" lIns="91425" tIns="91425" rIns="91425" bIns="91425" anchor="t" anchorCtr="0">
             <a:noAutofit/>
           </a:bodyPr>
           <a:lstStyle/>
           <a:p>
-            <a:pPr indent="0" lvl="0" marL="0" rtl="0" algn="l">
+            <a:pPr marL="0" lvl="0" indent="0" algn="l" rtl="0">
               <a:spcBef>
                 <a:spcPts val="0"/>
               </a:spcBef>
@@ -7866,7 +7989,7 @@
             <a:endParaRPr/>
           </a:p>
           <a:p>
-            <a:pPr indent="-342900" lvl="0" marL="457200" rtl="0" algn="l">
+            <a:pPr marL="457200" lvl="0" indent="-342900" algn="l" rtl="0">
               <a:spcBef>
                 <a:spcPts val="1600"/>
               </a:spcBef>
@@ -7883,7 +8006,7 @@
             <a:endParaRPr/>
           </a:p>
           <a:p>
-            <a:pPr indent="-317500" lvl="1" marL="914400" rtl="0" algn="l">
+            <a:pPr marL="914400" lvl="1" indent="-317500" algn="l" rtl="0">
               <a:spcBef>
                 <a:spcPts val="0"/>
               </a:spcBef>
@@ -7900,7 +8023,7 @@
             <a:endParaRPr/>
           </a:p>
           <a:p>
-            <a:pPr indent="-342900" lvl="0" marL="457200" rtl="0" algn="l">
+            <a:pPr marL="457200" lvl="0" indent="-342900" algn="l" rtl="0">
               <a:spcBef>
                 <a:spcPts val="0"/>
               </a:spcBef>
@@ -7917,7 +8040,7 @@
             <a:endParaRPr/>
           </a:p>
           <a:p>
-            <a:pPr indent="0" lvl="0" marL="0" rtl="0" algn="l">
+            <a:pPr marL="0" lvl="0" indent="0" algn="l" rtl="0">
               <a:spcBef>
                 <a:spcPts val="1600"/>
               </a:spcBef>
@@ -7933,7 +8056,7 @@
             <a:endParaRPr/>
           </a:p>
           <a:p>
-            <a:pPr indent="-342900" lvl="0" marL="457200" rtl="0" algn="l">
+            <a:pPr marL="457200" lvl="0" indent="-342900" algn="l" rtl="0">
               <a:spcBef>
                 <a:spcPts val="1600"/>
               </a:spcBef>
@@ -7950,7 +8073,7 @@
             <a:endParaRPr/>
           </a:p>
           <a:p>
-            <a:pPr indent="-342900" lvl="0" marL="457200" rtl="0" algn="l">
+            <a:pPr marL="457200" lvl="0" indent="-342900" algn="l" rtl="0">
               <a:spcBef>
                 <a:spcPts val="0"/>
               </a:spcBef>
@@ -7977,11 +8100,11 @@
 </file>
 
 <file path=ppt/slides/slide6.xml><?xml version="1.0" encoding="utf-8"?>
-<p:sld xmlns:a="http://schemas.openxmlformats.org/drawingml/2006/main" xmlns:r="http://schemas.openxmlformats.org/officeDocument/2006/relationships" xmlns:mc="http://schemas.openxmlformats.org/markup-compatibility/2006" xmlns:mv="urn:schemas-microsoft-com:mac:vml" xmlns:p="http://schemas.openxmlformats.org/presentationml/2006/main" xmlns:c="http://schemas.openxmlformats.org/drawingml/2006/chart" xmlns:dgm="http://schemas.openxmlformats.org/drawingml/2006/diagram" xmlns:o="urn:schemas-microsoft-com:office:office" xmlns:v="urn:schemas-microsoft-com:vml" xmlns:pvml="urn:schemas-microsoft-com:office:powerpoint" xmlns:com="http://schemas.openxmlformats.org/drawingml/2006/compatibility" xmlns:p14="http://schemas.microsoft.com/office/powerpoint/2010/main" xmlns:p15="http://schemas.microsoft.com/office/powerpoint/2012/main">
+<p:sld xmlns:a="http://schemas.openxmlformats.org/drawingml/2006/main" xmlns:r="http://schemas.openxmlformats.org/officeDocument/2006/relationships" xmlns:p="http://schemas.openxmlformats.org/presentationml/2006/main">
   <p:cSld>
     <p:spTree>
       <p:nvGrpSpPr>
-        <p:cNvPr id="95" name="Shape 95"/>
+        <p:cNvPr id="1" name="Shape 95"/>
         <p:cNvGrpSpPr/>
         <p:nvPr/>
       </p:nvGrpSpPr>
@@ -7996,7 +8119,9 @@
       <p:sp>
         <p:nvSpPr>
           <p:cNvPr id="96" name="Google Shape;96;p18"/>
-          <p:cNvSpPr txBox="1"/>
+          <p:cNvSpPr txBox="1">
+            <a:spLocks noGrp="1"/>
+          </p:cNvSpPr>
           <p:nvPr>
             <p:ph type="title"/>
           </p:nvPr>
@@ -8011,12 +8136,12 @@
           </a:prstGeom>
         </p:spPr>
         <p:txBody>
-          <a:bodyPr anchorCtr="0" anchor="b" bIns="91425" lIns="91425" spcFirstLastPara="1" rIns="91425" wrap="square" tIns="91425">
+          <a:bodyPr spcFirstLastPara="1" wrap="square" lIns="91425" tIns="91425" rIns="91425" bIns="91425" anchor="b" anchorCtr="0">
             <a:noAutofit/>
           </a:bodyPr>
           <a:lstStyle/>
           <a:p>
-            <a:pPr indent="0" lvl="0" marL="0" rtl="0" algn="l">
+            <a:pPr marL="0" lvl="0" indent="0" algn="l" rtl="0">
               <a:spcBef>
                 <a:spcPts val="0"/>
               </a:spcBef>
@@ -8036,9 +8161,11 @@
       <p:sp>
         <p:nvSpPr>
           <p:cNvPr id="97" name="Google Shape;97;p18"/>
-          <p:cNvSpPr txBox="1"/>
+          <p:cNvSpPr txBox="1">
+            <a:spLocks noGrp="1"/>
+          </p:cNvSpPr>
           <p:nvPr>
-            <p:ph idx="1" type="body"/>
+            <p:ph type="body" idx="1"/>
           </p:nvPr>
         </p:nvSpPr>
         <p:spPr>
@@ -8051,12 +8178,12 @@
           </a:prstGeom>
         </p:spPr>
         <p:txBody>
-          <a:bodyPr anchorCtr="0" anchor="t" bIns="91425" lIns="91425" spcFirstLastPara="1" rIns="91425" wrap="square" tIns="91425">
+          <a:bodyPr spcFirstLastPara="1" wrap="square" lIns="91425" tIns="91425" rIns="91425" bIns="91425" anchor="t" anchorCtr="0">
             <a:noAutofit/>
           </a:bodyPr>
           <a:lstStyle/>
           <a:p>
-            <a:pPr indent="-342900" lvl="0" marL="457200" rtl="0" algn="l">
+            <a:pPr marL="457200" lvl="0" indent="-342900" algn="l" rtl="0">
               <a:spcBef>
                 <a:spcPts val="0"/>
               </a:spcBef>
@@ -8067,13 +8194,13 @@
               <a:buChar char="●"/>
             </a:pPr>
             <a:r>
-              <a:rPr lang="en-GB" sz="1800"/>
+              <a:rPr lang="en-GB" sz="1800" dirty="0"/>
               <a:t>Client-server</a:t>
             </a:r>
-            <a:endParaRPr sz="1800"/>
+            <a:endParaRPr sz="1800" dirty="0"/>
           </a:p>
           <a:p>
-            <a:pPr indent="0" lvl="0" marL="0" rtl="0" algn="l">
+            <a:pPr marL="0" lvl="0" indent="0" algn="l" rtl="0">
               <a:spcBef>
                 <a:spcPts val="1600"/>
               </a:spcBef>
@@ -8084,12 +8211,12 @@
             </a:pPr>
             <a:r>
               <a:rPr lang="en-GB" sz="1800"/>
-              <a:t>Back-end basically does:</a:t>
+              <a:t>Back-end basically:</a:t>
             </a:r>
-            <a:endParaRPr sz="1800"/>
+            <a:endParaRPr sz="1800" dirty="0"/>
           </a:p>
           <a:p>
-            <a:pPr indent="-342900" lvl="0" marL="457200" rtl="0" algn="l">
+            <a:pPr marL="457200" lvl="0" indent="-342900" algn="l" rtl="0">
               <a:spcBef>
                 <a:spcPts val="1600"/>
               </a:spcBef>
@@ -8100,13 +8227,13 @@
               <a:buChar char="●"/>
             </a:pPr>
             <a:r>
-              <a:rPr lang="en-GB" sz="1800"/>
+              <a:rPr lang="en-GB" sz="1800" dirty="0"/>
               <a:t>Gets course outlines</a:t>
             </a:r>
-            <a:endParaRPr sz="1800"/>
+            <a:endParaRPr sz="1800" dirty="0"/>
           </a:p>
           <a:p>
-            <a:pPr indent="-342900" lvl="0" marL="457200" rtl="0" algn="l">
+            <a:pPr marL="457200" lvl="0" indent="-342900" algn="l" rtl="0">
               <a:spcBef>
                 <a:spcPts val="0"/>
               </a:spcBef>
@@ -8117,13 +8244,13 @@
               <a:buChar char="●"/>
             </a:pPr>
             <a:r>
-              <a:rPr lang="en-GB" sz="1800"/>
+              <a:rPr lang="en-GB" sz="1800" dirty="0"/>
               <a:t>Extracts due dates</a:t>
             </a:r>
-            <a:endParaRPr sz="1800"/>
+            <a:endParaRPr sz="1800" dirty="0"/>
           </a:p>
           <a:p>
-            <a:pPr indent="-342900" lvl="0" marL="457200" rtl="0" algn="l">
+            <a:pPr marL="457200" lvl="0" indent="-342900" algn="l" rtl="0">
               <a:spcBef>
                 <a:spcPts val="0"/>
               </a:spcBef>
@@ -8134,10 +8261,10 @@
               <a:buChar char="●"/>
             </a:pPr>
             <a:r>
-              <a:rPr lang="en-GB" sz="1800"/>
+              <a:rPr lang="en-GB" sz="1800" dirty="0"/>
               <a:t>Send data to calendar API</a:t>
             </a:r>
-            <a:endParaRPr sz="1800"/>
+            <a:endParaRPr sz="1800" dirty="0"/>
           </a:p>
         </p:txBody>
       </p:sp>
@@ -8178,7 +8305,7 @@
 </file>
 
 <file path=ppt/theme/theme1.xml><?xml version="1.0" encoding="utf-8"?>
-<a:theme xmlns:a="http://schemas.openxmlformats.org/drawingml/2006/main" xmlns:r="http://schemas.openxmlformats.org/officeDocument/2006/relationships" name="Material">
+<a:theme xmlns:a="http://schemas.openxmlformats.org/drawingml/2006/main" name="Material">
   <a:themeElements>
     <a:clrScheme name="Material">
       <a:dk1>
@@ -8453,11 +8580,13 @@
       </a:bgFillStyleLst>
     </a:fmtScheme>
   </a:themeElements>
+  <a:objectDefaults/>
+  <a:extraClrSchemeLst/>
 </a:theme>
 </file>
 
 <file path=ppt/theme/theme2.xml><?xml version="1.0" encoding="utf-8"?>
-<a:theme xmlns:a="http://schemas.openxmlformats.org/drawingml/2006/main" xmlns:r="http://schemas.openxmlformats.org/officeDocument/2006/relationships">
+<a:theme xmlns:a="http://schemas.openxmlformats.org/drawingml/2006/main">
   <a:themeElements>
     <a:clrScheme name="Default">
       <a:dk1>
@@ -8732,5 +8861,7 @@
       </a:bgFillStyleLst>
     </a:fmtScheme>
   </a:themeElements>
+  <a:objectDefaults/>
+  <a:extraClrSchemeLst/>
 </a:theme>
 </file>